--- a/reports/Project PPT.pptx
+++ b/reports/Project PPT.pptx
@@ -1,26 +1,25 @@
 
 <file path=ppt/presentation.xml><?xml version="1.0" encoding="utf-8"?>
-<p:presentation xmlns:a="http://schemas.openxmlformats.org/drawingml/2006/main" xmlns:r="http://schemas.openxmlformats.org/officeDocument/2006/relationships" xmlns:p="http://schemas.openxmlformats.org/presentationml/2006/main" autoCompressPictures="0">
+<p:presentation xmlns:a="http://schemas.openxmlformats.org/drawingml/2006/main" xmlns:r="http://schemas.openxmlformats.org/officeDocument/2006/relationships" xmlns:p="http://schemas.openxmlformats.org/presentationml/2006/main" saveSubsetFonts="1" autoCompressPictures="0">
   <p:sldMasterIdLst>
-    <p:sldMasterId id="2147483648" r:id="rId1"/>
+    <p:sldMasterId id="2147483712" r:id="rId4"/>
   </p:sldMasterIdLst>
   <p:notesMasterIdLst>
-    <p:notesMasterId r:id="rId16"/>
+    <p:notesMasterId r:id="rId17"/>
   </p:notesMasterIdLst>
   <p:sldIdLst>
-    <p:sldId id="268" r:id="rId3"/>
-    <p:sldId id="257" r:id="rId4"/>
-    <p:sldId id="258" r:id="rId5"/>
-    <p:sldId id="259" r:id="rId6"/>
-    <p:sldId id="261" r:id="rId7"/>
-    <p:sldId id="262" r:id="rId8"/>
-    <p:sldId id="263" r:id="rId9"/>
-    <p:sldId id="264" r:id="rId10"/>
-    <p:sldId id="265" r:id="rId11"/>
-    <p:sldId id="269" r:id="rId12"/>
-    <p:sldId id="267" r:id="rId13"/>
-    <p:sldId id="266" r:id="rId14"/>
-    <p:sldId id="270" r:id="rId15"/>
+    <p:sldId id="256" r:id="rId5"/>
+    <p:sldId id="2146847054" r:id="rId6"/>
+    <p:sldId id="262" r:id="rId7"/>
+    <p:sldId id="265" r:id="rId8"/>
+    <p:sldId id="266" r:id="rId9"/>
+    <p:sldId id="2146847056" r:id="rId10"/>
+    <p:sldId id="267" r:id="rId11"/>
+    <p:sldId id="2146847057" r:id="rId12"/>
+    <p:sldId id="2146847058" r:id="rId13"/>
+    <p:sldId id="268" r:id="rId14"/>
+    <p:sldId id="2146847055" r:id="rId15"/>
+    <p:sldId id="259" r:id="rId16"/>
   </p:sldIdLst>
   <p:sldSz cx="12192000" cy="6858000"/>
   <p:notesSz cx="6858000" cy="9144000"/>
@@ -119,7 +118,32 @@
       </a:defRPr>
     </a:lvl9pPr>
   </p:defaultTextStyle>
+  <p:extLst>
+    <p:ext uri="{EFAFB233-063F-42B5-8137-9DF3F51BA10A}">
+      <p15:sldGuideLst xmlns:p15="http://schemas.microsoft.com/office/powerpoint/2012/main">
+        <p15:guide id="1" orient="horz" pos="2160">
+          <p15:clr>
+            <a:srgbClr val="A4A3A4"/>
+          </p15:clr>
+        </p15:guide>
+        <p15:guide id="2" pos="3840">
+          <p15:clr>
+            <a:srgbClr val="A4A3A4"/>
+          </p15:clr>
+        </p15:guide>
+      </p15:sldGuideLst>
+    </p:ext>
+  </p:extLst>
 </p:presentation>
+</file>
+
+<file path=ppt/revisionInfo.xml><?xml version="1.0" encoding="utf-8"?>
+<p1510:revInfo xmlns:a="http://schemas.openxmlformats.org/drawingml/2006/main" xmlns:r="http://schemas.openxmlformats.org/officeDocument/2006/relationships" xmlns:p1510="http://schemas.microsoft.com/office/powerpoint/2015/10/main">
+  <p1510:revLst>
+    <p1510:client id="{12466EFC-1F62-CA2C-07B1-96111B302B1B}" v="154" dt="2023-11-22T13:37:01.483"/>
+    <p1510:client id="{47C7BCB7-7546-3717-E035-B2126C89CD1A}" v="2" dt="2023-11-22T12:55:27.328"/>
+  </p1510:revLst>
+</p1510:revInfo>
 </file>
 
 <file path=ppt/notesMasters/notesMaster1.xml><?xml version="1.0" encoding="utf-8"?>
@@ -204,6 +228,7 @@
           <a:p>
             <a:fld id="{46256A78-79A6-408F-8148-4F87BB81602D}" type="datetimeFigureOut">
               <a:rPr lang="en-IN" smtClean="0"/>
+              <a:t>31-12-2024</a:t>
             </a:fld>
             <a:endParaRPr lang="en-IN"/>
           </a:p>
@@ -270,7 +295,6 @@
               <a:rPr lang="en-US"/>
               <a:t>Click to edit Master text styles</a:t>
             </a:r>
-            <a:endParaRPr lang="en-US"/>
           </a:p>
           <a:p>
             <a:pPr lvl="1"/>
@@ -278,7 +302,6 @@
               <a:rPr lang="en-US"/>
               <a:t>Second level</a:t>
             </a:r>
-            <a:endParaRPr lang="en-US"/>
           </a:p>
           <a:p>
             <a:pPr lvl="2"/>
@@ -286,7 +309,6 @@
               <a:rPr lang="en-US"/>
               <a:t>Third level</a:t>
             </a:r>
-            <a:endParaRPr lang="en-US"/>
           </a:p>
           <a:p>
             <a:pPr lvl="3"/>
@@ -294,7 +316,6 @@
               <a:rPr lang="en-US"/>
               <a:t>Fourth level</a:t>
             </a:r>
-            <a:endParaRPr lang="en-US"/>
           </a:p>
           <a:p>
             <a:pPr lvl="4"/>
@@ -366,12 +387,18 @@
           <a:p>
             <a:fld id="{17E254F1-4415-47BF-9E91-C5D4B9A33350}" type="slidenum">
               <a:rPr lang="en-IN" smtClean="0"/>
+              <a:t>‹#›</a:t>
             </a:fld>
             <a:endParaRPr lang="en-IN"/>
           </a:p>
         </p:txBody>
       </p:sp>
     </p:spTree>
+    <p:extLst>
+      <p:ext uri="{BB962C8B-B14F-4D97-AF65-F5344CB8AC3E}">
+        <p14:creationId xmlns:p14="http://schemas.microsoft.com/office/powerpoint/2010/main" val="538008421"/>
+      </p:ext>
+    </p:extLst>
   </p:cSld>
   <p:clrMap bg1="lt1" tx1="dk1" bg2="lt2" tx2="dk2" accent1="accent1" accent2="accent2" accent3="accent3" accent4="accent4" accent5="accent5" accent6="accent6" hlink="hlink" folHlink="folHlink"/>
   <p:notesStyle>
@@ -561,7 +588,6 @@
               <a:rPr lang="en-US"/>
               <a:t>Click to edit Master title style</a:t>
             </a:r>
-            <a:endParaRPr lang="en-US"/>
           </a:p>
         </p:txBody>
       </p:sp>
@@ -680,13 +706,18 @@
               <a:rPr lang="en-US"/>
               <a:t>Click to edit Master subtitle style</a:t>
             </a:r>
-            <a:endParaRPr lang="en-US"/>
-          </a:p>
-        </p:txBody>
-      </p:sp>
-      <p:sp>
-        <p:nvSpPr>
-          <p:cNvPr id="8" name="Date Placeholder 7"/>
+          </a:p>
+        </p:txBody>
+      </p:sp>
+      <p:sp>
+        <p:nvSpPr>
+          <p:cNvPr id="8" name="Date Placeholder 7">
+            <a:extLst>
+              <a:ext uri="{FF2B5EF4-FFF2-40B4-BE49-F238E27FC236}">
+                <a16:creationId xmlns:a16="http://schemas.microsoft.com/office/drawing/2014/main" id="{7FA0ACE7-29A8-47D3-A7D9-257B711D8023}"/>
+              </a:ext>
+            </a:extLst>
+          </p:cNvPr>
           <p:cNvSpPr>
             <a:spLocks noGrp="1"/>
           </p:cNvSpPr>
@@ -701,6 +732,7 @@
           <a:p>
             <a:fld id="{ED291B17-9318-49DB-B28B-6E5994AE9581}" type="datetime1">
               <a:rPr lang="en-US" smtClean="0"/>
+              <a:t>12/31/2024</a:t>
             </a:fld>
             <a:endParaRPr lang="en-US"/>
           </a:p>
@@ -708,7 +740,13 @@
       </p:sp>
       <p:sp>
         <p:nvSpPr>
-          <p:cNvPr id="9" name="Footer Placeholder 8"/>
+          <p:cNvPr id="9" name="Footer Placeholder 8">
+            <a:extLst>
+              <a:ext uri="{FF2B5EF4-FFF2-40B4-BE49-F238E27FC236}">
+                <a16:creationId xmlns:a16="http://schemas.microsoft.com/office/drawing/2014/main" id="{DEC604B9-52E9-4810-8359-47206518D038}"/>
+              </a:ext>
+            </a:extLst>
+          </p:cNvPr>
           <p:cNvSpPr>
             <a:spLocks noGrp="1"/>
           </p:cNvSpPr>
@@ -735,7 +773,13 @@
       </p:sp>
       <p:sp>
         <p:nvSpPr>
-          <p:cNvPr id="10" name="Slide Number Placeholder 9"/>
+          <p:cNvPr id="10" name="Slide Number Placeholder 9">
+            <a:extLst>
+              <a:ext uri="{FF2B5EF4-FFF2-40B4-BE49-F238E27FC236}">
+                <a16:creationId xmlns:a16="http://schemas.microsoft.com/office/drawing/2014/main" id="{5898A89F-CA25-400F-B05A-AECBF2517E4F}"/>
+              </a:ext>
+            </a:extLst>
+          </p:cNvPr>
           <p:cNvSpPr>
             <a:spLocks noGrp="1"/>
           </p:cNvSpPr>
@@ -750,12 +794,18 @@
           <a:p>
             <a:fld id="{3A98EE3D-8CD1-4C3F-BD1C-C98C9596463C}" type="slidenum">
               <a:rPr lang="en-US" smtClean="0"/>
+              <a:t>‹#›</a:t>
             </a:fld>
             <a:endParaRPr lang="en-US"/>
           </a:p>
         </p:txBody>
       </p:sp>
     </p:spTree>
+    <p:extLst>
+      <p:ext uri="{BB962C8B-B14F-4D97-AF65-F5344CB8AC3E}">
+        <p14:creationId xmlns:p14="http://schemas.microsoft.com/office/powerpoint/2010/main" val="490017585"/>
+      </p:ext>
+    </p:extLst>
   </p:cSld>
   <p:clrMapOvr>
     <a:masterClrMapping/>
@@ -804,7 +854,6 @@
               <a:rPr lang="en-US"/>
               <a:t>Click to edit Master title style</a:t>
             </a:r>
-            <a:endParaRPr lang="en-US"/>
           </a:p>
         </p:txBody>
       </p:sp>
@@ -844,7 +893,6 @@
               <a:rPr lang="en-US"/>
               <a:t>Click to edit Master text styles</a:t>
             </a:r>
-            <a:endParaRPr lang="en-US"/>
           </a:p>
           <a:p>
             <a:pPr lvl="1"/>
@@ -852,7 +900,6 @@
               <a:rPr lang="en-US"/>
               <a:t>Second level</a:t>
             </a:r>
-            <a:endParaRPr lang="en-US"/>
           </a:p>
           <a:p>
             <a:pPr lvl="2"/>
@@ -860,7 +907,6 @@
               <a:rPr lang="en-US"/>
               <a:t>Third level</a:t>
             </a:r>
-            <a:endParaRPr lang="en-US"/>
           </a:p>
           <a:p>
             <a:pPr lvl="3"/>
@@ -868,7 +914,6 @@
               <a:rPr lang="en-US"/>
               <a:t>Fourth level</a:t>
             </a:r>
-            <a:endParaRPr lang="en-US"/>
           </a:p>
           <a:p>
             <a:pPr lvl="4"/>
@@ -876,7 +921,6 @@
               <a:rPr lang="en-US"/>
               <a:t>Fifth level</a:t>
             </a:r>
-            <a:endParaRPr lang="en-US"/>
           </a:p>
         </p:txBody>
       </p:sp>
@@ -897,6 +941,7 @@
           <a:p>
             <a:fld id="{2CED4963-E985-44C4-B8C4-FDD613B7C2F8}" type="datetime1">
               <a:rPr lang="en-US" smtClean="0"/>
+              <a:t>12/31/2024</a:t>
             </a:fld>
             <a:endParaRPr lang="en-US"/>
           </a:p>
@@ -946,12 +991,18 @@
           <a:p>
             <a:fld id="{3A98EE3D-8CD1-4C3F-BD1C-C98C9596463C}" type="slidenum">
               <a:rPr lang="en-US" smtClean="0"/>
+              <a:t>‹#›</a:t>
             </a:fld>
             <a:endParaRPr lang="en-US"/>
           </a:p>
         </p:txBody>
       </p:sp>
     </p:spTree>
+    <p:extLst>
+      <p:ext uri="{BB962C8B-B14F-4D97-AF65-F5344CB8AC3E}">
+        <p14:creationId xmlns:p14="http://schemas.microsoft.com/office/powerpoint/2010/main" val="1283591147"/>
+      </p:ext>
+    </p:extLst>
   </p:cSld>
   <p:clrMapOvr>
     <a:masterClrMapping/>
@@ -960,7 +1011,7 @@
 </file>
 
 <file path=ppt/slideLayouts/slideLayout11.xml><?xml version="1.0" encoding="utf-8"?>
-<p:sldLayout xmlns:a="http://schemas.openxmlformats.org/drawingml/2006/main" xmlns:r="http://schemas.openxmlformats.org/officeDocument/2006/relationships" xmlns:p="http://schemas.openxmlformats.org/presentationml/2006/main" type="vertTitleAndTx" preserve="1" showMasterSp="0">
+<p:sldLayout xmlns:a="http://schemas.openxmlformats.org/drawingml/2006/main" xmlns:r="http://schemas.openxmlformats.org/officeDocument/2006/relationships" xmlns:p="http://schemas.openxmlformats.org/presentationml/2006/main" showMasterSp="0" type="vertTitleAndTx" preserve="1">
   <p:cSld name="Vertical Title and Text">
     <p:spTree>
       <p:nvGrpSpPr>
@@ -1047,7 +1098,6 @@
               <a:rPr lang="en-US"/>
               <a:t>Click to edit Master title style</a:t>
             </a:r>
-            <a:endParaRPr lang="en-US"/>
           </a:p>
         </p:txBody>
       </p:sp>
@@ -1076,7 +1126,6 @@
               <a:rPr lang="en-US"/>
               <a:t>Click to edit Master text styles</a:t>
             </a:r>
-            <a:endParaRPr lang="en-US"/>
           </a:p>
           <a:p>
             <a:pPr lvl="1"/>
@@ -1084,7 +1133,6 @@
               <a:rPr lang="en-US"/>
               <a:t>Second level</a:t>
             </a:r>
-            <a:endParaRPr lang="en-US"/>
           </a:p>
           <a:p>
             <a:pPr lvl="2"/>
@@ -1092,7 +1140,6 @@
               <a:rPr lang="en-US"/>
               <a:t>Third level</a:t>
             </a:r>
-            <a:endParaRPr lang="en-US"/>
           </a:p>
           <a:p>
             <a:pPr lvl="3"/>
@@ -1100,7 +1147,6 @@
               <a:rPr lang="en-US"/>
               <a:t>Fourth level</a:t>
             </a:r>
-            <a:endParaRPr lang="en-US"/>
           </a:p>
           <a:p>
             <a:pPr lvl="4"/>
@@ -1108,13 +1154,18 @@
               <a:rPr lang="en-US"/>
               <a:t>Fifth level</a:t>
             </a:r>
-            <a:endParaRPr lang="en-US"/>
-          </a:p>
-        </p:txBody>
-      </p:sp>
-      <p:sp>
-        <p:nvSpPr>
-          <p:cNvPr id="8" name="Rectangle 7"/>
+          </a:p>
+        </p:txBody>
+      </p:sp>
+      <p:sp>
+        <p:nvSpPr>
+          <p:cNvPr id="8" name="Rectangle 7">
+            <a:extLst>
+              <a:ext uri="{FF2B5EF4-FFF2-40B4-BE49-F238E27FC236}">
+                <a16:creationId xmlns:a16="http://schemas.microsoft.com/office/drawing/2014/main" id="{F6423B97-A5D4-47B9-8861-73B3707A04CF}"/>
+              </a:ext>
+            </a:extLst>
+          </p:cNvPr>
           <p:cNvSpPr/>
           <p:nvPr/>
         </p:nvSpPr>
@@ -1151,7 +1202,13 @@
       </p:sp>
       <p:sp>
         <p:nvSpPr>
-          <p:cNvPr id="9" name="Rectangle 8"/>
+          <p:cNvPr id="9" name="Rectangle 8">
+            <a:extLst>
+              <a:ext uri="{FF2B5EF4-FFF2-40B4-BE49-F238E27FC236}">
+                <a16:creationId xmlns:a16="http://schemas.microsoft.com/office/drawing/2014/main" id="{1AEC0421-37B4-4481-A10D-69FDF5EC7909}"/>
+              </a:ext>
+            </a:extLst>
+          </p:cNvPr>
           <p:cNvSpPr/>
           <p:nvPr/>
         </p:nvSpPr>
@@ -1188,7 +1245,13 @@
       </p:sp>
       <p:sp>
         <p:nvSpPr>
-          <p:cNvPr id="10" name="Rectangle 9"/>
+          <p:cNvPr id="10" name="Rectangle 9">
+            <a:extLst>
+              <a:ext uri="{FF2B5EF4-FFF2-40B4-BE49-F238E27FC236}">
+                <a16:creationId xmlns:a16="http://schemas.microsoft.com/office/drawing/2014/main" id="{5F7265B5-9F97-4F1E-99E9-74F7B7E62337}"/>
+              </a:ext>
+            </a:extLst>
+          </p:cNvPr>
           <p:cNvSpPr/>
           <p:nvPr/>
         </p:nvSpPr>
@@ -1225,7 +1288,13 @@
       </p:sp>
       <p:sp>
         <p:nvSpPr>
-          <p:cNvPr id="11" name="Date Placeholder 10"/>
+          <p:cNvPr id="11" name="Date Placeholder 10">
+            <a:extLst>
+              <a:ext uri="{FF2B5EF4-FFF2-40B4-BE49-F238E27FC236}">
+                <a16:creationId xmlns:a16="http://schemas.microsoft.com/office/drawing/2014/main" id="{5C74A470-3BD3-4F33-80E5-67E6E87FCBE7}"/>
+              </a:ext>
+            </a:extLst>
+          </p:cNvPr>
           <p:cNvSpPr>
             <a:spLocks noGrp="1"/>
           </p:cNvSpPr>
@@ -1240,6 +1309,7 @@
           <a:p>
             <a:fld id="{ED291B17-9318-49DB-B28B-6E5994AE9581}" type="datetime1">
               <a:rPr lang="en-US" smtClean="0"/>
+              <a:t>12/31/2024</a:t>
             </a:fld>
             <a:endParaRPr lang="en-US"/>
           </a:p>
@@ -1247,7 +1317,13 @@
       </p:sp>
       <p:sp>
         <p:nvSpPr>
-          <p:cNvPr id="12" name="Footer Placeholder 11"/>
+          <p:cNvPr id="12" name="Footer Placeholder 11">
+            <a:extLst>
+              <a:ext uri="{FF2B5EF4-FFF2-40B4-BE49-F238E27FC236}">
+                <a16:creationId xmlns:a16="http://schemas.microsoft.com/office/drawing/2014/main" id="{9A3A30BA-DB50-4D7D-BCDE-17D20FB354DF}"/>
+              </a:ext>
+            </a:extLst>
+          </p:cNvPr>
           <p:cNvSpPr>
             <a:spLocks noGrp="1"/>
           </p:cNvSpPr>
@@ -1274,7 +1350,13 @@
       </p:sp>
       <p:sp>
         <p:nvSpPr>
-          <p:cNvPr id="13" name="Slide Number Placeholder 12"/>
+          <p:cNvPr id="13" name="Slide Number Placeholder 12">
+            <a:extLst>
+              <a:ext uri="{FF2B5EF4-FFF2-40B4-BE49-F238E27FC236}">
+                <a16:creationId xmlns:a16="http://schemas.microsoft.com/office/drawing/2014/main" id="{76FF9E58-C0B2-436B-A21C-DB45A00D6515}"/>
+              </a:ext>
+            </a:extLst>
+          </p:cNvPr>
           <p:cNvSpPr>
             <a:spLocks noGrp="1"/>
           </p:cNvSpPr>
@@ -1289,12 +1371,18 @@
           <a:p>
             <a:fld id="{3A98EE3D-8CD1-4C3F-BD1C-C98C9596463C}" type="slidenum">
               <a:rPr lang="en-US" smtClean="0"/>
+              <a:t>‹#›</a:t>
             </a:fld>
             <a:endParaRPr lang="en-US"/>
           </a:p>
         </p:txBody>
       </p:sp>
     </p:spTree>
+    <p:extLst>
+      <p:ext uri="{BB962C8B-B14F-4D97-AF65-F5344CB8AC3E}">
+        <p14:creationId xmlns:p14="http://schemas.microsoft.com/office/powerpoint/2010/main" val="3388849626"/>
+      </p:ext>
+    </p:extLst>
   </p:cSld>
   <p:clrMapOvr>
     <a:masterClrMapping/>
@@ -1332,7 +1420,7 @@
         <p:spPr>
           <a:xfrm>
             <a:off x="581192" y="702156"/>
-            <a:ext cx="11029616" cy="1188720"/>
+            <a:ext cx="11029616" cy="530296"/>
           </a:xfrm>
         </p:spPr>
         <p:txBody>
@@ -1343,7 +1431,6 @@
               <a:rPr lang="en-US"/>
               <a:t>Click to edit Master title style</a:t>
             </a:r>
-            <a:endParaRPr lang="en-US"/>
           </a:p>
         </p:txBody>
       </p:sp>
@@ -1359,8 +1446,8 @@
         </p:nvSpPr>
         <p:spPr>
           <a:xfrm>
-            <a:off x="581192" y="2340864"/>
-            <a:ext cx="11029615" cy="3634486"/>
+            <a:off x="581192" y="1302026"/>
+            <a:ext cx="11029615" cy="4673324"/>
           </a:xfrm>
         </p:spPr>
         <p:txBody>
@@ -1372,7 +1459,6 @@
               <a:rPr lang="en-US"/>
               <a:t>Click to edit Master text styles</a:t>
             </a:r>
-            <a:endParaRPr lang="en-US"/>
           </a:p>
           <a:p>
             <a:pPr lvl="1"/>
@@ -1380,7 +1466,6 @@
               <a:rPr lang="en-US"/>
               <a:t>Second level</a:t>
             </a:r>
-            <a:endParaRPr lang="en-US"/>
           </a:p>
           <a:p>
             <a:pPr lvl="2"/>
@@ -1388,7 +1473,6 @@
               <a:rPr lang="en-US"/>
               <a:t>Third level</a:t>
             </a:r>
-            <a:endParaRPr lang="en-US"/>
           </a:p>
           <a:p>
             <a:pPr lvl="3"/>
@@ -1396,7 +1480,6 @@
               <a:rPr lang="en-US"/>
               <a:t>Fourth level</a:t>
             </a:r>
-            <a:endParaRPr lang="en-US"/>
           </a:p>
           <a:p>
             <a:pPr lvl="4"/>
@@ -1404,13 +1487,18 @@
               <a:rPr lang="en-US"/>
               <a:t>Fifth level</a:t>
             </a:r>
-            <a:endParaRPr lang="en-US"/>
-          </a:p>
-        </p:txBody>
-      </p:sp>
-      <p:sp>
-        <p:nvSpPr>
-          <p:cNvPr id="8" name="Date Placeholder 7"/>
+          </a:p>
+        </p:txBody>
+      </p:sp>
+      <p:sp>
+        <p:nvSpPr>
+          <p:cNvPr id="8" name="Date Placeholder 7">
+            <a:extLst>
+              <a:ext uri="{FF2B5EF4-FFF2-40B4-BE49-F238E27FC236}">
+                <a16:creationId xmlns:a16="http://schemas.microsoft.com/office/drawing/2014/main" id="{770E6237-3456-439F-802D-3BA93FC7E3E5}"/>
+              </a:ext>
+            </a:extLst>
+          </p:cNvPr>
           <p:cNvSpPr>
             <a:spLocks noGrp="1"/>
           </p:cNvSpPr>
@@ -1425,12 +1513,18 @@
           <a:p>
             <a:fld id="{78DD82B9-B8EE-4375-B6FF-88FA6ABB15D9}" type="datetime1">
               <a:rPr lang="en-US" smtClean="0"/>
+              <a:t>12/31/2024</a:t>
             </a:fld>
             <a:endParaRPr lang="en-US"/>
           </a:p>
         </p:txBody>
       </p:sp>
     </p:spTree>
+    <p:extLst>
+      <p:ext uri="{BB962C8B-B14F-4D97-AF65-F5344CB8AC3E}">
+        <p14:creationId xmlns:p14="http://schemas.microsoft.com/office/powerpoint/2010/main" val="852443411"/>
+      </p:ext>
+    </p:extLst>
   </p:cSld>
   <p:clrMapOvr>
     <a:masterClrMapping/>
@@ -1531,7 +1625,6 @@
               <a:rPr lang="en-US"/>
               <a:t>Click to edit Master title style</a:t>
             </a:r>
-            <a:endParaRPr lang="en-US"/>
           </a:p>
         </p:txBody>
       </p:sp>
@@ -1651,13 +1744,18 @@
               <a:rPr lang="en-US"/>
               <a:t>Click to edit Master text styles</a:t>
             </a:r>
-            <a:endParaRPr lang="en-US"/>
-          </a:p>
-        </p:txBody>
-      </p:sp>
-      <p:sp>
-        <p:nvSpPr>
-          <p:cNvPr id="7" name="Date Placeholder 6"/>
+          </a:p>
+        </p:txBody>
+      </p:sp>
+      <p:sp>
+        <p:nvSpPr>
+          <p:cNvPr id="7" name="Date Placeholder 6">
+            <a:extLst>
+              <a:ext uri="{FF2B5EF4-FFF2-40B4-BE49-F238E27FC236}">
+                <a16:creationId xmlns:a16="http://schemas.microsoft.com/office/drawing/2014/main" id="{61582016-5696-4A93-887F-BBB3B9002FE5}"/>
+              </a:ext>
+            </a:extLst>
+          </p:cNvPr>
           <p:cNvSpPr>
             <a:spLocks noGrp="1"/>
           </p:cNvSpPr>
@@ -1672,6 +1770,7 @@
           <a:p>
             <a:fld id="{B2497495-0637-405E-AE64-5CC7506D51F5}" type="datetime1">
               <a:rPr lang="en-US" smtClean="0"/>
+              <a:t>12/31/2024</a:t>
             </a:fld>
             <a:endParaRPr lang="en-US"/>
           </a:p>
@@ -1679,7 +1778,13 @@
       </p:sp>
       <p:sp>
         <p:nvSpPr>
-          <p:cNvPr id="9" name="Footer Placeholder 8"/>
+          <p:cNvPr id="9" name="Footer Placeholder 8">
+            <a:extLst>
+              <a:ext uri="{FF2B5EF4-FFF2-40B4-BE49-F238E27FC236}">
+                <a16:creationId xmlns:a16="http://schemas.microsoft.com/office/drawing/2014/main" id="{857CFCD5-1192-4E18-8A8F-29E153B44DA4}"/>
+              </a:ext>
+            </a:extLst>
+          </p:cNvPr>
           <p:cNvSpPr>
             <a:spLocks noGrp="1"/>
           </p:cNvSpPr>
@@ -1706,7 +1811,13 @@
       </p:sp>
       <p:sp>
         <p:nvSpPr>
-          <p:cNvPr id="10" name="Slide Number Placeholder 9"/>
+          <p:cNvPr id="10" name="Slide Number Placeholder 9">
+            <a:extLst>
+              <a:ext uri="{FF2B5EF4-FFF2-40B4-BE49-F238E27FC236}">
+                <a16:creationId xmlns:a16="http://schemas.microsoft.com/office/drawing/2014/main" id="{E39A109E-5018-4794-92B3-FD5E5BCD95E8}"/>
+              </a:ext>
+            </a:extLst>
+          </p:cNvPr>
           <p:cNvSpPr>
             <a:spLocks noGrp="1"/>
           </p:cNvSpPr>
@@ -1721,12 +1832,18 @@
           <a:p>
             <a:fld id="{3A98EE3D-8CD1-4C3F-BD1C-C98C9596463C}" type="slidenum">
               <a:rPr lang="en-US" smtClean="0"/>
+              <a:t>‹#›</a:t>
             </a:fld>
             <a:endParaRPr lang="en-US"/>
           </a:p>
         </p:txBody>
       </p:sp>
     </p:spTree>
+    <p:extLst>
+      <p:ext uri="{BB962C8B-B14F-4D97-AF65-F5344CB8AC3E}">
+        <p14:creationId xmlns:p14="http://schemas.microsoft.com/office/powerpoint/2010/main" val="366680978"/>
+      </p:ext>
+    </p:extLst>
   </p:cSld>
   <p:clrMapOvr>
     <a:masterClrMapping/>
@@ -1764,7 +1881,7 @@
         <p:spPr>
           <a:xfrm>
             <a:off x="581193" y="729658"/>
-            <a:ext cx="11029616" cy="988332"/>
+            <a:ext cx="11029616" cy="492855"/>
           </a:xfrm>
         </p:spPr>
         <p:txBody>
@@ -1775,7 +1892,6 @@
               <a:rPr lang="en-US"/>
               <a:t>Click to edit Master title style</a:t>
             </a:r>
-            <a:endParaRPr lang="en-US"/>
           </a:p>
         </p:txBody>
       </p:sp>
@@ -1791,8 +1907,8 @@
         </p:nvSpPr>
         <p:spPr>
           <a:xfrm>
-            <a:off x="581193" y="2228003"/>
-            <a:ext cx="5194767" cy="3633047"/>
+            <a:off x="581193" y="1391479"/>
+            <a:ext cx="5194767" cy="4469572"/>
           </a:xfrm>
         </p:spPr>
         <p:txBody>
@@ -1806,7 +1922,6 @@
               <a:rPr lang="en-US"/>
               <a:t>Click to edit Master text styles</a:t>
             </a:r>
-            <a:endParaRPr lang="en-US"/>
           </a:p>
           <a:p>
             <a:pPr lvl="1"/>
@@ -1814,7 +1929,6 @@
               <a:rPr lang="en-US"/>
               <a:t>Second level</a:t>
             </a:r>
-            <a:endParaRPr lang="en-US"/>
           </a:p>
           <a:p>
             <a:pPr lvl="2"/>
@@ -1822,7 +1936,6 @@
               <a:rPr lang="en-US"/>
               <a:t>Third level</a:t>
             </a:r>
-            <a:endParaRPr lang="en-US"/>
           </a:p>
           <a:p>
             <a:pPr lvl="3"/>
@@ -1830,7 +1943,6 @@
               <a:rPr lang="en-US"/>
               <a:t>Fourth level</a:t>
             </a:r>
-            <a:endParaRPr lang="en-US"/>
           </a:p>
           <a:p>
             <a:pPr lvl="4"/>
@@ -1838,7 +1950,6 @@
               <a:rPr lang="en-US"/>
               <a:t>Fifth level</a:t>
             </a:r>
-            <a:endParaRPr lang="en-US"/>
           </a:p>
         </p:txBody>
       </p:sp>
@@ -1854,8 +1965,8 @@
         </p:nvSpPr>
         <p:spPr>
           <a:xfrm>
-            <a:off x="6416039" y="2228003"/>
-            <a:ext cx="5194769" cy="3633047"/>
+            <a:off x="6416039" y="1391479"/>
+            <a:ext cx="5194769" cy="4469572"/>
           </a:xfrm>
         </p:spPr>
         <p:txBody>
@@ -1869,7 +1980,6 @@
               <a:rPr lang="en-US"/>
               <a:t>Click to edit Master text styles</a:t>
             </a:r>
-            <a:endParaRPr lang="en-US"/>
           </a:p>
           <a:p>
             <a:pPr lvl="1"/>
@@ -1877,7 +1987,6 @@
               <a:rPr lang="en-US"/>
               <a:t>Second level</a:t>
             </a:r>
-            <a:endParaRPr lang="en-US"/>
           </a:p>
           <a:p>
             <a:pPr lvl="2"/>
@@ -1885,7 +1994,6 @@
               <a:rPr lang="en-US"/>
               <a:t>Third level</a:t>
             </a:r>
-            <a:endParaRPr lang="en-US"/>
           </a:p>
           <a:p>
             <a:pPr lvl="3"/>
@@ -1893,7 +2001,6 @@
               <a:rPr lang="en-US"/>
               <a:t>Fourth level</a:t>
             </a:r>
-            <a:endParaRPr lang="en-US"/>
           </a:p>
           <a:p>
             <a:pPr lvl="4"/>
@@ -1901,7 +2008,6 @@
               <a:rPr lang="en-US"/>
               <a:t>Fifth level</a:t>
             </a:r>
-            <a:endParaRPr lang="en-US"/>
           </a:p>
         </p:txBody>
       </p:sp>
@@ -1922,6 +2028,7 @@
           <a:p>
             <a:fld id="{7BFFD690-9426-415D-8B65-26881E07B2D4}" type="datetime1">
               <a:rPr lang="en-US" smtClean="0"/>
+              <a:t>12/31/2024</a:t>
             </a:fld>
             <a:endParaRPr lang="en-US"/>
           </a:p>
@@ -1971,12 +2078,18 @@
           <a:p>
             <a:fld id="{3A98EE3D-8CD1-4C3F-BD1C-C98C9596463C}" type="slidenum">
               <a:rPr lang="en-US" smtClean="0"/>
+              <a:t>‹#›</a:t>
             </a:fld>
             <a:endParaRPr lang="en-US"/>
           </a:p>
         </p:txBody>
       </p:sp>
     </p:spTree>
+    <p:extLst>
+      <p:ext uri="{BB962C8B-B14F-4D97-AF65-F5344CB8AC3E}">
+        <p14:creationId xmlns:p14="http://schemas.microsoft.com/office/powerpoint/2010/main" val="2483323219"/>
+      </p:ext>
+    </p:extLst>
   </p:cSld>
   <p:clrMapOvr>
     <a:masterClrMapping/>
@@ -2025,7 +2138,6 @@
               <a:rPr lang="en-US"/>
               <a:t>Click to edit Master title style</a:t>
             </a:r>
-            <a:endParaRPr lang="en-US"/>
           </a:p>
         </p:txBody>
       </p:sp>
@@ -2100,7 +2212,6 @@
               <a:rPr lang="en-US"/>
               <a:t>Click to edit Master text styles</a:t>
             </a:r>
-            <a:endParaRPr lang="en-US"/>
           </a:p>
         </p:txBody>
       </p:sp>
@@ -2131,7 +2242,6 @@
               <a:rPr lang="en-US"/>
               <a:t>Click to edit Master text styles</a:t>
             </a:r>
-            <a:endParaRPr lang="en-US"/>
           </a:p>
           <a:p>
             <a:pPr lvl="1"/>
@@ -2139,7 +2249,6 @@
               <a:rPr lang="en-US"/>
               <a:t>Second level</a:t>
             </a:r>
-            <a:endParaRPr lang="en-US"/>
           </a:p>
           <a:p>
             <a:pPr lvl="2"/>
@@ -2147,7 +2256,6 @@
               <a:rPr lang="en-US"/>
               <a:t>Third level</a:t>
             </a:r>
-            <a:endParaRPr lang="en-US"/>
           </a:p>
           <a:p>
             <a:pPr lvl="3"/>
@@ -2155,7 +2263,6 @@
               <a:rPr lang="en-US"/>
               <a:t>Fourth level</a:t>
             </a:r>
-            <a:endParaRPr lang="en-US"/>
           </a:p>
           <a:p>
             <a:pPr lvl="4"/>
@@ -2163,7 +2270,6 @@
               <a:rPr lang="en-US"/>
               <a:t>Fifth level</a:t>
             </a:r>
-            <a:endParaRPr lang="en-US"/>
           </a:p>
         </p:txBody>
       </p:sp>
@@ -2204,6 +2310,7 @@
               <a:buSzPct val="92000"/>
               <a:buFont typeface="Wingdings 2" panose="05020102010507070707" pitchFamily="18" charset="2"/>
               <a:buNone/>
+              <a:tabLst/>
               <a:defRPr sz="2000" b="0">
                 <a:solidFill>
                   <a:schemeClr val="tx1">
@@ -2263,13 +2370,13 @@
               <a:buSzPct val="92000"/>
               <a:buFont typeface="Wingdings 2" panose="05020102010507070707" pitchFamily="18" charset="2"/>
               <a:buNone/>
+              <a:tabLst/>
               <a:defRPr/>
             </a:pPr>
             <a:r>
               <a:rPr lang="en-US"/>
               <a:t>Click to edit Master text styles</a:t>
             </a:r>
-            <a:endParaRPr lang="en-US"/>
           </a:p>
         </p:txBody>
       </p:sp>
@@ -2300,7 +2407,6 @@
               <a:rPr lang="en-US"/>
               <a:t>Click to edit Master text styles</a:t>
             </a:r>
-            <a:endParaRPr lang="en-US"/>
           </a:p>
           <a:p>
             <a:pPr lvl="1"/>
@@ -2308,7 +2414,6 @@
               <a:rPr lang="en-US"/>
               <a:t>Second level</a:t>
             </a:r>
-            <a:endParaRPr lang="en-US"/>
           </a:p>
           <a:p>
             <a:pPr lvl="2"/>
@@ -2316,7 +2421,6 @@
               <a:rPr lang="en-US"/>
               <a:t>Third level</a:t>
             </a:r>
-            <a:endParaRPr lang="en-US"/>
           </a:p>
           <a:p>
             <a:pPr lvl="3"/>
@@ -2324,7 +2428,6 @@
               <a:rPr lang="en-US"/>
               <a:t>Fourth level</a:t>
             </a:r>
-            <a:endParaRPr lang="en-US"/>
           </a:p>
           <a:p>
             <a:pPr lvl="4"/>
@@ -2332,7 +2435,6 @@
               <a:rPr lang="en-US"/>
               <a:t>Fifth level</a:t>
             </a:r>
-            <a:endParaRPr lang="en-US"/>
           </a:p>
         </p:txBody>
       </p:sp>
@@ -2353,6 +2455,7 @@
           <a:p>
             <a:fld id="{04C4989A-474C-40DE-95B9-011C28B71673}" type="datetime1">
               <a:rPr lang="en-US" smtClean="0"/>
+              <a:t>12/31/2024</a:t>
             </a:fld>
             <a:endParaRPr lang="en-US"/>
           </a:p>
@@ -2402,12 +2505,18 @@
           <a:p>
             <a:fld id="{3A98EE3D-8CD1-4C3F-BD1C-C98C9596463C}" type="slidenum">
               <a:rPr lang="en-US" smtClean="0"/>
+              <a:t>‹#›</a:t>
             </a:fld>
             <a:endParaRPr lang="en-US"/>
           </a:p>
         </p:txBody>
       </p:sp>
     </p:spTree>
+    <p:extLst>
+      <p:ext uri="{BB962C8B-B14F-4D97-AF65-F5344CB8AC3E}">
+        <p14:creationId xmlns:p14="http://schemas.microsoft.com/office/powerpoint/2010/main" val="1748046589"/>
+      </p:ext>
+    </p:extLst>
   </p:cSld>
   <p:clrMapOvr>
     <a:masterClrMapping/>
@@ -2445,7 +2554,7 @@
         <p:spPr>
           <a:xfrm>
             <a:off x="575894" y="729658"/>
-            <a:ext cx="11029616" cy="988332"/>
+            <a:ext cx="11029616" cy="592246"/>
           </a:xfrm>
         </p:spPr>
         <p:txBody>
@@ -2456,7 +2565,6 @@
               <a:rPr lang="en-US"/>
               <a:t>Click to edit Master title style</a:t>
             </a:r>
-            <a:endParaRPr lang="en-US"/>
           </a:p>
         </p:txBody>
       </p:sp>
@@ -2477,6 +2585,7 @@
           <a:p>
             <a:fld id="{5DB4ED54-5B5E-4A04-93D3-5772E3CE3818}" type="datetime1">
               <a:rPr lang="en-US" smtClean="0"/>
+              <a:t>12/31/2024</a:t>
             </a:fld>
             <a:endParaRPr lang="en-US"/>
           </a:p>
@@ -2526,12 +2635,18 @@
           <a:p>
             <a:fld id="{3A98EE3D-8CD1-4C3F-BD1C-C98C9596463C}" type="slidenum">
               <a:rPr lang="en-US" smtClean="0"/>
+              <a:t>‹#›</a:t>
             </a:fld>
             <a:endParaRPr lang="en-US"/>
           </a:p>
         </p:txBody>
       </p:sp>
     </p:spTree>
+    <p:extLst>
+      <p:ext uri="{BB962C8B-B14F-4D97-AF65-F5344CB8AC3E}">
+        <p14:creationId xmlns:p14="http://schemas.microsoft.com/office/powerpoint/2010/main" val="112936382"/>
+      </p:ext>
+    </p:extLst>
   </p:cSld>
   <p:clrMapOvr>
     <a:masterClrMapping/>
@@ -2573,6 +2688,7 @@
           <a:p>
             <a:fld id="{4EDE50D6-574B-40AF-946F-D52A04ADE379}" type="datetime1">
               <a:rPr lang="en-US" smtClean="0"/>
+              <a:t>12/31/2024</a:t>
             </a:fld>
             <a:endParaRPr lang="en-US"/>
           </a:p>
@@ -2622,12 +2738,18 @@
           <a:p>
             <a:fld id="{3A98EE3D-8CD1-4C3F-BD1C-C98C9596463C}" type="slidenum">
               <a:rPr lang="en-US" smtClean="0"/>
+              <a:t>‹#›</a:t>
             </a:fld>
             <a:endParaRPr lang="en-US"/>
           </a:p>
         </p:txBody>
       </p:sp>
     </p:spTree>
+    <p:extLst>
+      <p:ext uri="{BB962C8B-B14F-4D97-AF65-F5344CB8AC3E}">
+        <p14:creationId xmlns:p14="http://schemas.microsoft.com/office/powerpoint/2010/main" val="1129494974"/>
+      </p:ext>
+    </p:extLst>
   </p:cSld>
   <p:clrMapOvr>
     <a:masterClrMapping/>
@@ -2725,7 +2847,6 @@
               <a:rPr lang="en-US"/>
               <a:t>Click to edit Master title style</a:t>
             </a:r>
-            <a:endParaRPr lang="en-US"/>
           </a:p>
         </p:txBody>
       </p:sp>
@@ -2820,7 +2941,6 @@
               <a:rPr lang="en-US"/>
               <a:t>Click to edit Master text styles</a:t>
             </a:r>
-            <a:endParaRPr lang="en-US"/>
           </a:p>
           <a:p>
             <a:pPr lvl="1"/>
@@ -2828,7 +2948,6 @@
               <a:rPr lang="en-US"/>
               <a:t>Second level</a:t>
             </a:r>
-            <a:endParaRPr lang="en-US"/>
           </a:p>
           <a:p>
             <a:pPr lvl="2"/>
@@ -2836,7 +2955,6 @@
               <a:rPr lang="en-US"/>
               <a:t>Third level</a:t>
             </a:r>
-            <a:endParaRPr lang="en-US"/>
           </a:p>
           <a:p>
             <a:pPr lvl="3"/>
@@ -2844,7 +2962,6 @@
               <a:rPr lang="en-US"/>
               <a:t>Fourth level</a:t>
             </a:r>
-            <a:endParaRPr lang="en-US"/>
           </a:p>
           <a:p>
             <a:pPr lvl="4"/>
@@ -2852,7 +2969,6 @@
               <a:rPr lang="en-US"/>
               <a:t>Fifth level</a:t>
             </a:r>
-            <a:endParaRPr lang="en-US"/>
           </a:p>
         </p:txBody>
       </p:sp>
@@ -2924,13 +3040,18 @@
               <a:rPr lang="en-US"/>
               <a:t>Click to edit Master text styles</a:t>
             </a:r>
-            <a:endParaRPr lang="en-US"/>
-          </a:p>
-        </p:txBody>
-      </p:sp>
-      <p:sp>
-        <p:nvSpPr>
-          <p:cNvPr id="8" name="Date Placeholder 7"/>
+          </a:p>
+        </p:txBody>
+      </p:sp>
+      <p:sp>
+        <p:nvSpPr>
+          <p:cNvPr id="8" name="Date Placeholder 7">
+            <a:extLst>
+              <a:ext uri="{FF2B5EF4-FFF2-40B4-BE49-F238E27FC236}">
+                <a16:creationId xmlns:a16="http://schemas.microsoft.com/office/drawing/2014/main" id="{0B919CC2-2A65-446F-B538-9E6249035445}"/>
+              </a:ext>
+            </a:extLst>
+          </p:cNvPr>
           <p:cNvSpPr>
             <a:spLocks noGrp="1"/>
           </p:cNvSpPr>
@@ -2950,6 +3071,7 @@
           <a:p>
             <a:fld id="{D82884F1-FFEA-405F-9602-3DCA865EDA4E}" type="datetime1">
               <a:rPr lang="en-US" smtClean="0"/>
+              <a:t>12/31/2024</a:t>
             </a:fld>
             <a:endParaRPr lang="en-US"/>
           </a:p>
@@ -2957,7 +3079,13 @@
       </p:sp>
       <p:sp>
         <p:nvSpPr>
-          <p:cNvPr id="10" name="Footer Placeholder 9"/>
+          <p:cNvPr id="10" name="Footer Placeholder 9">
+            <a:extLst>
+              <a:ext uri="{FF2B5EF4-FFF2-40B4-BE49-F238E27FC236}">
+                <a16:creationId xmlns:a16="http://schemas.microsoft.com/office/drawing/2014/main" id="{B72412AE-119E-4982-8B24-63365EFCA796}"/>
+              </a:ext>
+            </a:extLst>
+          </p:cNvPr>
           <p:cNvSpPr>
             <a:spLocks noGrp="1"/>
           </p:cNvSpPr>
@@ -2984,7 +3112,13 @@
       </p:sp>
       <p:sp>
         <p:nvSpPr>
-          <p:cNvPr id="11" name="Slide Number Placeholder 10"/>
+          <p:cNvPr id="11" name="Slide Number Placeholder 10">
+            <a:extLst>
+              <a:ext uri="{FF2B5EF4-FFF2-40B4-BE49-F238E27FC236}">
+                <a16:creationId xmlns:a16="http://schemas.microsoft.com/office/drawing/2014/main" id="{7FC4BB19-6AD1-45CF-9F99-00B109890FAB}"/>
+              </a:ext>
+            </a:extLst>
+          </p:cNvPr>
           <p:cNvSpPr>
             <a:spLocks noGrp="1"/>
           </p:cNvSpPr>
@@ -3004,12 +3138,19 @@
           <a:p>
             <a:fld id="{3A98EE3D-8CD1-4C3F-BD1C-C98C9596463C}" type="slidenum">
               <a:rPr lang="en-US" smtClean="0"/>
+              <a:pPr/>
+              <a:t>‹#›</a:t>
             </a:fld>
             <a:endParaRPr lang="en-US"/>
           </a:p>
         </p:txBody>
       </p:sp>
     </p:spTree>
+    <p:extLst>
+      <p:ext uri="{BB962C8B-B14F-4D97-AF65-F5344CB8AC3E}">
+        <p14:creationId xmlns:p14="http://schemas.microsoft.com/office/powerpoint/2010/main" val="1261766693"/>
+      </p:ext>
+    </p:extLst>
   </p:cSld>
   <p:clrMapOvr>
     <a:masterClrMapping/>
@@ -3071,7 +3212,6 @@
               <a:rPr lang="en-US"/>
               <a:t>Click to edit Master title style</a:t>
             </a:r>
-            <a:endParaRPr lang="en-US"/>
           </a:p>
         </p:txBody>
       </p:sp>
@@ -3138,7 +3278,6 @@
               <a:rPr lang="en-US"/>
               <a:t>Click icon to add picture</a:t>
             </a:r>
-            <a:endParaRPr lang="en-US"/>
           </a:p>
         </p:txBody>
       </p:sp>
@@ -3206,7 +3345,6 @@
               <a:rPr lang="en-US"/>
               <a:t>Click to edit Master text styles</a:t>
             </a:r>
-            <a:endParaRPr lang="en-US"/>
           </a:p>
         </p:txBody>
       </p:sp>
@@ -3227,6 +3365,7 @@
           <a:p>
             <a:fld id="{7E18DB4A-8810-4A10-AD5C-D5E2C667F5B3}" type="datetime1">
               <a:rPr lang="en-US" smtClean="0"/>
+              <a:t>12/31/2024</a:t>
             </a:fld>
             <a:endParaRPr lang="en-US"/>
           </a:p>
@@ -3277,12 +3416,18 @@
           <a:p>
             <a:fld id="{3A98EE3D-8CD1-4C3F-BD1C-C98C9596463C}" type="slidenum">
               <a:rPr lang="en-US" smtClean="0"/>
+              <a:t>‹#›</a:t>
             </a:fld>
             <a:endParaRPr lang="en-US"/>
           </a:p>
         </p:txBody>
       </p:sp>
     </p:spTree>
+    <p:extLst>
+      <p:ext uri="{BB962C8B-B14F-4D97-AF65-F5344CB8AC3E}">
+        <p14:creationId xmlns:p14="http://schemas.microsoft.com/office/powerpoint/2010/main" val="3573289553"/>
+      </p:ext>
+    </p:extLst>
   </p:cSld>
   <p:clrMapOvr>
     <a:masterClrMapping/>
@@ -3325,7 +3470,7 @@
         <p:spPr>
           <a:xfrm>
             <a:off x="581192" y="705124"/>
-            <a:ext cx="11029616" cy="1189554"/>
+            <a:ext cx="11029616" cy="557146"/>
           </a:xfrm>
           <a:prstGeom prst="rect">
             <a:avLst/>
@@ -3341,7 +3486,6 @@
               <a:rPr lang="en-US"/>
               <a:t>Click to edit Master title style</a:t>
             </a:r>
-            <a:endParaRPr lang="en-US"/>
           </a:p>
         </p:txBody>
       </p:sp>
@@ -3357,8 +3501,8 @@
         </p:nvSpPr>
         <p:spPr>
           <a:xfrm>
-            <a:off x="581192" y="2336002"/>
-            <a:ext cx="11029616" cy="3652047"/>
+            <a:off x="581192" y="1415198"/>
+            <a:ext cx="11029616" cy="4572852"/>
           </a:xfrm>
           <a:prstGeom prst="rect">
             <a:avLst/>
@@ -3375,7 +3519,6 @@
               <a:rPr lang="en-US"/>
               <a:t>Click to edit Master text styles</a:t>
             </a:r>
-            <a:endParaRPr lang="en-US"/>
           </a:p>
           <a:p>
             <a:pPr lvl="1"/>
@@ -3383,7 +3526,6 @@
               <a:rPr lang="en-US"/>
               <a:t>Second level</a:t>
             </a:r>
-            <a:endParaRPr lang="en-US"/>
           </a:p>
           <a:p>
             <a:pPr lvl="2"/>
@@ -3391,7 +3533,6 @@
               <a:rPr lang="en-US"/>
               <a:t>Third level</a:t>
             </a:r>
-            <a:endParaRPr lang="en-US"/>
           </a:p>
           <a:p>
             <a:pPr lvl="3"/>
@@ -3399,7 +3540,6 @@
               <a:rPr lang="en-US"/>
               <a:t>Fourth level</a:t>
             </a:r>
-            <a:endParaRPr lang="en-US"/>
           </a:p>
           <a:p>
             <a:pPr lvl="4"/>
@@ -3407,7 +3547,6 @@
               <a:rPr lang="en-US"/>
               <a:t>Fifth level</a:t>
             </a:r>
-            <a:endParaRPr lang="en-US"/>
           </a:p>
         </p:txBody>
       </p:sp>
@@ -3447,6 +3586,7 @@
           <a:p>
             <a:fld id="{ED291B17-9318-49DB-B28B-6E5994AE9581}" type="datetime1">
               <a:rPr lang="en-US" smtClean="0"/>
+              <a:t>12/31/2024</a:t>
             </a:fld>
             <a:endParaRPr lang="en-US"/>
           </a:p>
@@ -3488,6 +3628,7 @@
           <a:p>
             <a:fld id="{3A98EE3D-8CD1-4C3F-BD1C-C98C9596463C}" type="slidenum">
               <a:rPr lang="en-US" smtClean="0"/>
+              <a:t>‹#›</a:t>
             </a:fld>
             <a:endParaRPr lang="en-US"/>
           </a:p>
@@ -3604,21 +3745,56 @@
           </a:fontRef>
         </p:style>
       </p:sp>
+      <p:pic>
+        <p:nvPicPr>
+          <p:cNvPr id="8" name="Picture 7" descr="Logo&#10;&#10;Description automatically generated">
+            <a:extLst>
+              <a:ext uri="{FF2B5EF4-FFF2-40B4-BE49-F238E27FC236}">
+                <a16:creationId xmlns:a16="http://schemas.microsoft.com/office/drawing/2014/main" id="{14A64E4D-8DED-7830-2955-1BE78C5B0655}"/>
+              </a:ext>
+            </a:extLst>
+          </p:cNvPr>
+          <p:cNvPicPr>
+            <a:picLocks noChangeAspect="1"/>
+          </p:cNvPicPr>
+          <p:nvPr userDrawn="1"/>
+        </p:nvPicPr>
+        <p:blipFill>
+          <a:blip r:embed="rId13"/>
+          <a:stretch>
+            <a:fillRect/>
+          </a:stretch>
+        </p:blipFill>
+        <p:spPr>
+          <a:xfrm>
+            <a:off x="10485003" y="6437910"/>
+            <a:ext cx="1125805" cy="365126"/>
+          </a:xfrm>
+          <a:prstGeom prst="rect">
+            <a:avLst/>
+          </a:prstGeom>
+        </p:spPr>
+      </p:pic>
     </p:spTree>
+    <p:extLst>
+      <p:ext uri="{BB962C8B-B14F-4D97-AF65-F5344CB8AC3E}">
+        <p14:creationId xmlns:p14="http://schemas.microsoft.com/office/powerpoint/2010/main" val="3000897896"/>
+      </p:ext>
+    </p:extLst>
   </p:cSld>
   <p:clrMap bg1="lt1" tx1="dk1" bg2="lt2" tx2="dk2" accent1="accent1" accent2="accent2" accent3="accent3" accent4="accent4" accent5="accent5" accent6="accent6" hlink="hlink" folHlink="folHlink"/>
   <p:sldLayoutIdLst>
-    <p:sldLayoutId id="2147483649" r:id="rId1"/>
-    <p:sldLayoutId id="2147483650" r:id="rId2"/>
-    <p:sldLayoutId id="2147483651" r:id="rId3"/>
-    <p:sldLayoutId id="2147483652" r:id="rId4"/>
-    <p:sldLayoutId id="2147483653" r:id="rId5"/>
-    <p:sldLayoutId id="2147483654" r:id="rId6"/>
-    <p:sldLayoutId id="2147483655" r:id="rId7"/>
-    <p:sldLayoutId id="2147483656" r:id="rId8"/>
-    <p:sldLayoutId id="2147483657" r:id="rId9"/>
-    <p:sldLayoutId id="2147483658" r:id="rId10"/>
-    <p:sldLayoutId id="2147483659" r:id="rId11"/>
+    <p:sldLayoutId id="2147483756" r:id="rId1"/>
+    <p:sldLayoutId id="2147483757" r:id="rId2"/>
+    <p:sldLayoutId id="2147483758" r:id="rId3"/>
+    <p:sldLayoutId id="2147483759" r:id="rId4"/>
+    <p:sldLayoutId id="2147483711" r:id="rId5"/>
+    <p:sldLayoutId id="2147483760" r:id="rId6"/>
+    <p:sldLayoutId id="2147483762" r:id="rId7"/>
+    <p:sldLayoutId id="2147483706" r:id="rId8"/>
+    <p:sldLayoutId id="2147483709" r:id="rId9"/>
+    <p:sldLayoutId id="2147483707" r:id="rId10"/>
+    <p:sldLayoutId id="2147483708" r:id="rId11"/>
   </p:sldLayoutIdLst>
   <p:hf sldNum="0" hdr="0" ftr="0" dt="0"/>
   <p:txStyles>
@@ -3701,7 +3877,7 @@
       </a:lvl9pPr>
     </p:titleStyle>
     <p:bodyStyle>
-      <a:lvl1pPr marL="306070" indent="-306070" algn="l" defTabSz="457200" rtl="0" eaLnBrk="1" latinLnBrk="0" hangingPunct="1">
+      <a:lvl1pPr marL="306000" indent="-306000" algn="l" defTabSz="457200" rtl="0" eaLnBrk="1" latinLnBrk="0" hangingPunct="1">
         <a:lnSpc>
           <a:spcPct val="110000"/>
         </a:lnSpc>
@@ -3729,7 +3905,7 @@
           <a:cs typeface="+mn-cs"/>
         </a:defRPr>
       </a:lvl1pPr>
-      <a:lvl2pPr marL="629920" indent="-306070" algn="l" defTabSz="457200" rtl="0" eaLnBrk="1" latinLnBrk="0" hangingPunct="1">
+      <a:lvl2pPr marL="630000" indent="-306000" algn="l" defTabSz="457200" rtl="0" eaLnBrk="1" latinLnBrk="0" hangingPunct="1">
         <a:spcBef>
           <a:spcPct val="20000"/>
         </a:spcBef>
@@ -3754,7 +3930,7 @@
           <a:cs typeface="+mn-cs"/>
         </a:defRPr>
       </a:lvl2pPr>
-      <a:lvl3pPr marL="899795" indent="-269875" algn="l" defTabSz="457200" rtl="0" eaLnBrk="1" latinLnBrk="0" hangingPunct="1">
+      <a:lvl3pPr marL="900000" indent="-270000" algn="l" defTabSz="457200" rtl="0" eaLnBrk="1" latinLnBrk="0" hangingPunct="1">
         <a:spcBef>
           <a:spcPct val="20000"/>
         </a:spcBef>
@@ -3779,7 +3955,7 @@
           <a:cs typeface="+mn-cs"/>
         </a:defRPr>
       </a:lvl3pPr>
-      <a:lvl4pPr marL="1242060" indent="-234315" algn="l" defTabSz="457200" rtl="0" eaLnBrk="1" latinLnBrk="0" hangingPunct="1">
+      <a:lvl4pPr marL="1242000" indent="-234000" algn="l" defTabSz="457200" rtl="0" eaLnBrk="1" latinLnBrk="0" hangingPunct="1">
         <a:spcBef>
           <a:spcPct val="20000"/>
         </a:spcBef>
@@ -3804,7 +3980,7 @@
           <a:cs typeface="+mn-cs"/>
         </a:defRPr>
       </a:lvl4pPr>
-      <a:lvl5pPr marL="1602105" indent="-234315" algn="l" defTabSz="457200" rtl="0" eaLnBrk="1" latinLnBrk="0" hangingPunct="1">
+      <a:lvl5pPr marL="1602000" indent="-234000" algn="l" defTabSz="457200" rtl="0" eaLnBrk="1" latinLnBrk="0" hangingPunct="1">
         <a:spcBef>
           <a:spcPct val="20000"/>
         </a:spcBef>
@@ -3829,7 +4005,7 @@
           <a:cs typeface="+mn-cs"/>
         </a:defRPr>
       </a:lvl5pPr>
-      <a:lvl6pPr marL="1899920" indent="-228600" algn="l" defTabSz="457200" rtl="0" eaLnBrk="1" latinLnBrk="0" hangingPunct="1">
+      <a:lvl6pPr marL="1900000" indent="-228600" algn="l" defTabSz="457200" rtl="0" eaLnBrk="1" latinLnBrk="0" hangingPunct="1">
         <a:spcBef>
           <a:spcPct val="20000"/>
         </a:spcBef>
@@ -3851,7 +4027,7 @@
           <a:cs typeface="+mn-cs"/>
         </a:defRPr>
       </a:lvl6pPr>
-      <a:lvl7pPr marL="2200275" indent="-228600" algn="l" defTabSz="457200" rtl="0" eaLnBrk="1" latinLnBrk="0" hangingPunct="1">
+      <a:lvl7pPr marL="2200000" indent="-228600" algn="l" defTabSz="457200" rtl="0" eaLnBrk="1" latinLnBrk="0" hangingPunct="1">
         <a:spcBef>
           <a:spcPct val="20000"/>
         </a:spcBef>
@@ -3873,7 +4049,7 @@
           <a:cs typeface="+mn-cs"/>
         </a:defRPr>
       </a:lvl7pPr>
-      <a:lvl8pPr marL="2499995" indent="-228600" algn="l" defTabSz="457200" rtl="0" eaLnBrk="1" latinLnBrk="0" hangingPunct="1">
+      <a:lvl8pPr marL="2500000" indent="-228600" algn="l" defTabSz="457200" rtl="0" eaLnBrk="1" latinLnBrk="0" hangingPunct="1">
         <a:spcBef>
           <a:spcPct val="20000"/>
         </a:spcBef>
@@ -3895,7 +4071,7 @@
           <a:cs typeface="+mn-cs"/>
         </a:defRPr>
       </a:lvl8pPr>
-      <a:lvl9pPr marL="2799715" indent="-228600" algn="l" defTabSz="457200" rtl="0" eaLnBrk="1" latinLnBrk="0" hangingPunct="1">
+      <a:lvl9pPr marL="2800000" indent="-228600" algn="l" defTabSz="457200" rtl="0" eaLnBrk="1" latinLnBrk="0" hangingPunct="1">
         <a:spcBef>
           <a:spcPct val="20000"/>
         </a:spcBef>
@@ -4036,44 +4212,191 @@
       </p:grpSpPr>
       <p:sp>
         <p:nvSpPr>
-          <p:cNvPr id="2" name="Title 1"/>
-          <p:cNvSpPr>
-            <a:spLocks noGrp="1"/>
-          </p:cNvSpPr>
-          <p:nvPr>
-            <p:ph type="title"/>
+          <p:cNvPr id="2" name="Title 1">
+            <a:extLst>
+              <a:ext uri="{FF2B5EF4-FFF2-40B4-BE49-F238E27FC236}">
+                <a16:creationId xmlns:a16="http://schemas.microsoft.com/office/drawing/2014/main" id="{A8A11E26-4C38-41A6-9857-11032CEECD80}"/>
+              </a:ext>
+            </a:extLst>
+          </p:cNvPr>
+          <p:cNvSpPr>
+            <a:spLocks noGrp="1"/>
+          </p:cNvSpPr>
+          <p:nvPr>
+            <p:ph type="ctrTitle"/>
           </p:nvPr>
         </p:nvSpPr>
         <p:spPr>
           <a:xfrm>
-            <a:off x="571500" y="733424"/>
-            <a:ext cx="11039308" cy="3056151"/>
+            <a:off x="1359108" y="1821635"/>
+            <a:ext cx="9144000" cy="977778"/>
           </a:xfrm>
         </p:spPr>
         <p:txBody>
           <a:bodyPr>
-            <a:normAutofit/>
+            <a:normAutofit fontScale="90000"/>
           </a:bodyPr>
           <a:lstStyle/>
           <a:p>
             <a:pPr algn="ctr"/>
             <a:r>
-              <a:rPr lang="en-US" sz="4000" dirty="0">
+              <a:rPr lang="en-US" sz="3600" dirty="0">
                 <a:solidFill>
                   <a:schemeClr val="accent1"/>
                 </a:solidFill>
               </a:rPr>
               <a:t>EMPLOYEES BURNOUT ANALYSIS AND PREDICTION</a:t>
             </a:r>
-            <a:endParaRPr lang="en-IN" sz="4000" dirty="0">
+            <a:endParaRPr lang="en-US" b="1" dirty="0">
               <a:solidFill>
                 <a:schemeClr val="accent1"/>
               </a:solidFill>
+              <a:latin typeface="Arial" panose="020B0604020202020204" pitchFamily="34" charset="0"/>
+              <a:cs typeface="Arial" panose="020B0604020202020204" pitchFamily="34" charset="0"/>
             </a:endParaRPr>
           </a:p>
         </p:txBody>
       </p:sp>
+      <p:sp>
+        <p:nvSpPr>
+          <p:cNvPr id="3" name="TextBox 2"/>
+          <p:cNvSpPr txBox="1"/>
+          <p:nvPr/>
+        </p:nvSpPr>
+        <p:spPr>
+          <a:xfrm>
+            <a:off x="-329782" y="1034321"/>
+            <a:ext cx="12726648" cy="584775"/>
+          </a:xfrm>
+          <a:prstGeom prst="rect">
+            <a:avLst/>
+          </a:prstGeom>
+          <a:noFill/>
+        </p:spPr>
+        <p:txBody>
+          <a:bodyPr wrap="square" lIns="91440" tIns="45720" rIns="91440" bIns="45720" rtlCol="0" anchor="t">
+            <a:spAutoFit/>
+          </a:bodyPr>
+          <a:lstStyle/>
+          <a:p>
+            <a:pPr algn="ctr"/>
+            <a:r>
+              <a:rPr lang="en-US" sz="3200" b="1">
+                <a:solidFill>
+                  <a:schemeClr val="accent1">
+                    <a:lumMod val="75000"/>
+                  </a:schemeClr>
+                </a:solidFill>
+                <a:latin typeface="Arial"/>
+                <a:cs typeface="Arial"/>
+              </a:rPr>
+              <a:t>CAPSTONE PROJECT</a:t>
+            </a:r>
+          </a:p>
+        </p:txBody>
+      </p:sp>
+      <p:sp>
+        <p:nvSpPr>
+          <p:cNvPr id="4" name="TextBox 3"/>
+          <p:cNvSpPr txBox="1"/>
+          <p:nvPr/>
+        </p:nvSpPr>
+        <p:spPr>
+          <a:xfrm>
+            <a:off x="1359109" y="3605049"/>
+            <a:ext cx="9738604" cy="1569660"/>
+          </a:xfrm>
+          <a:prstGeom prst="rect">
+            <a:avLst/>
+          </a:prstGeom>
+          <a:noFill/>
+        </p:spPr>
+        <p:txBody>
+          <a:bodyPr wrap="square" lIns="91440" tIns="45720" rIns="91440" bIns="45720" rtlCol="0" anchor="t">
+            <a:spAutoFit/>
+          </a:bodyPr>
+          <a:lstStyle/>
+          <a:p>
+            <a:pPr algn="ctr"/>
+            <a:r>
+              <a:rPr lang="en-US" sz="2400" b="1" dirty="0">
+                <a:solidFill>
+                  <a:schemeClr val="accent1">
+                    <a:lumMod val="20000"/>
+                    <a:lumOff val="80000"/>
+                  </a:schemeClr>
+                </a:solidFill>
+                <a:latin typeface="Arial" pitchFamily="34" charset="0"/>
+                <a:cs typeface="Arial" pitchFamily="34" charset="0"/>
+              </a:rPr>
+              <a:t>Presented By:</a:t>
+            </a:r>
+          </a:p>
+          <a:p>
+            <a:pPr algn="ctr"/>
+            <a:r>
+              <a:rPr lang="en-US" sz="2400" b="1" dirty="0">
+                <a:solidFill>
+                  <a:schemeClr val="accent1">
+                    <a:lumMod val="20000"/>
+                    <a:lumOff val="80000"/>
+                  </a:schemeClr>
+                </a:solidFill>
+                <a:latin typeface="Arial"/>
+                <a:cs typeface="Arial"/>
+              </a:rPr>
+              <a:t>Sahil Rajesh Bhure</a:t>
+            </a:r>
+            <a:br>
+              <a:rPr lang="en-US" sz="2400" b="1" dirty="0">
+                <a:solidFill>
+                  <a:schemeClr val="accent1">
+                    <a:lumMod val="20000"/>
+                    <a:lumOff val="80000"/>
+                  </a:schemeClr>
+                </a:solidFill>
+                <a:latin typeface="Arial"/>
+                <a:cs typeface="Arial"/>
+              </a:rPr>
+            </a:br>
+            <a:r>
+              <a:rPr lang="en-US" sz="2400" b="1" dirty="0">
+                <a:solidFill>
+                  <a:schemeClr val="accent1">
+                    <a:lumMod val="20000"/>
+                    <a:lumOff val="80000"/>
+                  </a:schemeClr>
+                </a:solidFill>
+                <a:latin typeface="Arial"/>
+                <a:cs typeface="Arial"/>
+              </a:rPr>
+              <a:t>D.Y. Patil College of Engineering Pune</a:t>
+            </a:r>
+          </a:p>
+          <a:p>
+            <a:pPr algn="ctr"/>
+            <a:r>
+              <a:rPr lang="en-US" sz="2400" b="1" dirty="0">
+                <a:solidFill>
+                  <a:schemeClr val="accent1">
+                    <a:lumMod val="20000"/>
+                    <a:lumOff val="80000"/>
+                  </a:schemeClr>
+                </a:solidFill>
+                <a:latin typeface="Arial"/>
+                <a:cs typeface="Arial"/>
+              </a:rPr>
+              <a:t>(Computer Engineering)</a:t>
+            </a:r>
+          </a:p>
+        </p:txBody>
+      </p:sp>
     </p:spTree>
+    <p:extLst>
+      <p:ext uri="{BB962C8B-B14F-4D97-AF65-F5344CB8AC3E}">
+        <p14:creationId xmlns:p14="http://schemas.microsoft.com/office/powerpoint/2010/main" val="953325580"/>
+      </p:ext>
+    </p:extLst>
   </p:cSld>
   <p:clrMapOvr>
     <a:masterClrMapping/>
@@ -4100,7 +4423,13 @@
       </p:grpSpPr>
       <p:sp>
         <p:nvSpPr>
-          <p:cNvPr id="2" name="Title 1"/>
+          <p:cNvPr id="5" name="Title 4">
+            <a:extLst>
+              <a:ext uri="{FF2B5EF4-FFF2-40B4-BE49-F238E27FC236}">
+                <a16:creationId xmlns:a16="http://schemas.microsoft.com/office/drawing/2014/main" id="{8FBA75B4-2DD5-42EB-9397-F36BFB8BA723}"/>
+              </a:ext>
+            </a:extLst>
+          </p:cNvPr>
           <p:cNvSpPr>
             <a:spLocks noGrp="1"/>
           </p:cNvSpPr>
@@ -4108,59 +4437,170 @@
             <p:ph type="title"/>
           </p:nvPr>
         </p:nvSpPr>
-        <p:spPr>
-          <a:xfrm>
-            <a:off x="581192" y="702156"/>
-            <a:ext cx="11029616" cy="758999"/>
-          </a:xfrm>
-        </p:spPr>
+        <p:spPr/>
+        <p:txBody>
+          <a:bodyPr>
+            <a:normAutofit fontScale="90000"/>
+          </a:bodyPr>
+          <a:lstStyle/>
+          <a:p>
+            <a:r>
+              <a:rPr lang="en-US" sz="4400" b="1">
+                <a:solidFill>
+                  <a:schemeClr val="accent1"/>
+                </a:solidFill>
+                <a:latin typeface="Arial"/>
+                <a:ea typeface="+mj-lt"/>
+                <a:cs typeface="Arial"/>
+              </a:rPr>
+              <a:t>Conclusion</a:t>
+            </a:r>
+            <a:endParaRPr lang="en-US"/>
+          </a:p>
+        </p:txBody>
+      </p:sp>
+      <p:sp>
+        <p:nvSpPr>
+          <p:cNvPr id="2" name="Content Placeholder 1">
+            <a:extLst>
+              <a:ext uri="{FF2B5EF4-FFF2-40B4-BE49-F238E27FC236}">
+                <a16:creationId xmlns:a16="http://schemas.microsoft.com/office/drawing/2014/main" id="{005E46AB-32C4-4B57-A2B1-50738A64BE1B}"/>
+              </a:ext>
+            </a:extLst>
+          </p:cNvPr>
+          <p:cNvSpPr>
+            <a:spLocks noGrp="1"/>
+          </p:cNvSpPr>
+          <p:nvPr>
+            <p:ph idx="1"/>
+          </p:nvPr>
+        </p:nvSpPr>
+        <p:spPr/>
         <p:txBody>
           <a:bodyPr>
             <a:normAutofit/>
           </a:bodyPr>
           <a:lstStyle/>
           <a:p>
-            <a:r>
-              <a:rPr lang="en-IN" sz="3600" i="0" dirty="0">
-                <a:solidFill>
-                  <a:schemeClr val="accent1"/>
-                </a:solidFill>
-                <a:effectLst/>
-              </a:rPr>
-              <a:t>Exploratory Data Analysis (EDA)</a:t>
-            </a:r>
-            <a:endParaRPr lang="en-IN" sz="3600" dirty="0">
-              <a:solidFill>
-                <a:schemeClr val="accent1"/>
-              </a:solidFill>
-            </a:endParaRPr>
-          </a:p>
-        </p:txBody>
-      </p:sp>
-      <p:pic>
-        <p:nvPicPr>
-          <p:cNvPr id="5" name="Content Placeholder 4"/>
-          <p:cNvPicPr>
-            <a:picLocks noGrp="1" noChangeAspect="1"/>
-          </p:cNvPicPr>
-          <p:nvPr>
-            <p:ph idx="1"/>
-          </p:nvPr>
-        </p:nvPicPr>
-        <p:blipFill>
-          <a:blip r:embed="rId1"/>
-          <a:stretch>
-            <a:fillRect/>
-          </a:stretch>
-        </p:blipFill>
-        <p:spPr>
-          <a:xfrm>
-            <a:off x="581192" y="1639360"/>
-            <a:ext cx="11312165" cy="4977014"/>
-          </a:xfrm>
-        </p:spPr>
-      </p:pic>
+            <a:pPr>
+              <a:buFont typeface="Arial" panose="020B0604020202020204" pitchFamily="34" charset="0"/>
+              <a:buChar char="•"/>
+            </a:pPr>
+            <a:r>
+              <a:rPr lang="en-US" sz="2000" b="1" dirty="0"/>
+              <a:t>Key Findings</a:t>
+            </a:r>
+            <a:r>
+              <a:rPr lang="en-US" sz="2000" dirty="0"/>
+              <a:t>:</a:t>
+            </a:r>
+          </a:p>
+          <a:p>
+            <a:pPr marL="742950" lvl="1" indent="-285750">
+              <a:buFont typeface="Arial" panose="020B0604020202020204" pitchFamily="34" charset="0"/>
+              <a:buChar char="•"/>
+            </a:pPr>
+            <a:r>
+              <a:rPr lang="en-US" sz="1800" dirty="0"/>
+              <a:t>Successfully predicted employee burnout rates using linear regression with below evaluation metrices score:</a:t>
+            </a:r>
+          </a:p>
+          <a:p>
+            <a:pPr marL="1012950" lvl="2" indent="-285750">
+              <a:buFont typeface="Arial" panose="020B0604020202020204" pitchFamily="34" charset="0"/>
+              <a:buChar char="•"/>
+            </a:pPr>
+            <a:r>
+              <a:rPr lang="en-US" sz="1700" dirty="0"/>
+              <a:t>Mean Squared Error: 0.0031</a:t>
+            </a:r>
+          </a:p>
+          <a:p>
+            <a:pPr marL="1012950" lvl="2" indent="-285750">
+              <a:buFont typeface="Arial" panose="020B0604020202020204" pitchFamily="34" charset="0"/>
+              <a:buChar char="•"/>
+            </a:pPr>
+            <a:r>
+              <a:rPr lang="en-US" sz="1700" dirty="0"/>
+              <a:t>Root Mean Squared Error: 0.0561</a:t>
+            </a:r>
+          </a:p>
+          <a:p>
+            <a:pPr marL="1012950" lvl="2" indent="-285750">
+              <a:buFont typeface="Arial" panose="020B0604020202020204" pitchFamily="34" charset="0"/>
+              <a:buChar char="•"/>
+            </a:pPr>
+            <a:r>
+              <a:rPr lang="en-US" sz="1700" dirty="0"/>
+              <a:t>Mean Absolute Error: 0.0459</a:t>
+            </a:r>
+          </a:p>
+          <a:p>
+            <a:pPr marL="1012950" lvl="2" indent="-285750">
+              <a:buFont typeface="Arial" panose="020B0604020202020204" pitchFamily="34" charset="0"/>
+              <a:buChar char="•"/>
+            </a:pPr>
+            <a:r>
+              <a:rPr lang="en-US" sz="1700" dirty="0"/>
+              <a:t>R-squared Score: 0.9188</a:t>
+            </a:r>
+          </a:p>
+          <a:p>
+            <a:pPr>
+              <a:buFont typeface="Arial" panose="020B0604020202020204" pitchFamily="34" charset="0"/>
+              <a:buChar char="•"/>
+            </a:pPr>
+            <a:r>
+              <a:rPr lang="en-US" sz="2000" b="1" dirty="0"/>
+              <a:t>Effectiveness</a:t>
+            </a:r>
+            <a:r>
+              <a:rPr lang="en-US" sz="2000" dirty="0"/>
+              <a:t>:</a:t>
+            </a:r>
+          </a:p>
+          <a:p>
+            <a:pPr marL="742950" lvl="1" indent="-285750">
+              <a:buFont typeface="Arial" panose="020B0604020202020204" pitchFamily="34" charset="0"/>
+              <a:buChar char="•"/>
+            </a:pPr>
+            <a:r>
+              <a:rPr lang="en-US" sz="1800" dirty="0"/>
+              <a:t>Model provides reliable predictions, enabling proactive interventions.</a:t>
+            </a:r>
+          </a:p>
+          <a:p>
+            <a:pPr>
+              <a:buFont typeface="Arial" panose="020B0604020202020204" pitchFamily="34" charset="0"/>
+              <a:buChar char="•"/>
+            </a:pPr>
+            <a:r>
+              <a:rPr lang="en-US" sz="2000" b="1" dirty="0"/>
+              <a:t>Improvements</a:t>
+            </a:r>
+            <a:r>
+              <a:rPr lang="en-US" sz="2000" dirty="0"/>
+              <a:t>:</a:t>
+            </a:r>
+          </a:p>
+          <a:p>
+            <a:pPr marL="742950" lvl="1" indent="-285750">
+              <a:buFont typeface="Arial" panose="020B0604020202020204" pitchFamily="34" charset="0"/>
+              <a:buChar char="•"/>
+            </a:pPr>
+            <a:r>
+              <a:rPr lang="en-US" sz="1800" dirty="0"/>
+              <a:t>Include more diverse datasets to enhance generalizability.</a:t>
+            </a:r>
+          </a:p>
+        </p:txBody>
+      </p:sp>
     </p:spTree>
+    <p:extLst>
+      <p:ext uri="{BB962C8B-B14F-4D97-AF65-F5344CB8AC3E}">
+        <p14:creationId xmlns:p14="http://schemas.microsoft.com/office/powerpoint/2010/main" val="3183315129"/>
+      </p:ext>
+    </p:extLst>
   </p:cSld>
   <p:clrMapOvr>
     <a:masterClrMapping/>
@@ -4187,171 +4627,462 @@
       </p:grpSpPr>
       <p:sp>
         <p:nvSpPr>
-          <p:cNvPr id="2" name="Title 1"/>
-          <p:cNvSpPr>
-            <a:spLocks noGrp="1"/>
-          </p:cNvSpPr>
-          <p:nvPr>
-            <p:ph type="title"/>
-          </p:nvPr>
+          <p:cNvPr id="3" name="Content Placeholder 2">
+            <a:extLst>
+              <a:ext uri="{FF2B5EF4-FFF2-40B4-BE49-F238E27FC236}">
+                <a16:creationId xmlns:a16="http://schemas.microsoft.com/office/drawing/2014/main" id="{A6638FD1-D00E-E75B-705C-564F06D93D7B}"/>
+              </a:ext>
+            </a:extLst>
+          </p:cNvPr>
+          <p:cNvSpPr>
+            <a:spLocks noGrp="1"/>
+          </p:cNvSpPr>
+          <p:nvPr>
+            <p:ph idx="1"/>
+          </p:nvPr>
+        </p:nvSpPr>
+        <p:spPr/>
+        <p:txBody>
+          <a:bodyPr/>
+          <a:lstStyle/>
+          <a:p>
+            <a:pPr marL="0" indent="0">
+              <a:buNone/>
+            </a:pPr>
+            <a:endParaRPr lang="en-US" sz="2800" b="1" dirty="0"/>
+          </a:p>
+          <a:p>
+            <a:pPr marL="0" indent="0">
+              <a:buNone/>
+            </a:pPr>
+            <a:endParaRPr lang="en-US" sz="2800" b="1" dirty="0"/>
+          </a:p>
+          <a:p>
+            <a:pPr marL="0" indent="0">
+              <a:buNone/>
+            </a:pPr>
+            <a:endParaRPr lang="en-US" sz="2800" b="1" dirty="0"/>
+          </a:p>
+          <a:p>
+            <a:pPr marL="0" indent="0">
+              <a:buNone/>
+            </a:pPr>
+            <a:endParaRPr lang="en-US" sz="2800" b="1" dirty="0"/>
+          </a:p>
+          <a:p>
+            <a:pPr marL="0" indent="0">
+              <a:buNone/>
+            </a:pPr>
+            <a:endParaRPr lang="en-US" sz="2800" b="1" dirty="0"/>
+          </a:p>
+          <a:p>
+            <a:pPr marL="0" indent="0">
+              <a:buNone/>
+            </a:pPr>
+            <a:endParaRPr lang="en-US" sz="2800" b="1" dirty="0"/>
+          </a:p>
+          <a:p>
+            <a:pPr marL="0" indent="0">
+              <a:buNone/>
+            </a:pPr>
+            <a:endParaRPr lang="en-US" sz="2800" b="1" dirty="0"/>
+          </a:p>
+          <a:p>
+            <a:pPr marL="0" indent="0">
+              <a:buNone/>
+            </a:pPr>
+            <a:endParaRPr lang="en-US" sz="2800" b="1" dirty="0"/>
+          </a:p>
+        </p:txBody>
+      </p:sp>
+      <p:sp>
+        <p:nvSpPr>
+          <p:cNvPr id="5" name="Title 4">
+            <a:extLst>
+              <a:ext uri="{FF2B5EF4-FFF2-40B4-BE49-F238E27FC236}">
+                <a16:creationId xmlns:a16="http://schemas.microsoft.com/office/drawing/2014/main" id="{3F968F13-9AC4-7120-7ACD-9F752C767D5D}"/>
+              </a:ext>
+            </a:extLst>
+          </p:cNvPr>
+          <p:cNvSpPr txBox="1">
+            <a:spLocks/>
+          </p:cNvSpPr>
+          <p:nvPr/>
         </p:nvSpPr>
         <p:spPr>
           <a:xfrm>
-            <a:off x="581191" y="493812"/>
-            <a:ext cx="11029616" cy="1188720"/>
+            <a:off x="535670" y="844659"/>
+            <a:ext cx="11029616" cy="530296"/>
           </a:xfrm>
+          <a:prstGeom prst="rect">
+            <a:avLst/>
+          </a:prstGeom>
         </p:spPr>
         <p:txBody>
-          <a:bodyPr anchor="ctr">
-            <a:normAutofit/>
+          <a:bodyPr vert="horz" lIns="91440" tIns="45720" rIns="91440" bIns="45720" rtlCol="0" anchor="b">
+            <a:normAutofit fontScale="75000" lnSpcReduction="20000"/>
+          </a:bodyPr>
+          <a:lstStyle>
+            <a:lvl1pPr algn="l" defTabSz="457200" rtl="0" eaLnBrk="1" latinLnBrk="0" hangingPunct="1">
+              <a:lnSpc>
+                <a:spcPct val="100000"/>
+              </a:lnSpc>
+              <a:spcBef>
+                <a:spcPct val="0"/>
+              </a:spcBef>
+              <a:buNone/>
+              <a:defRPr sz="2800" b="0" kern="1200" cap="all">
+                <a:solidFill>
+                  <a:schemeClr val="tx1">
+                    <a:lumMod val="75000"/>
+                    <a:lumOff val="25000"/>
+                  </a:schemeClr>
+                </a:solidFill>
+                <a:latin typeface="+mj-lt"/>
+                <a:ea typeface="+mj-ea"/>
+                <a:cs typeface="+mj-cs"/>
+              </a:defRPr>
+            </a:lvl1pPr>
+            <a:lvl2pPr eaLnBrk="1" hangingPunct="1">
+              <a:defRPr>
+                <a:solidFill>
+                  <a:schemeClr val="tx2"/>
+                </a:solidFill>
+              </a:defRPr>
+            </a:lvl2pPr>
+            <a:lvl3pPr eaLnBrk="1" hangingPunct="1">
+              <a:defRPr>
+                <a:solidFill>
+                  <a:schemeClr val="tx2"/>
+                </a:solidFill>
+              </a:defRPr>
+            </a:lvl3pPr>
+            <a:lvl4pPr eaLnBrk="1" hangingPunct="1">
+              <a:defRPr>
+                <a:solidFill>
+                  <a:schemeClr val="tx2"/>
+                </a:solidFill>
+              </a:defRPr>
+            </a:lvl4pPr>
+            <a:lvl5pPr eaLnBrk="1" hangingPunct="1">
+              <a:defRPr>
+                <a:solidFill>
+                  <a:schemeClr val="tx2"/>
+                </a:solidFill>
+              </a:defRPr>
+            </a:lvl5pPr>
+            <a:lvl6pPr eaLnBrk="1" hangingPunct="1">
+              <a:defRPr>
+                <a:solidFill>
+                  <a:schemeClr val="tx2"/>
+                </a:solidFill>
+              </a:defRPr>
+            </a:lvl6pPr>
+            <a:lvl7pPr eaLnBrk="1" hangingPunct="1">
+              <a:defRPr>
+                <a:solidFill>
+                  <a:schemeClr val="tx2"/>
+                </a:solidFill>
+              </a:defRPr>
+            </a:lvl7pPr>
+            <a:lvl8pPr eaLnBrk="1" hangingPunct="1">
+              <a:defRPr>
+                <a:solidFill>
+                  <a:schemeClr val="tx2"/>
+                </a:solidFill>
+              </a:defRPr>
+            </a:lvl8pPr>
+            <a:lvl9pPr eaLnBrk="1" hangingPunct="1">
+              <a:defRPr>
+                <a:solidFill>
+                  <a:schemeClr val="tx2"/>
+                </a:solidFill>
+              </a:defRPr>
+            </a:lvl9pPr>
+          </a:lstStyle>
+          <a:p>
+            <a:r>
+              <a:rPr lang="en-US" sz="4400" b="1" dirty="0">
+                <a:solidFill>
+                  <a:schemeClr val="accent1"/>
+                </a:solidFill>
+                <a:latin typeface="Arial"/>
+                <a:cs typeface="Arial"/>
+              </a:rPr>
+              <a:t>Future scope(Optional)</a:t>
+            </a:r>
+          </a:p>
+        </p:txBody>
+      </p:sp>
+      <p:sp>
+        <p:nvSpPr>
+          <p:cNvPr id="14" name="Rectangle 5">
+            <a:extLst>
+              <a:ext uri="{FF2B5EF4-FFF2-40B4-BE49-F238E27FC236}">
+                <a16:creationId xmlns:a16="http://schemas.microsoft.com/office/drawing/2014/main" id="{053DF1B7-A1A7-B3EE-00CD-24769BE6E97C}"/>
+              </a:ext>
+            </a:extLst>
+          </p:cNvPr>
+          <p:cNvSpPr>
+            <a:spLocks noChangeArrowheads="1"/>
+          </p:cNvSpPr>
+          <p:nvPr/>
+        </p:nvSpPr>
+        <p:spPr bwMode="auto">
+          <a:xfrm>
+            <a:off x="0" y="0"/>
+            <a:ext cx="12192000" cy="15875"/>
+          </a:xfrm>
+          <a:prstGeom prst="rect">
+            <a:avLst/>
+          </a:prstGeom>
+          <a:solidFill>
+            <a:srgbClr val="000000"/>
+          </a:solidFill>
+          <a:ln w="9525">
+            <a:solidFill>
+              <a:schemeClr val="tx1"/>
+            </a:solidFill>
+            <a:prstDash val="solid"/>
+            <a:miter lim="800000"/>
+            <a:headEnd/>
+            <a:tailEnd/>
+          </a:ln>
+          <a:effectLst/>
+          <a:extLst>
+            <a:ext uri="{AF507438-7753-43E0-B8FC-AC1667EBCBE1}">
+              <a14:hiddenEffects xmlns:a14="http://schemas.microsoft.com/office/drawing/2010/main">
+                <a:effectLst>
+                  <a:outerShdw dist="35921" dir="2700000" algn="ctr" rotWithShape="0">
+                    <a:schemeClr val="bg2"/>
+                  </a:outerShdw>
+                </a:effectLst>
+              </a14:hiddenEffects>
+            </a:ext>
+          </a:extLst>
+        </p:spPr>
+        <p:txBody>
+          <a:bodyPr vert="horz" wrap="none" lIns="91440" tIns="45720" rIns="91440" bIns="45720" numCol="1" anchor="ctr" anchorCtr="0" compatLnSpc="1">
+            <a:prstTxWarp prst="textNoShape">
+              <a:avLst/>
+            </a:prstTxWarp>
+            <a:spAutoFit/>
           </a:bodyPr>
           <a:lstStyle/>
           <a:p>
-            <a:pPr algn="ctr"/>
-            <a:r>
-              <a:rPr lang="en-GB" sz="3600" dirty="0">
+            <a:endParaRPr lang="en-US"/>
+          </a:p>
+        </p:txBody>
+      </p:sp>
+      <p:sp>
+        <p:nvSpPr>
+          <p:cNvPr id="15" name="Rectangle 6">
+            <a:extLst>
+              <a:ext uri="{FF2B5EF4-FFF2-40B4-BE49-F238E27FC236}">
+                <a16:creationId xmlns:a16="http://schemas.microsoft.com/office/drawing/2014/main" id="{D9A186F8-33FA-CE4B-4A1F-C0A0B896587D}"/>
+              </a:ext>
+            </a:extLst>
+          </p:cNvPr>
+          <p:cNvSpPr>
+            <a:spLocks noChangeArrowheads="1"/>
+          </p:cNvSpPr>
+          <p:nvPr/>
+        </p:nvSpPr>
+        <p:spPr bwMode="auto">
+          <a:xfrm>
+            <a:off x="0" y="15875"/>
+            <a:ext cx="12192000" cy="457200"/>
+          </a:xfrm>
+          <a:prstGeom prst="rect">
+            <a:avLst/>
+          </a:prstGeom>
+          <a:noFill/>
+          <a:ln>
+            <a:noFill/>
+          </a:ln>
+          <a:effectLst/>
+          <a:extLst>
+            <a:ext uri="{909E8E84-426E-40DD-AFC4-6F175D3DCCD1}">
+              <a14:hiddenFill xmlns:a14="http://schemas.microsoft.com/office/drawing/2010/main">
                 <a:solidFill>
                   <a:schemeClr val="accent1"/>
                 </a:solidFill>
-              </a:rPr>
-              <a:t>Results</a:t>
-            </a:r>
-            <a:endParaRPr lang="en-US" sz="3600" dirty="0">
-              <a:solidFill>
-                <a:schemeClr val="accent1"/>
-              </a:solidFill>
-            </a:endParaRPr>
-          </a:p>
-        </p:txBody>
-      </p:sp>
-      <p:sp>
-        <p:nvSpPr>
-          <p:cNvPr id="3" name="Content Placeholder 2"/>
-          <p:cNvSpPr>
-            <a:spLocks noGrp="1"/>
-          </p:cNvSpPr>
-          <p:nvPr>
-            <p:ph idx="1"/>
-          </p:nvPr>
-        </p:nvSpPr>
-        <p:spPr>
-          <a:xfrm>
-            <a:off x="581191" y="1480008"/>
-            <a:ext cx="11029615" cy="4884180"/>
-          </a:xfrm>
+              </a14:hiddenFill>
+            </a:ext>
+            <a:ext uri="{91240B29-F687-4F45-9708-019B960494DF}">
+              <a14:hiddenLine xmlns:a14="http://schemas.microsoft.com/office/drawing/2010/main" w="9525">
+                <a:solidFill>
+                  <a:schemeClr val="tx1"/>
+                </a:solidFill>
+                <a:miter lim="800000"/>
+                <a:headEnd/>
+                <a:tailEnd/>
+              </a14:hiddenLine>
+            </a:ext>
+            <a:ext uri="{AF507438-7753-43E0-B8FC-AC1667EBCBE1}">
+              <a14:hiddenEffects xmlns:a14="http://schemas.microsoft.com/office/drawing/2010/main">
+                <a:effectLst>
+                  <a:outerShdw dist="35921" dir="2700000" algn="ctr" rotWithShape="0">
+                    <a:schemeClr val="bg2"/>
+                  </a:outerShdw>
+                </a:effectLst>
+              </a14:hiddenEffects>
+            </a:ext>
+          </a:extLst>
         </p:spPr>
         <p:txBody>
-          <a:bodyPr/>
+          <a:bodyPr vert="horz" wrap="none" lIns="91440" tIns="45720" rIns="91440" bIns="45720" numCol="1" anchor="ctr" anchorCtr="0" compatLnSpc="1">
+            <a:prstTxWarp prst="textNoShape">
+              <a:avLst/>
+            </a:prstTxWarp>
+            <a:spAutoFit/>
+          </a:bodyPr>
           <a:lstStyle/>
           <a:p>
-            <a:pPr marL="0" indent="0" algn="ctr">
-              <a:buNone/>
+            <a:pPr marL="0" marR="0" lvl="0" indent="0" algn="l" defTabSz="914400" rtl="0" eaLnBrk="0" fontAlgn="base" latinLnBrk="0" hangingPunct="0">
+              <a:lnSpc>
+                <a:spcPct val="100000"/>
+              </a:lnSpc>
+              <a:spcBef>
+                <a:spcPct val="0"/>
+              </a:spcBef>
+              <a:spcAft>
+                <a:spcPct val="0"/>
+              </a:spcAft>
+              <a:buClrTx/>
+              <a:buSzTx/>
+              <a:buFontTx/>
+              <a:buNone/>
+              <a:tabLst/>
             </a:pPr>
-            <a:r>
-              <a:rPr lang="en-US" sz="3200" b="1" i="0" dirty="0">
-                <a:solidFill>
-                  <a:schemeClr val="tx1"/>
-                </a:solidFill>
-                <a:effectLst/>
-              </a:rPr>
-              <a:t>Prevalence of burnout</a:t>
-            </a:r>
-            <a:endParaRPr lang="en-US" sz="3200" b="1" i="0" dirty="0">
+            <a:endParaRPr kumimoji="0" lang="en-US" altLang="en-US" sz="1200" b="1" i="0" u="none" strike="noStrike" cap="none" normalizeH="0" baseline="0">
+              <a:ln>
+                <a:noFill/>
+              </a:ln>
               <a:solidFill>
                 <a:schemeClr val="tx1"/>
               </a:solidFill>
               <a:effectLst/>
+              <a:latin typeface="Arial" panose="020B0604020202020204" pitchFamily="34" charset="0"/>
             </a:endParaRPr>
           </a:p>
           <a:p>
-            <a:pPr marL="0" indent="0" algn="ctr">
-              <a:buNone/>
+            <a:pPr marL="0" marR="0" lvl="0" indent="0" algn="l" defTabSz="914400" rtl="0" eaLnBrk="0" fontAlgn="base" latinLnBrk="0" hangingPunct="0">
+              <a:lnSpc>
+                <a:spcPct val="100000"/>
+              </a:lnSpc>
+              <a:spcBef>
+                <a:spcPct val="0"/>
+              </a:spcBef>
+              <a:spcAft>
+                <a:spcPct val="0"/>
+              </a:spcAft>
+              <a:buClrTx/>
+              <a:buSzTx/>
+              <a:buFontTx/>
+              <a:buNone/>
+              <a:tabLst/>
             </a:pPr>
-            <a:r>
-              <a:rPr lang="en-US" sz="3200" b="1" i="0" dirty="0">
-                <a:solidFill>
-                  <a:schemeClr val="tx1"/>
-                </a:solidFill>
-                <a:effectLst/>
-              </a:rPr>
-              <a:t>Contributing factors</a:t>
-            </a:r>
-            <a:endParaRPr lang="en-US" sz="3200" b="1" i="0" dirty="0">
+            <a:endParaRPr kumimoji="0" lang="en-US" altLang="en-US" sz="1800" b="0" i="0" u="none" strike="noStrike" cap="none" normalizeH="0" baseline="0">
+              <a:ln>
+                <a:noFill/>
+              </a:ln>
               <a:solidFill>
                 <a:schemeClr val="tx1"/>
               </a:solidFill>
               <a:effectLst/>
+              <a:latin typeface="Arial" panose="020B0604020202020204" pitchFamily="34" charset="0"/>
             </a:endParaRPr>
           </a:p>
-          <a:p>
-            <a:pPr marL="0" indent="0" algn="ctr">
-              <a:buNone/>
+        </p:txBody>
+      </p:sp>
+      <p:sp>
+        <p:nvSpPr>
+          <p:cNvPr id="16" name="TextBox 15">
+            <a:extLst>
+              <a:ext uri="{FF2B5EF4-FFF2-40B4-BE49-F238E27FC236}">
+                <a16:creationId xmlns:a16="http://schemas.microsoft.com/office/drawing/2014/main" id="{7002E32D-1E89-F660-29B2-2B3E89325EC6}"/>
+              </a:ext>
+            </a:extLst>
+          </p:cNvPr>
+          <p:cNvSpPr txBox="1"/>
+          <p:nvPr/>
+        </p:nvSpPr>
+        <p:spPr>
+          <a:xfrm>
+            <a:off x="655983" y="1620078"/>
+            <a:ext cx="10565295" cy="3585084"/>
+          </a:xfrm>
+          <a:prstGeom prst="rect">
+            <a:avLst/>
+          </a:prstGeom>
+          <a:noFill/>
+        </p:spPr>
+        <p:txBody>
+          <a:bodyPr wrap="square" rtlCol="0">
+            <a:spAutoFit/>
+          </a:bodyPr>
+          <a:lstStyle/>
+          <a:p>
+            <a:pPr marL="457200" indent="-457200">
+              <a:lnSpc>
+                <a:spcPct val="150000"/>
+              </a:lnSpc>
+              <a:buFont typeface="Arial" panose="020B0604020202020204" pitchFamily="34" charset="0"/>
+              <a:buChar char="•"/>
             </a:pPr>
             <a:r>
-              <a:rPr lang="en-US" sz="3200" b="1" i="0" dirty="0">
-                <a:solidFill>
-                  <a:schemeClr val="tx1"/>
-                </a:solidFill>
-                <a:effectLst/>
-              </a:rPr>
-              <a:t>Intervention strategies </a:t>
-            </a:r>
-            <a:endParaRPr lang="en-US" sz="3200" b="1" i="0" dirty="0">
-              <a:solidFill>
-                <a:schemeClr val="tx1"/>
-              </a:solidFill>
-              <a:effectLst/>
-            </a:endParaRPr>
-          </a:p>
-          <a:p>
-            <a:pPr marL="0" indent="0" algn="ctr">
-              <a:buNone/>
+              <a:rPr lang="en-US" sz="2200" dirty="0"/>
+              <a:t>Integration with HR Systems: Automate data collection and reporting for real-time burnout monitoring.</a:t>
+            </a:r>
+          </a:p>
+          <a:p>
+            <a:pPr marL="457200" indent="-457200">
+              <a:lnSpc>
+                <a:spcPct val="150000"/>
+              </a:lnSpc>
+              <a:buFont typeface="Arial" panose="020B0604020202020204" pitchFamily="34" charset="0"/>
+              <a:buChar char="•"/>
             </a:pPr>
             <a:r>
-              <a:rPr lang="en-US" sz="3200" b="1" dirty="0">
-                <a:solidFill>
-                  <a:schemeClr val="tx1"/>
-                </a:solidFill>
-              </a:rPr>
-              <a:t>To get more about the project visit this GitHub repository:</a:t>
-            </a:r>
-            <a:endParaRPr lang="en-US" sz="3200" b="1" i="0" dirty="0">
-              <a:solidFill>
-                <a:schemeClr val="tx1"/>
-              </a:solidFill>
-              <a:effectLst/>
-            </a:endParaRPr>
-          </a:p>
-          <a:p>
-            <a:pPr marL="0" indent="0" algn="ctr">
-              <a:buNone/>
+              <a:rPr lang="en-US" sz="2200" dirty="0"/>
+              <a:t>Advanced Features: Incorporate Natural Language Processing (NLP) to analyze employee feedback and stress levels.</a:t>
+            </a:r>
+          </a:p>
+          <a:p>
+            <a:pPr marL="457200" indent="-457200">
+              <a:lnSpc>
+                <a:spcPct val="150000"/>
+              </a:lnSpc>
+              <a:buFont typeface="Arial" panose="020B0604020202020204" pitchFamily="34" charset="0"/>
+              <a:buChar char="•"/>
             </a:pPr>
             <a:r>
-              <a:rPr lang="en-US" sz="3200" b="1" i="0" dirty="0">
-                <a:solidFill>
-                  <a:schemeClr val="tx1"/>
-                </a:solidFill>
-                <a:effectLst/>
-                <a:hlinkClick r:id="rId1"/>
-              </a:rPr>
-              <a:t>https://github.com/usmanbvp/Employees-Burnout-Analysis-and-Prediction</a:t>
-            </a:r>
-            <a:endParaRPr lang="en-US" sz="3200" b="1" i="0" dirty="0">
-              <a:solidFill>
-                <a:schemeClr val="tx1"/>
-              </a:solidFill>
-              <a:effectLst/>
-            </a:endParaRPr>
-          </a:p>
-          <a:p>
-            <a:pPr marL="0" indent="0">
-              <a:buNone/>
+              <a:rPr lang="en-US" sz="2200" dirty="0"/>
+              <a:t>Scalability: Expand the system to handle larger organizations and diverse industries.</a:t>
+            </a:r>
+          </a:p>
+          <a:p>
+            <a:pPr marL="457200" indent="-457200">
+              <a:lnSpc>
+                <a:spcPct val="150000"/>
+              </a:lnSpc>
+              <a:buFont typeface="Arial" panose="020B0604020202020204" pitchFamily="34" charset="0"/>
+              <a:buChar char="•"/>
             </a:pPr>
-            <a:endParaRPr lang="en-US" dirty="0"/>
+            <a:r>
+              <a:rPr lang="en-US" sz="2200" dirty="0"/>
+              <a:t>Predictive Interventions: Suggest personalized recommendations based on prediction results.</a:t>
+            </a:r>
           </a:p>
         </p:txBody>
       </p:sp>
     </p:spTree>
+    <p:extLst>
+      <p:ext uri="{BB962C8B-B14F-4D97-AF65-F5344CB8AC3E}">
+        <p14:creationId xmlns:p14="http://schemas.microsoft.com/office/powerpoint/2010/main" val="614882681"/>
+      </p:ext>
+    </p:extLst>
   </p:cSld>
   <p:clrMapOvr>
     <a:masterClrMapping/>
@@ -4378,7 +5109,13 @@
       </p:grpSpPr>
       <p:sp>
         <p:nvSpPr>
-          <p:cNvPr id="2" name="Title 1"/>
+          <p:cNvPr id="5" name="Title 4">
+            <a:extLst>
+              <a:ext uri="{FF2B5EF4-FFF2-40B4-BE49-F238E27FC236}">
+                <a16:creationId xmlns:a16="http://schemas.microsoft.com/office/drawing/2014/main" id="{8BE4CA82-64EC-4D4E-A5E5-3EBB66E7B24C}"/>
+              </a:ext>
+            </a:extLst>
+          </p:cNvPr>
           <p:cNvSpPr>
             <a:spLocks noGrp="1"/>
           </p:cNvSpPr>
@@ -4388,47 +5125,8 @@
         </p:nvSpPr>
         <p:spPr>
           <a:xfrm>
-            <a:off x="581191" y="493812"/>
-            <a:ext cx="11029616" cy="1188720"/>
-          </a:xfrm>
-        </p:spPr>
-        <p:txBody>
-          <a:bodyPr anchor="ctr">
-            <a:normAutofit/>
-          </a:bodyPr>
-          <a:lstStyle/>
-          <a:p>
-            <a:pPr algn="ctr"/>
-            <a:r>
-              <a:rPr lang="en-GB" sz="3600" dirty="0">
-                <a:solidFill>
-                  <a:schemeClr val="accent1"/>
-                </a:solidFill>
-              </a:rPr>
-              <a:t>links</a:t>
-            </a:r>
-            <a:endParaRPr lang="en-US" sz="3600" dirty="0">
-              <a:solidFill>
-                <a:schemeClr val="accent1"/>
-              </a:solidFill>
-            </a:endParaRPr>
-          </a:p>
-        </p:txBody>
-      </p:sp>
-      <p:sp>
-        <p:nvSpPr>
-          <p:cNvPr id="3" name="Content Placeholder 2"/>
-          <p:cNvSpPr>
-            <a:spLocks noGrp="1"/>
-          </p:cNvSpPr>
-          <p:nvPr>
-            <p:ph idx="1"/>
-          </p:nvPr>
-        </p:nvSpPr>
-        <p:spPr>
-          <a:xfrm>
-            <a:off x="581191" y="2074646"/>
-            <a:ext cx="11029615" cy="3634486"/>
+            <a:off x="1315897" y="2534990"/>
+            <a:ext cx="9298744" cy="1325563"/>
           </a:xfrm>
         </p:spPr>
         <p:txBody>
@@ -4437,30 +5135,53 @@
           </a:bodyPr>
           <a:lstStyle/>
           <a:p>
-            <a:pPr marL="0" indent="0">
-              <a:buNone/>
-            </a:pPr>
-            <a:r>
-              <a:rPr lang="en-US" sz="3200" b="1" dirty="0"/>
-              <a:t>This is my GitHub project link:</a:t>
-            </a:r>
-            <a:endParaRPr lang="en-US" sz="3200" b="1" dirty="0"/>
-          </a:p>
-          <a:p>
-            <a:pPr marL="0" indent="0">
-              <a:buNone/>
-            </a:pPr>
-            <a:r>
-              <a:rPr lang="en-US" sz="3200" b="1" dirty="0">
-                <a:hlinkClick r:id="rId1"/>
+            <a:pPr algn="ctr"/>
+            <a:r>
+              <a:rPr lang="en-US" sz="6600" b="1" dirty="0">
+                <a:solidFill>
+                  <a:srgbClr val="002060"/>
+                </a:solidFill>
+                <a:latin typeface="Arial" panose="020B0604020202020204" pitchFamily="34" charset="0"/>
+                <a:cs typeface="Arial" panose="020B0604020202020204" pitchFamily="34" charset="0"/>
               </a:rPr>
-              <a:t>https://github.com/usmanbvp/Employees-Burnout-Analysis-and-Prediction</a:t>
-            </a:r>
-            <a:endParaRPr lang="en-US" sz="3200" b="1" dirty="0"/>
+              <a:t>THANK</a:t>
+            </a:r>
+            <a:r>
+              <a:rPr lang="en-US" sz="5400" b="1" dirty="0">
+                <a:solidFill>
+                  <a:srgbClr val="002060"/>
+                </a:solidFill>
+                <a:latin typeface="Arial" panose="020B0604020202020204" pitchFamily="34" charset="0"/>
+                <a:cs typeface="Arial" panose="020B0604020202020204" pitchFamily="34" charset="0"/>
+              </a:rPr>
+              <a:t> </a:t>
+            </a:r>
+            <a:r>
+              <a:rPr lang="en-US" sz="6600" b="1" dirty="0">
+                <a:solidFill>
+                  <a:srgbClr val="002060"/>
+                </a:solidFill>
+                <a:latin typeface="Arial" panose="020B0604020202020204" pitchFamily="34" charset="0"/>
+                <a:cs typeface="Arial" panose="020B0604020202020204" pitchFamily="34" charset="0"/>
+              </a:rPr>
+              <a:t>YOU</a:t>
+            </a:r>
+            <a:endParaRPr lang="en-US" sz="5400" b="1" dirty="0">
+              <a:solidFill>
+                <a:srgbClr val="002060"/>
+              </a:solidFill>
+              <a:latin typeface="Arial" panose="020B0604020202020204" pitchFamily="34" charset="0"/>
+              <a:cs typeface="Arial" panose="020B0604020202020204" pitchFamily="34" charset="0"/>
+            </a:endParaRPr>
           </a:p>
         </p:txBody>
       </p:sp>
     </p:spTree>
+    <p:extLst>
+      <p:ext uri="{BB962C8B-B14F-4D97-AF65-F5344CB8AC3E}">
+        <p14:creationId xmlns:p14="http://schemas.microsoft.com/office/powerpoint/2010/main" val="4066255318"/>
+      </p:ext>
+    </p:extLst>
   </p:cSld>
   <p:clrMapOvr>
     <a:masterClrMapping/>
@@ -4468,7 +5189,7 @@
 </p:sld>
 </file>
 
-<file path=ppt/slides/slide13.xml><?xml version="1.0" encoding="utf-8"?>
+<file path=ppt/slides/slide2.xml><?xml version="1.0" encoding="utf-8"?>
 <p:sld xmlns:a="http://schemas.openxmlformats.org/drawingml/2006/main" xmlns:r="http://schemas.openxmlformats.org/officeDocument/2006/relationships" xmlns:p="http://schemas.openxmlformats.org/presentationml/2006/main">
   <p:cSld>
     <p:spTree>
@@ -4487,7 +5208,13 @@
       </p:grpSpPr>
       <p:sp>
         <p:nvSpPr>
-          <p:cNvPr id="2" name="Title 1"/>
+          <p:cNvPr id="2" name="Title 1">
+            <a:extLst>
+              <a:ext uri="{FF2B5EF4-FFF2-40B4-BE49-F238E27FC236}">
+                <a16:creationId xmlns:a16="http://schemas.microsoft.com/office/drawing/2014/main" id="{49FFEB4C-F209-4AE7-AA2B-B3C26CE2C51D}"/>
+              </a:ext>
+            </a:extLst>
+          </p:cNvPr>
           <p:cNvSpPr>
             <a:spLocks noGrp="1"/>
           </p:cNvSpPr>
@@ -4497,494 +5224,184 @@
         </p:nvSpPr>
         <p:spPr>
           <a:xfrm>
-            <a:off x="575894" y="729658"/>
-            <a:ext cx="11029616" cy="3408709"/>
+            <a:off x="849573" y="558468"/>
+            <a:ext cx="10515600" cy="1325563"/>
           </a:xfrm>
         </p:spPr>
         <p:txBody>
-          <a:bodyPr>
+          <a:bodyPr/>
+          <a:lstStyle/>
+          <a:p>
+            <a:r>
+              <a:rPr lang="en-US" b="1">
+                <a:solidFill>
+                  <a:srgbClr val="002060"/>
+                </a:solidFill>
+                <a:latin typeface="Arial" panose="020B0604020202020204" pitchFamily="34" charset="0"/>
+                <a:cs typeface="Arial" panose="020B0604020202020204" pitchFamily="34" charset="0"/>
+              </a:rPr>
+              <a:t>OUTLINE</a:t>
+            </a:r>
+          </a:p>
+        </p:txBody>
+      </p:sp>
+      <p:sp>
+        <p:nvSpPr>
+          <p:cNvPr id="3" name="Content Placeholder 2">
+            <a:extLst>
+              <a:ext uri="{FF2B5EF4-FFF2-40B4-BE49-F238E27FC236}">
+                <a16:creationId xmlns:a16="http://schemas.microsoft.com/office/drawing/2014/main" id="{B2678641-EEA3-4EC4-BF39-4075B0C120E8}"/>
+              </a:ext>
+            </a:extLst>
+          </p:cNvPr>
+          <p:cNvSpPr>
+            <a:spLocks noGrp="1"/>
+          </p:cNvSpPr>
+          <p:nvPr>
+            <p:ph idx="1"/>
+          </p:nvPr>
+        </p:nvSpPr>
+        <p:spPr>
+          <a:xfrm>
+            <a:off x="838200" y="1618938"/>
+            <a:ext cx="11019020" cy="5239062"/>
+          </a:xfrm>
+        </p:spPr>
+        <p:txBody>
+          <a:bodyPr vert="horz" lIns="91440" tIns="45720" rIns="91440" bIns="45720" rtlCol="0" anchor="t">
             <a:noAutofit/>
           </a:bodyPr>
           <a:lstStyle/>
           <a:p>
-            <a:r>
-              <a:rPr lang="en-US" sz="8800" dirty="0">
-                <a:solidFill>
-                  <a:schemeClr val="accent1"/>
-                </a:solidFill>
+            <a:pPr marL="0" indent="0">
+              <a:buNone/>
+            </a:pPr>
+            <a:r>
+              <a:rPr lang="en-US" sz="2000" b="1" dirty="0">
+                <a:latin typeface="Arial"/>
+                <a:ea typeface="+mn-lt"/>
+                <a:cs typeface="Arial"/>
               </a:rPr>
-              <a:t>      Thank you..</a:t>
-            </a:r>
-            <a:endParaRPr lang="en-IN" sz="8800" dirty="0">
-              <a:solidFill>
-                <a:schemeClr val="accent1"/>
-              </a:solidFill>
+              <a:t>  </a:t>
+            </a:r>
+            <a:endParaRPr lang="en-US" dirty="0">
+              <a:latin typeface="Arial"/>
+              <a:cs typeface="Arial"/>
             </a:endParaRPr>
           </a:p>
+          <a:p>
+            <a:r>
+              <a:rPr lang="en-US" sz="2000" b="1" dirty="0">
+                <a:latin typeface="Arial"/>
+                <a:ea typeface="+mn-lt"/>
+                <a:cs typeface="Arial"/>
+              </a:rPr>
+              <a:t>Problem Statement </a:t>
+            </a:r>
+            <a:endParaRPr lang="en-US" dirty="0">
+              <a:latin typeface="Arial"/>
+              <a:cs typeface="Arial"/>
+            </a:endParaRPr>
+          </a:p>
+          <a:p>
+            <a:r>
+              <a:rPr lang="en-US" sz="2000" b="1" dirty="0">
+                <a:latin typeface="Arial"/>
+                <a:ea typeface="+mn-lt"/>
+                <a:cs typeface="Calibri"/>
+              </a:rPr>
+              <a:t>System </a:t>
+            </a:r>
+            <a:r>
+              <a:rPr lang="en-US" sz="2000" b="1" dirty="0">
+                <a:latin typeface="Arial"/>
+                <a:ea typeface="+mn-lt"/>
+                <a:cs typeface="+mn-lt"/>
+              </a:rPr>
+              <a:t>Development Approach </a:t>
+            </a:r>
+            <a:endParaRPr lang="en-US" dirty="0">
+              <a:latin typeface="Arial"/>
+              <a:ea typeface="+mn-lt"/>
+              <a:cs typeface="+mn-lt"/>
+            </a:endParaRPr>
+          </a:p>
+          <a:p>
+            <a:r>
+              <a:rPr lang="en-US" sz="2000" b="1" dirty="0">
+                <a:latin typeface="Arial"/>
+                <a:ea typeface="+mn-lt"/>
+                <a:cs typeface="+mn-lt"/>
+              </a:rPr>
+              <a:t>Algorithm &amp; Deployment  </a:t>
+            </a:r>
+            <a:endParaRPr lang="en-US" dirty="0">
+              <a:latin typeface="Arial"/>
+              <a:cs typeface="Calibri"/>
+            </a:endParaRPr>
+          </a:p>
+          <a:p>
+            <a:r>
+              <a:rPr lang="en-US" sz="2000" b="1" dirty="0">
+                <a:latin typeface="Arial"/>
+                <a:ea typeface="+mn-lt"/>
+                <a:cs typeface="Arial"/>
+              </a:rPr>
+              <a:t>Result</a:t>
+            </a:r>
+          </a:p>
+          <a:p>
+            <a:r>
+              <a:rPr lang="en-US" sz="2000" b="1" dirty="0">
+                <a:latin typeface="Arial"/>
+                <a:ea typeface="+mn-lt"/>
+                <a:cs typeface="Arial"/>
+              </a:rPr>
+              <a:t>Conclusion</a:t>
+            </a:r>
+            <a:endParaRPr lang="en-US" dirty="0">
+              <a:latin typeface="Arial"/>
+              <a:cs typeface="Arial"/>
+            </a:endParaRPr>
+          </a:p>
+          <a:p>
+            <a:r>
+              <a:rPr lang="en-US" sz="2000" b="1" dirty="0">
+                <a:latin typeface="Arial"/>
+                <a:ea typeface="+mn-lt"/>
+                <a:cs typeface="Arial"/>
+              </a:rPr>
+              <a:t>Future Scope</a:t>
+            </a:r>
+          </a:p>
+          <a:p>
+            <a:r>
+              <a:rPr lang="en-US" sz="2000" b="1" dirty="0">
+                <a:latin typeface="Arial"/>
+                <a:ea typeface="+mn-lt"/>
+                <a:cs typeface="Arial"/>
+              </a:rPr>
+              <a:t>References</a:t>
+            </a:r>
+            <a:endParaRPr lang="en-US" dirty="0">
+              <a:latin typeface="Arial"/>
+              <a:cs typeface="Arial"/>
+            </a:endParaRPr>
+          </a:p>
+          <a:p>
+            <a:endParaRPr lang="en-US" dirty="0">
+              <a:latin typeface="Arial"/>
+              <a:cs typeface="Arial"/>
+            </a:endParaRPr>
+          </a:p>
         </p:txBody>
       </p:sp>
     </p:spTree>
-  </p:cSld>
-  <p:clrMapOvr>
-    <a:masterClrMapping/>
-  </p:clrMapOvr>
-</p:sld>
-</file>
-
-<file path=ppt/slides/slide2.xml><?xml version="1.0" encoding="utf-8"?>
-<p:sld xmlns:a="http://schemas.openxmlformats.org/drawingml/2006/main" xmlns:r="http://schemas.openxmlformats.org/officeDocument/2006/relationships" xmlns:p="http://schemas.openxmlformats.org/presentationml/2006/main">
-  <p:cSld>
-    <p:bg>
-      <p:bgPr>
-        <a:solidFill>
-          <a:schemeClr val="bg1"/>
-        </a:solidFill>
-        <a:effectLst/>
-      </p:bgPr>
-    </p:bg>
-    <p:spTree>
-      <p:nvGrpSpPr>
-        <p:cNvPr id="1" name=""/>
-        <p:cNvGrpSpPr/>
-        <p:nvPr/>
-      </p:nvGrpSpPr>
-      <p:grpSpPr>
-        <a:xfrm>
-          <a:off x="0" y="0"/>
-          <a:ext cx="0" cy="0"/>
-          <a:chOff x="0" y="0"/>
-          <a:chExt cx="0" cy="0"/>
-        </a:xfrm>
-      </p:grpSpPr>
-      <p:sp useBgFill="1">
-        <p:nvSpPr>
-          <p:cNvPr id="18" name="Rectangle 17"/>
-          <p:cNvSpPr>
-            <a:spLocks noGrp="1" noRot="1" noChangeAspect="1" noMove="1" noResize="1" noEditPoints="1" noAdjustHandles="1" noChangeArrowheads="1" noChangeShapeType="1" noTextEdit="1"/>
-          </p:cNvSpPr>
-          <p:nvPr/>
-        </p:nvSpPr>
-        <p:spPr>
-          <a:xfrm>
-            <a:off x="0" y="0"/>
-            <a:ext cx="12192000" cy="6858000"/>
-          </a:xfrm>
-          <a:prstGeom prst="rect">
-            <a:avLst/>
-          </a:prstGeom>
-          <a:ln>
-            <a:noFill/>
-          </a:ln>
-        </p:spPr>
-        <p:style>
-          <a:lnRef idx="2">
-            <a:schemeClr val="accent1">
-              <a:shade val="50000"/>
-            </a:schemeClr>
-          </a:lnRef>
-          <a:fillRef idx="1">
-            <a:schemeClr val="accent1"/>
-          </a:fillRef>
-          <a:effectRef idx="0">
-            <a:schemeClr val="accent1"/>
-          </a:effectRef>
-          <a:fontRef idx="minor">
-            <a:schemeClr val="lt1"/>
-          </a:fontRef>
-        </p:style>
-        <p:txBody>
-          <a:bodyPr rtlCol="0" anchor="ctr"/>
-          <a:lstStyle/>
-          <a:p>
-            <a:pPr algn="ctr"/>
-            <a:endParaRPr lang="en-US"/>
-          </a:p>
-        </p:txBody>
-      </p:sp>
-      <p:sp>
-        <p:nvSpPr>
-          <p:cNvPr id="2" name="Title 1"/>
-          <p:cNvSpPr>
-            <a:spLocks noGrp="1"/>
-          </p:cNvSpPr>
-          <p:nvPr>
-            <p:ph type="ctrTitle"/>
-          </p:nvPr>
-        </p:nvSpPr>
-        <p:spPr>
-          <a:xfrm>
-            <a:off x="581194" y="914400"/>
-            <a:ext cx="10993546" cy="638175"/>
-          </a:xfrm>
-        </p:spPr>
-        <p:txBody>
-          <a:bodyPr>
-            <a:noAutofit/>
-          </a:bodyPr>
-          <a:lstStyle/>
-          <a:p>
-            <a:pPr algn="ctr"/>
-            <a:r>
-              <a:rPr lang="en-GB" dirty="0">
-                <a:solidFill>
-                  <a:schemeClr val="accent1"/>
-                </a:solidFill>
-              </a:rPr>
-              <a:t>Student Details</a:t>
-            </a:r>
-            <a:endParaRPr lang="en-US" dirty="0">
-              <a:solidFill>
-                <a:schemeClr val="accent1"/>
-              </a:solidFill>
-            </a:endParaRPr>
-          </a:p>
-        </p:txBody>
-      </p:sp>
-      <p:sp>
-        <p:nvSpPr>
-          <p:cNvPr id="3" name="Subtitle 2"/>
-          <p:cNvSpPr>
-            <a:spLocks noGrp="1"/>
-          </p:cNvSpPr>
-          <p:nvPr>
-            <p:ph type="subTitle" idx="1"/>
-          </p:nvPr>
-        </p:nvSpPr>
-        <p:spPr>
-          <a:xfrm>
-            <a:off x="581194" y="1666875"/>
-            <a:ext cx="10993546" cy="4895850"/>
-          </a:xfrm>
-        </p:spPr>
-        <p:txBody>
-          <a:bodyPr>
-            <a:normAutofit/>
-          </a:bodyPr>
-          <a:lstStyle/>
-          <a:p>
-            <a:r>
-              <a:rPr lang="en-GB" sz="2400" b="1" dirty="0"/>
-              <a:t>Name  :  </a:t>
-            </a:r>
-            <a:r>
-              <a:rPr lang="en-GB" sz="2400" b="1" dirty="0" err="1">
-                <a:solidFill>
-                  <a:srgbClr val="7030A0"/>
-                </a:solidFill>
-              </a:rPr>
-              <a:t>usman</a:t>
-            </a:r>
-            <a:r>
-              <a:rPr lang="en-GB" sz="2400" b="1" dirty="0">
-                <a:solidFill>
-                  <a:srgbClr val="7030A0"/>
-                </a:solidFill>
-              </a:rPr>
-              <a:t> Pathan</a:t>
-            </a:r>
-            <a:endParaRPr lang="en-GB" sz="2400" b="1" dirty="0">
-              <a:solidFill>
-                <a:srgbClr val="7030A0"/>
-              </a:solidFill>
-            </a:endParaRPr>
-          </a:p>
-          <a:p>
-            <a:r>
-              <a:rPr lang="en-GB" sz="2400" b="1" dirty="0" err="1"/>
-              <a:t>Skillsbuild</a:t>
-            </a:r>
-            <a:r>
-              <a:rPr lang="en-GB" sz="2400" b="1" dirty="0"/>
-              <a:t> email id : </a:t>
-            </a:r>
-            <a:r>
-              <a:rPr lang="en-GB" sz="2400" b="1" dirty="0">
-                <a:solidFill>
-                  <a:srgbClr val="7030A0"/>
-                </a:solidFill>
-                <a:hlinkClick r:id="rId1"/>
-              </a:rPr>
-              <a:t>usman.bvp@gmail.com</a:t>
-            </a:r>
-            <a:endParaRPr lang="en-GB" sz="2400" b="1" dirty="0">
-              <a:solidFill>
-                <a:srgbClr val="7030A0"/>
-              </a:solidFill>
-            </a:endParaRPr>
-          </a:p>
-          <a:p>
-            <a:r>
-              <a:rPr lang="en-GB" sz="2400" b="1" dirty="0"/>
-              <a:t>College name : </a:t>
-            </a:r>
-            <a:r>
-              <a:rPr lang="en-GB" sz="2400" b="1" dirty="0" err="1">
-                <a:solidFill>
-                  <a:srgbClr val="7030A0"/>
-                </a:solidFill>
-              </a:rPr>
-              <a:t>jntua</a:t>
-            </a:r>
-            <a:r>
-              <a:rPr lang="en-GB" sz="2400" b="1" dirty="0">
-                <a:solidFill>
-                  <a:srgbClr val="7030A0"/>
-                </a:solidFill>
-              </a:rPr>
-              <a:t> college of </a:t>
-            </a:r>
-            <a:endParaRPr lang="en-GB" sz="2400" b="1" dirty="0">
-              <a:solidFill>
-                <a:srgbClr val="7030A0"/>
-              </a:solidFill>
-            </a:endParaRPr>
-          </a:p>
-          <a:p>
-            <a:r>
-              <a:rPr lang="en-GB" sz="2400" b="1" dirty="0">
-                <a:solidFill>
-                  <a:srgbClr val="7030A0"/>
-                </a:solidFill>
-              </a:rPr>
-              <a:t>                                            engineering  </a:t>
-            </a:r>
-            <a:r>
-              <a:rPr lang="en-GB" sz="2400" b="1" dirty="0" err="1">
-                <a:solidFill>
-                  <a:srgbClr val="7030A0"/>
-                </a:solidFill>
-              </a:rPr>
-              <a:t>kalikiri</a:t>
-            </a:r>
-            <a:endParaRPr lang="en-GB" sz="2400" b="1" dirty="0">
-              <a:solidFill>
-                <a:srgbClr val="7030A0"/>
-              </a:solidFill>
-            </a:endParaRPr>
-          </a:p>
-          <a:p>
-            <a:r>
-              <a:rPr lang="en-GB" sz="2400" b="1" dirty="0"/>
-              <a:t>College state :  </a:t>
-            </a:r>
-            <a:r>
-              <a:rPr lang="en-GB" sz="2400" b="1" dirty="0">
-                <a:solidFill>
-                  <a:srgbClr val="7030A0"/>
-                </a:solidFill>
-              </a:rPr>
-              <a:t>Andhra Pradesh</a:t>
-            </a:r>
-            <a:endParaRPr lang="en-GB" sz="2400" b="1" dirty="0">
-              <a:solidFill>
-                <a:srgbClr val="7030A0"/>
-              </a:solidFill>
-            </a:endParaRPr>
-          </a:p>
-          <a:p>
-            <a:r>
-              <a:rPr lang="en-GB" sz="2400" b="1" dirty="0"/>
-              <a:t>Internship domain :  </a:t>
-            </a:r>
-            <a:r>
-              <a:rPr lang="en-GB" sz="2400" b="1" dirty="0">
-                <a:solidFill>
-                  <a:srgbClr val="7030A0"/>
-                </a:solidFill>
-              </a:rPr>
-              <a:t>artificial intelligence</a:t>
-            </a:r>
-            <a:endParaRPr lang="en-GB" sz="2400" b="1" dirty="0">
-              <a:solidFill>
-                <a:srgbClr val="7030A0"/>
-              </a:solidFill>
-            </a:endParaRPr>
-          </a:p>
-          <a:p>
-            <a:r>
-              <a:rPr lang="en-GB" sz="2400" b="1" dirty="0"/>
-              <a:t>Internship start date  :  </a:t>
-            </a:r>
-            <a:r>
-              <a:rPr lang="en-GB" sz="2400" b="1" dirty="0">
-                <a:solidFill>
-                  <a:srgbClr val="7030A0"/>
-                </a:solidFill>
-              </a:rPr>
-              <a:t>05/06/2023 </a:t>
-            </a:r>
-            <a:endParaRPr lang="en-GB" sz="2400" b="1" dirty="0">
-              <a:solidFill>
-                <a:srgbClr val="7030A0"/>
-              </a:solidFill>
-            </a:endParaRPr>
-          </a:p>
-          <a:p>
-            <a:r>
-              <a:rPr lang="en-GB" sz="2400" b="1" dirty="0"/>
-              <a:t>Internship end date  :  </a:t>
-            </a:r>
-            <a:r>
-              <a:rPr lang="en-GB" sz="2400" b="1" dirty="0">
-                <a:solidFill>
-                  <a:srgbClr val="7030A0"/>
-                </a:solidFill>
-              </a:rPr>
-              <a:t>23/07/2023</a:t>
-            </a:r>
-            <a:endParaRPr lang="en-GB" sz="2400" b="1" dirty="0">
-              <a:solidFill>
-                <a:srgbClr val="7030A0"/>
-              </a:solidFill>
-            </a:endParaRPr>
-          </a:p>
-          <a:p>
-            <a:endParaRPr lang="en-GB" dirty="0"/>
-          </a:p>
-        </p:txBody>
-      </p:sp>
-      <p:sp>
-        <p:nvSpPr>
-          <p:cNvPr id="20" name="Rectangle 19"/>
-          <p:cNvSpPr>
-            <a:spLocks noGrp="1" noRot="1" noChangeAspect="1" noMove="1" noResize="1" noEditPoints="1" noAdjustHandles="1" noChangeArrowheads="1" noChangeShapeType="1" noTextEdit="1"/>
-          </p:cNvSpPr>
-          <p:nvPr/>
-        </p:nvSpPr>
-        <p:spPr>
-          <a:xfrm>
-            <a:off x="446534" y="457200"/>
-            <a:ext cx="3703320" cy="94997"/>
-          </a:xfrm>
-          <a:prstGeom prst="rect">
-            <a:avLst/>
-          </a:prstGeom>
-          <a:solidFill>
-            <a:srgbClr val="465359"/>
-          </a:solidFill>
-          <a:ln>
-            <a:noFill/>
-          </a:ln>
-          <a:effectLst/>
-        </p:spPr>
-        <p:style>
-          <a:lnRef idx="1">
-            <a:schemeClr val="accent1"/>
-          </a:lnRef>
-          <a:fillRef idx="3">
-            <a:schemeClr val="accent1"/>
-          </a:fillRef>
-          <a:effectRef idx="2">
-            <a:schemeClr val="accent1"/>
-          </a:effectRef>
-          <a:fontRef idx="minor">
-            <a:schemeClr val="lt1"/>
-          </a:fontRef>
-        </p:style>
-      </p:sp>
-      <p:sp>
-        <p:nvSpPr>
-          <p:cNvPr id="22" name="Rectangle 21"/>
-          <p:cNvSpPr>
-            <a:spLocks noGrp="1" noRot="1" noChangeAspect="1" noMove="1" noResize="1" noEditPoints="1" noAdjustHandles="1" noChangeArrowheads="1" noChangeShapeType="1" noTextEdit="1"/>
-          </p:cNvSpPr>
-          <p:nvPr/>
-        </p:nvSpPr>
-        <p:spPr>
-          <a:xfrm>
-            <a:off x="4241830" y="457200"/>
-            <a:ext cx="3703320" cy="91440"/>
-          </a:xfrm>
-          <a:prstGeom prst="rect">
-            <a:avLst/>
-          </a:prstGeom>
-          <a:solidFill>
-            <a:schemeClr val="accent1"/>
-          </a:solidFill>
-          <a:ln>
-            <a:noFill/>
-          </a:ln>
-          <a:effectLst/>
-        </p:spPr>
-        <p:style>
-          <a:lnRef idx="1">
-            <a:schemeClr val="accent1"/>
-          </a:lnRef>
-          <a:fillRef idx="3">
-            <a:schemeClr val="accent1"/>
-          </a:fillRef>
-          <a:effectRef idx="2">
-            <a:schemeClr val="accent1"/>
-          </a:effectRef>
-          <a:fontRef idx="minor">
-            <a:schemeClr val="lt1"/>
-          </a:fontRef>
-        </p:style>
-      </p:sp>
-      <p:sp>
-        <p:nvSpPr>
-          <p:cNvPr id="24" name="Rectangle 23"/>
-          <p:cNvSpPr>
-            <a:spLocks noGrp="1" noRot="1" noChangeAspect="1" noMove="1" noResize="1" noEditPoints="1" noAdjustHandles="1" noChangeArrowheads="1" noChangeShapeType="1" noTextEdit="1"/>
-          </p:cNvSpPr>
-          <p:nvPr/>
-        </p:nvSpPr>
-        <p:spPr>
-          <a:xfrm>
-            <a:off x="8042147" y="453643"/>
-            <a:ext cx="3703320" cy="98554"/>
-          </a:xfrm>
-          <a:prstGeom prst="rect">
-            <a:avLst/>
-          </a:prstGeom>
-          <a:solidFill>
-            <a:srgbClr val="969FA7"/>
-          </a:solidFill>
-          <a:ln>
-            <a:noFill/>
-          </a:ln>
-          <a:effectLst/>
-        </p:spPr>
-        <p:style>
-          <a:lnRef idx="1">
-            <a:schemeClr val="accent1"/>
-          </a:lnRef>
-          <a:fillRef idx="3">
-            <a:schemeClr val="accent1"/>
-          </a:fillRef>
-          <a:effectRef idx="2">
-            <a:schemeClr val="accent1"/>
-          </a:effectRef>
-          <a:fontRef idx="minor">
-            <a:schemeClr val="lt1"/>
-          </a:fontRef>
-        </p:style>
-      </p:sp>
-      <p:pic>
-        <p:nvPicPr>
-          <p:cNvPr id="4" name="Picture 3" descr="pic"/>
-          <p:cNvPicPr>
-            <a:picLocks noChangeAspect="1"/>
-          </p:cNvPicPr>
-          <p:nvPr/>
-        </p:nvPicPr>
-        <p:blipFill>
-          <a:blip r:embed="rId2"/>
-          <a:stretch>
-            <a:fillRect/>
-          </a:stretch>
-        </p:blipFill>
-        <p:spPr>
-          <a:xfrm>
-            <a:off x="7221220" y="1552575"/>
-            <a:ext cx="4524375" cy="4524375"/>
-          </a:xfrm>
-          <a:prstGeom prst="rect">
-            <a:avLst/>
-          </a:prstGeom>
-        </p:spPr>
-      </p:pic>
-    </p:spTree>
+    <p:extLst>
+      <p:ext uri="{BB962C8B-B14F-4D97-AF65-F5344CB8AC3E}">
+        <p14:creationId xmlns:p14="http://schemas.microsoft.com/office/powerpoint/2010/main" val="2900153716"/>
+      </p:ext>
+    </p:extLst>
   </p:cSld>
   <p:clrMapOvr>
     <a:masterClrMapping/>
@@ -5011,7 +5428,13 @@
       </p:grpSpPr>
       <p:sp>
         <p:nvSpPr>
-          <p:cNvPr id="2" name="Title 1"/>
+          <p:cNvPr id="5" name="Title 4">
+            <a:extLst>
+              <a:ext uri="{FF2B5EF4-FFF2-40B4-BE49-F238E27FC236}">
+                <a16:creationId xmlns:a16="http://schemas.microsoft.com/office/drawing/2014/main" id="{8FBA75B4-2DD5-42EB-9397-F36BFB8BA723}"/>
+              </a:ext>
+            </a:extLst>
+          </p:cNvPr>
           <p:cNvSpPr>
             <a:spLocks noGrp="1"/>
           </p:cNvSpPr>
@@ -5020,105 +5443,169 @@
           </p:nvPr>
         </p:nvSpPr>
         <p:spPr/>
+        <p:txBody>
+          <a:bodyPr>
+            <a:normAutofit fontScale="90000"/>
+          </a:bodyPr>
+          <a:lstStyle/>
+          <a:p>
+            <a:r>
+              <a:rPr lang="en-US" sz="4400" b="1" dirty="0">
+                <a:solidFill>
+                  <a:schemeClr val="accent1"/>
+                </a:solidFill>
+                <a:latin typeface="Arial" panose="020B0604020202020204" pitchFamily="34" charset="0"/>
+                <a:cs typeface="Arial" panose="020B0604020202020204" pitchFamily="34" charset="0"/>
+              </a:rPr>
+              <a:t>Problem Statement</a:t>
+            </a:r>
+            <a:endParaRPr lang="en-US" sz="4400" dirty="0"/>
+          </a:p>
+        </p:txBody>
+      </p:sp>
+      <p:sp>
+        <p:nvSpPr>
+          <p:cNvPr id="2" name="Content Placeholder 1">
+            <a:extLst>
+              <a:ext uri="{FF2B5EF4-FFF2-40B4-BE49-F238E27FC236}">
+                <a16:creationId xmlns:a16="http://schemas.microsoft.com/office/drawing/2014/main" id="{8FEE4A9C-3F57-7DA7-91FD-715C3FB47F93}"/>
+              </a:ext>
+            </a:extLst>
+          </p:cNvPr>
+          <p:cNvSpPr>
+            <a:spLocks noGrp="1"/>
+          </p:cNvSpPr>
+          <p:nvPr>
+            <p:ph idx="1"/>
+          </p:nvPr>
+        </p:nvSpPr>
+        <p:spPr>
+          <a:xfrm>
+            <a:off x="471858" y="1499015"/>
+            <a:ext cx="11029615" cy="4673324"/>
+          </a:xfrm>
+        </p:spPr>
         <p:txBody>
           <a:bodyPr>
             <a:normAutofit/>
           </a:bodyPr>
           <a:lstStyle/>
           <a:p>
-            <a:pPr algn="ctr"/>
-            <a:r>
-              <a:rPr lang="en-GB" sz="3600" dirty="0">
-                <a:solidFill>
-                  <a:schemeClr val="accent1"/>
-                </a:solidFill>
-              </a:rPr>
-              <a:t>Project topic</a:t>
-            </a:r>
-            <a:br>
-              <a:rPr lang="en-GB" dirty="0"/>
-            </a:br>
-            <a:endParaRPr lang="en-US" dirty="0"/>
-          </a:p>
-        </p:txBody>
-      </p:sp>
-      <p:sp>
-        <p:nvSpPr>
-          <p:cNvPr id="3" name="Content Placeholder 2"/>
-          <p:cNvSpPr>
-            <a:spLocks noGrp="1"/>
-          </p:cNvSpPr>
-          <p:nvPr>
-            <p:ph idx="1"/>
-          </p:nvPr>
-        </p:nvSpPr>
-        <p:spPr>
-          <a:xfrm>
-            <a:off x="581192" y="1461155"/>
-            <a:ext cx="11029615" cy="5231876"/>
-          </a:xfrm>
-        </p:spPr>
-        <p:txBody>
-          <a:bodyPr>
-            <a:normAutofit/>
-          </a:bodyPr>
-          <a:lstStyle/>
-          <a:p>
-            <a:pPr algn="just">
+            <a:pPr>
               <a:buFont typeface="Arial" panose="020B0604020202020204" pitchFamily="34" charset="0"/>
               <a:buChar char="•"/>
             </a:pPr>
             <a:r>
-              <a:rPr lang="en-US" sz="3200" b="1" i="0" dirty="0">
-                <a:solidFill>
-                  <a:schemeClr val="tx1"/>
-                </a:solidFill>
-                <a:effectLst/>
-              </a:rPr>
-              <a:t>The project analyzes employee burnout using data-driven insights and predictive modeling to identify its causes, indicators, and risk factors within the organization.</a:t>
-            </a:r>
-            <a:endParaRPr lang="en-US" sz="3200" b="1" i="0" dirty="0">
-              <a:solidFill>
-                <a:schemeClr val="tx1"/>
-              </a:solidFill>
-              <a:effectLst/>
-            </a:endParaRPr>
-          </a:p>
-          <a:p>
-            <a:pPr algn="just">
+              <a:rPr lang="en-US" sz="2400" b="1" dirty="0"/>
+              <a:t>Overview</a:t>
+            </a:r>
+            <a:r>
+              <a:rPr lang="en-US" sz="2400" dirty="0"/>
+              <a:t>:</a:t>
+            </a:r>
+          </a:p>
+          <a:p>
+            <a:pPr marL="742950" lvl="1" indent="-285750">
               <a:buFont typeface="Arial" panose="020B0604020202020204" pitchFamily="34" charset="0"/>
               <a:buChar char="•"/>
             </a:pPr>
             <a:r>
-              <a:rPr lang="en-US" sz="3200" b="1" i="0" dirty="0">
-                <a:solidFill>
-                  <a:schemeClr val="tx1"/>
-                </a:solidFill>
-                <a:effectLst/>
-              </a:rPr>
-              <a:t>Based on the analysis, the project implements targeted interventions to create a healthier work environment, enhance employee engagement, and mitigate burnout, fostering organizational success and growth</a:t>
-            </a:r>
-            <a:r>
-              <a:rPr lang="en-US" sz="3200" b="0" i="0" dirty="0">
-                <a:solidFill>
-                  <a:srgbClr val="D1D5DB"/>
-                </a:solidFill>
-                <a:effectLst/>
-                <a:latin typeface="Söhne"/>
-              </a:rPr>
-              <a:t>.</a:t>
-            </a:r>
-            <a:endParaRPr lang="en-US" sz="3200" b="0" i="0" dirty="0">
-              <a:solidFill>
-                <a:srgbClr val="D1D5DB"/>
-              </a:solidFill>
-              <a:effectLst/>
-              <a:latin typeface="Söhne"/>
-            </a:endParaRPr>
+              <a:rPr lang="en-US" sz="2000" dirty="0"/>
+              <a:t>Employee burnout is a critical issue affecting productivity, morale, and overall well-being.</a:t>
+            </a:r>
+          </a:p>
+          <a:p>
+            <a:pPr marL="742950" lvl="1" indent="-285750">
+              <a:buFont typeface="Arial" panose="020B0604020202020204" pitchFamily="34" charset="0"/>
+              <a:buChar char="•"/>
+            </a:pPr>
+            <a:r>
+              <a:rPr lang="en-US" sz="2000" dirty="0"/>
+              <a:t>Prolonged stress, workload imbalance, and lack of support are major contributors.</a:t>
+            </a:r>
+          </a:p>
+          <a:p>
+            <a:pPr marL="742950" lvl="1" indent="-285750">
+              <a:buFont typeface="Arial" panose="020B0604020202020204" pitchFamily="34" charset="0"/>
+              <a:buChar char="•"/>
+            </a:pPr>
+            <a:r>
+              <a:rPr lang="en-US" sz="2000" dirty="0"/>
+              <a:t>Organizations need a reliable system to predict and mitigate burnout risks.</a:t>
+            </a:r>
+          </a:p>
+          <a:p>
+            <a:pPr>
+              <a:buFont typeface="Arial" panose="020B0604020202020204" pitchFamily="34" charset="0"/>
+              <a:buChar char="•"/>
+            </a:pPr>
+            <a:r>
+              <a:rPr lang="en-US" sz="2400" b="1" dirty="0"/>
+              <a:t>Objective</a:t>
+            </a:r>
+            <a:r>
+              <a:rPr lang="en-US" sz="2400" dirty="0"/>
+              <a:t>:</a:t>
+            </a:r>
+          </a:p>
+          <a:p>
+            <a:pPr marL="742950" lvl="1" indent="-285750">
+              <a:buFont typeface="Arial" panose="020B0604020202020204" pitchFamily="34" charset="0"/>
+              <a:buChar char="•"/>
+            </a:pPr>
+            <a:r>
+              <a:rPr lang="en-US" sz="2000" dirty="0"/>
+              <a:t>Build a machine learning model to predict the burnout rate based on key employee factors.</a:t>
+            </a:r>
+          </a:p>
+          <a:p>
+            <a:pPr marL="742950" lvl="1" indent="-285750">
+              <a:buFont typeface="Arial" panose="020B0604020202020204" pitchFamily="34" charset="0"/>
+              <a:buChar char="•"/>
+            </a:pPr>
+            <a:r>
+              <a:rPr lang="en-US" sz="2000" dirty="0"/>
+              <a:t>Enable timely interventions for at-risk employees through data-driven insights.</a:t>
+            </a:r>
+          </a:p>
+          <a:p>
+            <a:pPr>
+              <a:buFont typeface="Arial" panose="020B0604020202020204" pitchFamily="34" charset="0"/>
+              <a:buChar char="•"/>
+            </a:pPr>
+            <a:r>
+              <a:rPr lang="en-US" sz="2400" b="1" dirty="0"/>
+              <a:t>Significance</a:t>
+            </a:r>
+            <a:r>
+              <a:rPr lang="en-US" sz="2400" dirty="0"/>
+              <a:t>:</a:t>
+            </a:r>
+          </a:p>
+          <a:p>
+            <a:pPr marL="742950" lvl="1" indent="-285750">
+              <a:buFont typeface="Arial" panose="020B0604020202020204" pitchFamily="34" charset="0"/>
+              <a:buChar char="•"/>
+            </a:pPr>
+            <a:r>
+              <a:rPr lang="en-US" sz="2000" dirty="0"/>
+              <a:t>Promotes employee satisfaction, reduces turnover, and enhances workplace efficiency.</a:t>
+            </a:r>
+          </a:p>
+          <a:p>
+            <a:pPr marL="0" indent="0">
+              <a:buNone/>
+            </a:pPr>
+            <a:endParaRPr lang="en-IN" sz="2800" b="1" dirty="0"/>
           </a:p>
         </p:txBody>
       </p:sp>
     </p:spTree>
+    <p:extLst>
+      <p:ext uri="{BB962C8B-B14F-4D97-AF65-F5344CB8AC3E}">
+        <p14:creationId xmlns:p14="http://schemas.microsoft.com/office/powerpoint/2010/main" val="1186421160"/>
+      </p:ext>
+    </p:extLst>
   </p:cSld>
   <p:clrMapOvr>
     <a:masterClrMapping/>
@@ -5145,7 +5632,13 @@
       </p:grpSpPr>
       <p:sp>
         <p:nvSpPr>
-          <p:cNvPr id="2" name="Title 1"/>
+          <p:cNvPr id="5" name="Title 4">
+            <a:extLst>
+              <a:ext uri="{FF2B5EF4-FFF2-40B4-BE49-F238E27FC236}">
+                <a16:creationId xmlns:a16="http://schemas.microsoft.com/office/drawing/2014/main" id="{8FBA75B4-2DD5-42EB-9397-F36BFB8BA723}"/>
+              </a:ext>
+            </a:extLst>
+          </p:cNvPr>
           <p:cNvSpPr>
             <a:spLocks noGrp="1"/>
           </p:cNvSpPr>
@@ -5155,36 +5648,46 @@
         </p:nvSpPr>
         <p:spPr>
           <a:xfrm>
-            <a:off x="581192" y="702156"/>
-            <a:ext cx="11029616" cy="787279"/>
+            <a:off x="581192" y="662572"/>
+            <a:ext cx="11029616" cy="530296"/>
           </a:xfrm>
         </p:spPr>
         <p:txBody>
-          <a:bodyPr anchor="ctr">
-            <a:normAutofit/>
+          <a:bodyPr>
+            <a:normAutofit fontScale="90000"/>
           </a:bodyPr>
           <a:lstStyle/>
           <a:p>
-            <a:pPr algn="ctr"/>
-            <a:r>
-              <a:rPr lang="en-US" sz="3600" b="1" dirty="0">
+            <a:r>
+              <a:rPr lang="en-US" sz="4400" b="1" dirty="0">
                 <a:solidFill>
                   <a:schemeClr val="accent1"/>
                 </a:solidFill>
+                <a:latin typeface="Arial"/>
+                <a:ea typeface="+mj-lt"/>
+                <a:cs typeface="Arial"/>
               </a:rPr>
-              <a:t>AGENDA</a:t>
-            </a:r>
-            <a:endParaRPr lang="en-US" sz="3600" b="1" dirty="0">
+              <a:t>System  Approach</a:t>
+            </a:r>
+            <a:endParaRPr lang="en-US" sz="4400" dirty="0">
               <a:solidFill>
                 <a:schemeClr val="accent1"/>
               </a:solidFill>
+              <a:latin typeface="Calibri Light"/>
+              <a:cs typeface="Calibri Light"/>
             </a:endParaRPr>
           </a:p>
         </p:txBody>
       </p:sp>
       <p:sp>
         <p:nvSpPr>
-          <p:cNvPr id="3" name="Content Placeholder 2"/>
+          <p:cNvPr id="2" name="Content Placeholder 1">
+            <a:extLst>
+              <a:ext uri="{FF2B5EF4-FFF2-40B4-BE49-F238E27FC236}">
+                <a16:creationId xmlns:a16="http://schemas.microsoft.com/office/drawing/2014/main" id="{C4FFAF3C-BA60-9181-132C-C36C403AAEA7}"/>
+              </a:ext>
+            </a:extLst>
+          </p:cNvPr>
           <p:cNvSpPr>
             <a:spLocks noGrp="1"/>
           </p:cNvSpPr>
@@ -5194,35 +5697,54 @@
         </p:nvSpPr>
         <p:spPr>
           <a:xfrm>
-            <a:off x="581192" y="1376313"/>
-            <a:ext cx="11029615" cy="5033914"/>
+            <a:off x="678468" y="1522104"/>
+            <a:ext cx="11029615" cy="4673324"/>
           </a:xfrm>
         </p:spPr>
         <p:txBody>
-          <a:bodyPr>
-            <a:normAutofit/>
+          <a:bodyPr numCol="2">
+            <a:noAutofit/>
           </a:bodyPr>
           <a:lstStyle/>
+          <a:p>
+            <a:r>
+              <a:rPr lang="en-US" sz="1800" b="1" dirty="0"/>
+              <a:t>System Requirements</a:t>
+            </a:r>
+          </a:p>
           <a:p>
             <a:pPr>
               <a:buFont typeface="+mj-lt"/>
               <a:buAutoNum type="arabicPeriod"/>
             </a:pPr>
             <a:r>
-              <a:rPr lang="en-US" sz="3200" b="1" i="0" dirty="0">
-                <a:solidFill>
-                  <a:schemeClr val="tx1"/>
-                </a:solidFill>
-                <a:effectLst/>
-              </a:rPr>
-              <a:t>Project Overview</a:t>
-            </a:r>
-            <a:endParaRPr lang="en-US" sz="3200" b="1" i="0" dirty="0">
-              <a:solidFill>
-                <a:schemeClr val="tx1"/>
-              </a:solidFill>
-              <a:effectLst/>
-            </a:endParaRPr>
+              <a:rPr lang="en-US" sz="1800" b="1" dirty="0"/>
+              <a:t>Hardware</a:t>
+            </a:r>
+            <a:r>
+              <a:rPr lang="en-US" sz="1800" dirty="0"/>
+              <a:t>:</a:t>
+            </a:r>
+          </a:p>
+          <a:p>
+            <a:pPr marL="742950" lvl="1" indent="-285750">
+              <a:buFont typeface="+mj-lt"/>
+              <a:buAutoNum type="arabicPeriod"/>
+            </a:pPr>
+            <a:r>
+              <a:rPr lang="en-US" sz="1800" dirty="0"/>
+              <a:t>Minimum: Laptop/PC with 8GB RAM, Intel i5 Processor, 500GB Storage.</a:t>
+            </a:r>
+          </a:p>
+          <a:p>
+            <a:pPr marL="742950" lvl="1" indent="-285750">
+              <a:buFont typeface="+mj-lt"/>
+              <a:buAutoNum type="arabicPeriod"/>
+            </a:pPr>
+            <a:r>
+              <a:rPr lang="en-US" sz="1800" dirty="0"/>
+              <a:t>Recommended: 16GB RAM, GPU for faster processing.</a:t>
+            </a:r>
           </a:p>
           <a:p>
             <a:pPr>
@@ -5230,129 +5752,190 @@
               <a:buAutoNum type="arabicPeriod"/>
             </a:pPr>
             <a:r>
-              <a:rPr lang="en-US" sz="3200" b="1" i="0" dirty="0">
-                <a:solidFill>
-                  <a:schemeClr val="tx1"/>
-                </a:solidFill>
-                <a:effectLst/>
-              </a:rPr>
-              <a:t>End Users</a:t>
-            </a:r>
-            <a:endParaRPr lang="en-US" sz="3200" b="1" i="0" dirty="0">
-              <a:solidFill>
-                <a:schemeClr val="tx1"/>
-              </a:solidFill>
-              <a:effectLst/>
-            </a:endParaRPr>
-          </a:p>
-          <a:p>
-            <a:pPr>
+              <a:rPr lang="en-US" sz="1800" b="1" dirty="0"/>
+              <a:t>Software</a:t>
+            </a:r>
+            <a:r>
+              <a:rPr lang="en-US" sz="1800" dirty="0"/>
+              <a:t>:</a:t>
+            </a:r>
+          </a:p>
+          <a:p>
+            <a:pPr marL="742950" lvl="1" indent="-285750">
               <a:buFont typeface="+mj-lt"/>
               <a:buAutoNum type="arabicPeriod"/>
             </a:pPr>
             <a:r>
-              <a:rPr lang="en-US" sz="3200" b="1" i="0" dirty="0">
-                <a:solidFill>
-                  <a:schemeClr val="tx1"/>
-                </a:solidFill>
-                <a:effectLst/>
-              </a:rPr>
-              <a:t>Solution and Value Proposition</a:t>
-            </a:r>
-            <a:endParaRPr lang="en-US" sz="3200" b="1" i="0" dirty="0">
-              <a:solidFill>
-                <a:schemeClr val="tx1"/>
-              </a:solidFill>
-              <a:effectLst/>
-            </a:endParaRPr>
-          </a:p>
-          <a:p>
-            <a:pPr>
+              <a:rPr lang="en-US" sz="1800" dirty="0"/>
+              <a:t>Python 3.8+.</a:t>
+            </a:r>
+          </a:p>
+          <a:p>
+            <a:pPr marL="742950" lvl="1" indent="-285750">
               <a:buFont typeface="+mj-lt"/>
               <a:buAutoNum type="arabicPeriod"/>
             </a:pPr>
             <a:r>
-              <a:rPr lang="en-US" sz="3200" b="1" i="0" dirty="0">
-                <a:solidFill>
-                  <a:schemeClr val="tx1"/>
-                </a:solidFill>
-                <a:effectLst/>
-              </a:rPr>
-              <a:t>Customization for an Organization</a:t>
-            </a:r>
-            <a:endParaRPr lang="en-US" sz="3200" b="1" i="0" dirty="0">
-              <a:solidFill>
-                <a:schemeClr val="tx1"/>
-              </a:solidFill>
-              <a:effectLst/>
-            </a:endParaRPr>
-          </a:p>
-          <a:p>
-            <a:pPr>
+              <a:rPr lang="en-US" sz="1800" dirty="0"/>
+              <a:t>Flask for application </a:t>
+            </a:r>
+            <a:r>
+              <a:rPr lang="en-US" sz="1800" dirty="0" err="1"/>
+              <a:t>devlopment</a:t>
+            </a:r>
+            <a:r>
+              <a:rPr lang="en-US" sz="1800" dirty="0"/>
+              <a:t>.</a:t>
+            </a:r>
+          </a:p>
+          <a:p>
+            <a:pPr marL="742950" lvl="1" indent="-285750">
               <a:buFont typeface="+mj-lt"/>
               <a:buAutoNum type="arabicPeriod"/>
             </a:pPr>
             <a:r>
-              <a:rPr lang="en-US" sz="3200" b="1" i="0" dirty="0">
-                <a:solidFill>
-                  <a:schemeClr val="tx1"/>
-                </a:solidFill>
-                <a:effectLst/>
-              </a:rPr>
-              <a:t>Modelling</a:t>
-            </a:r>
-            <a:endParaRPr lang="en-US" sz="3200" b="1" i="0" dirty="0">
-              <a:solidFill>
-                <a:schemeClr val="tx1"/>
-              </a:solidFill>
-              <a:effectLst/>
-            </a:endParaRPr>
-          </a:p>
-          <a:p>
-            <a:pPr>
+              <a:rPr lang="en-US" sz="1800" dirty="0" err="1"/>
+              <a:t>Jupyter</a:t>
+            </a:r>
+            <a:r>
+              <a:rPr lang="en-US" sz="1800" dirty="0"/>
+              <a:t> Notebook for exploratory data analysis (EDA).</a:t>
+            </a:r>
+          </a:p>
+          <a:p>
+            <a:pPr marL="742950" lvl="1" indent="-285750">
               <a:buFont typeface="+mj-lt"/>
               <a:buAutoNum type="arabicPeriod"/>
             </a:pPr>
-            <a:r>
-              <a:rPr lang="en-US" sz="3200" b="1" i="0" dirty="0">
-                <a:solidFill>
-                  <a:schemeClr val="tx1"/>
-                </a:solidFill>
-                <a:effectLst/>
-              </a:rPr>
-              <a:t>Results</a:t>
-            </a:r>
-            <a:endParaRPr lang="en-US" sz="3200" b="1" i="0" dirty="0">
+            <a:endParaRPr lang="en-US" sz="1800" dirty="0"/>
+          </a:p>
+          <a:p>
+            <a:r>
+              <a:rPr lang="en-US" sz="1800" b="1" dirty="0"/>
+              <a:t>Libraries Required to Build the Model</a:t>
+            </a:r>
+          </a:p>
+          <a:p>
+            <a:pPr>
+              <a:buFont typeface="Arial" panose="020B0604020202020204" pitchFamily="34" charset="0"/>
+              <a:buChar char="•"/>
+            </a:pPr>
+            <a:r>
+              <a:rPr lang="en-US" sz="1800" b="1" dirty="0"/>
+              <a:t>Data Analysis &amp; Processing</a:t>
+            </a:r>
+            <a:r>
+              <a:rPr lang="en-US" sz="1800" dirty="0"/>
+              <a:t>:</a:t>
+            </a:r>
+          </a:p>
+          <a:p>
+            <a:pPr marL="742950" lvl="1" indent="-285750">
+              <a:buFont typeface="Arial" panose="020B0604020202020204" pitchFamily="34" charset="0"/>
+              <a:buChar char="•"/>
+            </a:pPr>
+            <a:r>
+              <a:rPr lang="en-US" sz="1800" dirty="0"/>
+              <a:t>Pandas</a:t>
+            </a:r>
+          </a:p>
+          <a:p>
+            <a:pPr marL="742950" lvl="1" indent="-285750">
+              <a:buFont typeface="Arial" panose="020B0604020202020204" pitchFamily="34" charset="0"/>
+              <a:buChar char="•"/>
+            </a:pPr>
+            <a:r>
+              <a:rPr lang="en-US" sz="1800" dirty="0"/>
+              <a:t>NumPy</a:t>
+            </a:r>
+          </a:p>
+          <a:p>
+            <a:pPr>
+              <a:buFont typeface="Arial" panose="020B0604020202020204" pitchFamily="34" charset="0"/>
+              <a:buChar char="•"/>
+            </a:pPr>
+            <a:r>
+              <a:rPr lang="en-US" sz="1800" b="1" dirty="0"/>
+              <a:t>Visualization</a:t>
+            </a:r>
+            <a:r>
+              <a:rPr lang="en-US" sz="1800" dirty="0"/>
+              <a:t>:</a:t>
+            </a:r>
+          </a:p>
+          <a:p>
+            <a:pPr marL="742950" lvl="1" indent="-285750">
+              <a:buFont typeface="Arial" panose="020B0604020202020204" pitchFamily="34" charset="0"/>
+              <a:buChar char="•"/>
+            </a:pPr>
+            <a:r>
+              <a:rPr lang="en-US" sz="1800" dirty="0"/>
+              <a:t>Matplotlib</a:t>
+            </a:r>
+          </a:p>
+          <a:p>
+            <a:pPr marL="742950" lvl="1" indent="-285750">
+              <a:buFont typeface="Arial" panose="020B0604020202020204" pitchFamily="34" charset="0"/>
+              <a:buChar char="•"/>
+            </a:pPr>
+            <a:r>
+              <a:rPr lang="en-US" sz="1800" dirty="0"/>
+              <a:t>Seaborn</a:t>
+            </a:r>
+          </a:p>
+          <a:p>
+            <a:pPr>
+              <a:buFont typeface="Arial" panose="020B0604020202020204" pitchFamily="34" charset="0"/>
+              <a:buChar char="•"/>
+            </a:pPr>
+            <a:r>
+              <a:rPr lang="en-US" sz="1800" b="1" dirty="0"/>
+              <a:t>Machine Learning</a:t>
+            </a:r>
+            <a:r>
+              <a:rPr lang="en-US" sz="1800" dirty="0"/>
+              <a:t>:</a:t>
+            </a:r>
+          </a:p>
+          <a:p>
+            <a:pPr marL="742950" lvl="1" indent="-285750">
+              <a:buFont typeface="Arial" panose="020B0604020202020204" pitchFamily="34" charset="0"/>
+              <a:buChar char="•"/>
+            </a:pPr>
+            <a:r>
+              <a:rPr lang="en-US" sz="1800" dirty="0"/>
+              <a:t>Scikit-learn</a:t>
+            </a:r>
+          </a:p>
+          <a:p>
+            <a:pPr marL="742950" lvl="1" indent="-285750">
+              <a:buFont typeface="Arial" panose="020B0604020202020204" pitchFamily="34" charset="0"/>
+              <a:buChar char="•"/>
+            </a:pPr>
+            <a:r>
+              <a:rPr lang="en-US" sz="1800" dirty="0" err="1"/>
+              <a:t>XGBoost</a:t>
+            </a:r>
+            <a:endParaRPr lang="en-US" sz="1800" dirty="0"/>
+          </a:p>
+          <a:p>
+            <a:pPr marL="0" indent="0">
+              <a:buNone/>
+            </a:pPr>
+            <a:endParaRPr lang="en-IN" sz="1800" b="1" dirty="0">
               <a:solidFill>
-                <a:schemeClr val="tx1"/>
+                <a:srgbClr val="0F0F0F"/>
               </a:solidFill>
-              <a:effectLst/>
             </a:endParaRPr>
           </a:p>
-          <a:p>
-            <a:pPr>
-              <a:buFont typeface="+mj-lt"/>
-              <a:buAutoNum type="arabicPeriod"/>
-            </a:pPr>
-            <a:r>
-              <a:rPr lang="en-US" sz="3200" b="1" i="0" dirty="0">
-                <a:solidFill>
-                  <a:schemeClr val="tx1"/>
-                </a:solidFill>
-                <a:effectLst/>
-              </a:rPr>
-              <a:t>Links</a:t>
-            </a:r>
-            <a:endParaRPr lang="en-US" sz="3200" b="1" i="0" dirty="0">
-              <a:solidFill>
-                <a:schemeClr val="tx1"/>
-              </a:solidFill>
-              <a:effectLst/>
-            </a:endParaRPr>
-          </a:p>
         </p:txBody>
       </p:sp>
     </p:spTree>
+    <p:extLst>
+      <p:ext uri="{BB962C8B-B14F-4D97-AF65-F5344CB8AC3E}">
+        <p14:creationId xmlns:p14="http://schemas.microsoft.com/office/powerpoint/2010/main" val="3202024527"/>
+      </p:ext>
+    </p:extLst>
   </p:cSld>
   <p:clrMapOvr>
     <a:masterClrMapping/>
@@ -5379,117 +5962,199 @@
       </p:grpSpPr>
       <p:sp>
         <p:nvSpPr>
-          <p:cNvPr id="2" name="Title 1"/>
+          <p:cNvPr id="5" name="Title 4">
+            <a:extLst>
+              <a:ext uri="{FF2B5EF4-FFF2-40B4-BE49-F238E27FC236}">
+                <a16:creationId xmlns:a16="http://schemas.microsoft.com/office/drawing/2014/main" id="{8FBA75B4-2DD5-42EB-9397-F36BFB8BA723}"/>
+              </a:ext>
+            </a:extLst>
+          </p:cNvPr>
           <p:cNvSpPr>
             <a:spLocks noGrp="1"/>
           </p:cNvSpPr>
           <p:nvPr>
             <p:ph type="title"/>
+          </p:nvPr>
+        </p:nvSpPr>
+        <p:spPr/>
+        <p:txBody>
+          <a:bodyPr>
+            <a:normAutofit fontScale="90000"/>
+          </a:bodyPr>
+          <a:lstStyle/>
+          <a:p>
+            <a:r>
+              <a:rPr lang="en-US" sz="4400" b="1">
+                <a:solidFill>
+                  <a:schemeClr val="accent1"/>
+                </a:solidFill>
+                <a:latin typeface="Arial"/>
+                <a:ea typeface="+mj-lt"/>
+                <a:cs typeface="Arial"/>
+              </a:rPr>
+              <a:t>Algorithm &amp; Deployment</a:t>
+            </a:r>
+            <a:endParaRPr lang="en-US"/>
+          </a:p>
+        </p:txBody>
+      </p:sp>
+      <p:sp>
+        <p:nvSpPr>
+          <p:cNvPr id="2" name="Content Placeholder 1">
+            <a:extLst>
+              <a:ext uri="{FF2B5EF4-FFF2-40B4-BE49-F238E27FC236}">
+                <a16:creationId xmlns:a16="http://schemas.microsoft.com/office/drawing/2014/main" id="{F7F0871F-2198-9E37-C96F-3611AA199B60}"/>
+              </a:ext>
+            </a:extLst>
+          </p:cNvPr>
+          <p:cNvSpPr>
+            <a:spLocks noGrp="1"/>
+          </p:cNvSpPr>
+          <p:nvPr>
+            <p:ph idx="1"/>
           </p:nvPr>
         </p:nvSpPr>
         <p:spPr>
           <a:xfrm>
-            <a:off x="581192" y="702156"/>
-            <a:ext cx="11029616" cy="702438"/>
+            <a:off x="581193" y="1482520"/>
+            <a:ext cx="11029615" cy="4673324"/>
           </a:xfrm>
         </p:spPr>
         <p:txBody>
-          <a:bodyPr anchor="ctr">
+          <a:bodyPr>
             <a:normAutofit/>
           </a:bodyPr>
           <a:lstStyle/>
           <a:p>
-            <a:pPr algn="ctr"/>
-            <a:r>
-              <a:rPr lang="en-US" sz="3600" dirty="0">
-                <a:solidFill>
-                  <a:schemeClr val="accent1"/>
-                </a:solidFill>
-              </a:rPr>
-              <a:t>PROJECT  OVERVIEW</a:t>
-            </a:r>
-            <a:endParaRPr lang="en-US" sz="3600" dirty="0">
-              <a:solidFill>
-                <a:schemeClr val="accent1"/>
-              </a:solidFill>
-            </a:endParaRPr>
-          </a:p>
-        </p:txBody>
-      </p:sp>
-      <p:sp>
-        <p:nvSpPr>
-          <p:cNvPr id="3" name="Content Placeholder 2"/>
-          <p:cNvSpPr>
-            <a:spLocks noGrp="1"/>
-          </p:cNvSpPr>
-          <p:nvPr>
-            <p:ph idx="1"/>
-          </p:nvPr>
-        </p:nvSpPr>
-        <p:spPr>
-          <a:xfrm>
-            <a:off x="581192" y="1404594"/>
-            <a:ext cx="11029615" cy="5024486"/>
-          </a:xfrm>
-        </p:spPr>
-        <p:txBody>
-          <a:bodyPr>
-            <a:noAutofit/>
-          </a:bodyPr>
-          <a:lstStyle/>
-          <a:p>
-            <a:pPr marL="0" indent="0" algn="just">
-              <a:buNone/>
+            <a:pPr>
+              <a:buFont typeface="+mj-lt"/>
+              <a:buAutoNum type="arabicPeriod"/>
             </a:pPr>
-            <a:endParaRPr lang="en-US" sz="3200" b="1" i="0" dirty="0">
-              <a:solidFill>
-                <a:schemeClr val="tx1"/>
-              </a:solidFill>
-              <a:effectLst/>
-            </a:endParaRPr>
-          </a:p>
-          <a:p>
-            <a:pPr marL="0" indent="0" algn="just">
-              <a:buNone/>
+            <a:r>
+              <a:rPr lang="en-US" sz="1800" b="1" dirty="0"/>
+              <a:t>Data Collection</a:t>
+            </a:r>
+            <a:r>
+              <a:rPr lang="en-US" sz="1800" dirty="0"/>
+              <a:t>:</a:t>
+            </a:r>
+          </a:p>
+          <a:p>
+            <a:pPr marL="742950" lvl="1" indent="-285750">
+              <a:buFont typeface="+mj-lt"/>
+              <a:buAutoNum type="arabicPeriod"/>
             </a:pPr>
             <a:r>
-              <a:rPr lang="en-US" sz="3200" b="1" i="0" dirty="0">
-                <a:solidFill>
-                  <a:schemeClr val="tx1"/>
-                </a:solidFill>
-                <a:effectLst/>
-              </a:rPr>
-              <a:t>The Employees Burnout Analysis and Prediction project addresses employee burnout within the organization. By leveraging data-driven insights and predictive modeling, I analyze and predict burnout risks. </a:t>
-            </a:r>
-            <a:endParaRPr lang="en-US" sz="3200" b="1" i="0" dirty="0">
-              <a:solidFill>
-                <a:schemeClr val="tx1"/>
-              </a:solidFill>
-              <a:effectLst/>
-            </a:endParaRPr>
-          </a:p>
-          <a:p>
-            <a:pPr marL="0" indent="0" algn="just">
-              <a:buNone/>
+              <a:rPr lang="en-US" dirty="0"/>
+              <a:t>Gather relevant employee data (work hours, job role, stress levels, performance metrics, etc.).</a:t>
+            </a:r>
+          </a:p>
+          <a:p>
+            <a:pPr>
+              <a:buFont typeface="+mj-lt"/>
+              <a:buAutoNum type="arabicPeriod"/>
             </a:pPr>
             <a:r>
-              <a:rPr lang="en-US" sz="3200" b="1" i="0" dirty="0">
-                <a:solidFill>
-                  <a:schemeClr val="tx1"/>
-                </a:solidFill>
-                <a:effectLst/>
-              </a:rPr>
-              <a:t>The project focuses on identifying causes, developing targeted interventions, and fostering a culture of well-being. My goal is to create a healthier work environment, enhance employee engagement, and drive organizational success.</a:t>
-            </a:r>
-            <a:endParaRPr lang="en-US" sz="3200" b="1" dirty="0">
-              <a:solidFill>
-                <a:schemeClr val="tx1"/>
-              </a:solidFill>
-            </a:endParaRPr>
+              <a:rPr lang="en-US" sz="1800" b="1" dirty="0"/>
+              <a:t>Data Preprocessing</a:t>
+            </a:r>
+            <a:r>
+              <a:rPr lang="en-US" sz="1800" dirty="0"/>
+              <a:t>:</a:t>
+            </a:r>
+          </a:p>
+          <a:p>
+            <a:pPr marL="742950" lvl="1" indent="-285750">
+              <a:buFont typeface="+mj-lt"/>
+              <a:buAutoNum type="arabicPeriod"/>
+            </a:pPr>
+            <a:r>
+              <a:rPr lang="en-US" dirty="0"/>
+              <a:t>Handle missing values, outliers, and encode categorical variables.</a:t>
+            </a:r>
+          </a:p>
+          <a:p>
+            <a:pPr marL="742950" lvl="1" indent="-285750">
+              <a:buFont typeface="+mj-lt"/>
+              <a:buAutoNum type="arabicPeriod"/>
+            </a:pPr>
+            <a:r>
+              <a:rPr lang="en-US" dirty="0"/>
+              <a:t>Normalize/standardize features as required.</a:t>
+            </a:r>
+          </a:p>
+          <a:p>
+            <a:pPr>
+              <a:buFont typeface="+mj-lt"/>
+              <a:buAutoNum type="arabicPeriod"/>
+            </a:pPr>
+            <a:r>
+              <a:rPr lang="en-US" sz="1800" b="1" dirty="0"/>
+              <a:t>Exploratory Data Analysis (EDA)</a:t>
+            </a:r>
+            <a:r>
+              <a:rPr lang="en-US" sz="1800" dirty="0"/>
+              <a:t>:</a:t>
+            </a:r>
+          </a:p>
+          <a:p>
+            <a:pPr marL="742950" lvl="1" indent="-285750">
+              <a:buFont typeface="+mj-lt"/>
+              <a:buAutoNum type="arabicPeriod"/>
+            </a:pPr>
+            <a:r>
+              <a:rPr lang="en-US" dirty="0"/>
+              <a:t>Visualize relationships between features and burnout rates.</a:t>
+            </a:r>
+          </a:p>
+          <a:p>
+            <a:pPr marL="742950" lvl="1" indent="-285750">
+              <a:buFont typeface="+mj-lt"/>
+              <a:buAutoNum type="arabicPeriod"/>
+            </a:pPr>
+            <a:r>
+              <a:rPr lang="en-US" dirty="0"/>
+              <a:t>Identify key predictors using correlation analysis.</a:t>
+            </a:r>
+          </a:p>
+          <a:p>
+            <a:pPr>
+              <a:buFont typeface="+mj-lt"/>
+              <a:buAutoNum type="arabicPeriod"/>
+            </a:pPr>
+            <a:r>
+              <a:rPr lang="en-US" sz="1800" b="1" dirty="0"/>
+              <a:t>Feature Selection</a:t>
+            </a:r>
+            <a:r>
+              <a:rPr lang="en-US" sz="1800" dirty="0"/>
+              <a:t>:</a:t>
+            </a:r>
+          </a:p>
+          <a:p>
+            <a:pPr marL="742950" lvl="1" indent="-285750">
+              <a:buFont typeface="+mj-lt"/>
+              <a:buAutoNum type="arabicPeriod"/>
+            </a:pPr>
+            <a:r>
+              <a:rPr lang="en-US" dirty="0"/>
+              <a:t>Select features contributing significantly to burnout rate prediction.</a:t>
+            </a:r>
+          </a:p>
+          <a:p>
+            <a:pPr marL="0" indent="0">
+              <a:buNone/>
+            </a:pPr>
+            <a:endParaRPr lang="en-US" sz="3200" b="1" dirty="0"/>
           </a:p>
         </p:txBody>
       </p:sp>
     </p:spTree>
+    <p:extLst>
+      <p:ext uri="{BB962C8B-B14F-4D97-AF65-F5344CB8AC3E}">
+        <p14:creationId xmlns:p14="http://schemas.microsoft.com/office/powerpoint/2010/main" val="4154508776"/>
+      </p:ext>
+    </p:extLst>
   </p:cSld>
   <p:clrMapOvr>
     <a:masterClrMapping/>
@@ -5516,59 +6181,24 @@
       </p:grpSpPr>
       <p:sp>
         <p:nvSpPr>
-          <p:cNvPr id="2" name="Title 1"/>
-          <p:cNvSpPr>
-            <a:spLocks noGrp="1"/>
-          </p:cNvSpPr>
-          <p:nvPr>
-            <p:ph type="title"/>
+          <p:cNvPr id="3" name="Content Placeholder 2">
+            <a:extLst>
+              <a:ext uri="{FF2B5EF4-FFF2-40B4-BE49-F238E27FC236}">
+                <a16:creationId xmlns:a16="http://schemas.microsoft.com/office/drawing/2014/main" id="{265EE80A-8BCE-5EFD-B280-B9A064518462}"/>
+              </a:ext>
+            </a:extLst>
+          </p:cNvPr>
+          <p:cNvSpPr>
+            <a:spLocks noGrp="1"/>
+          </p:cNvSpPr>
+          <p:nvPr>
+            <p:ph idx="1"/>
           </p:nvPr>
         </p:nvSpPr>
         <p:spPr>
           <a:xfrm>
-            <a:off x="581192" y="702156"/>
-            <a:ext cx="11029616" cy="730718"/>
-          </a:xfrm>
-        </p:spPr>
-        <p:txBody>
-          <a:bodyPr anchor="ctr"/>
-          <a:lstStyle/>
-          <a:p>
-            <a:pPr algn="ctr"/>
-            <a:r>
-              <a:rPr lang="en-US" sz="2800" dirty="0"/>
-              <a:t> </a:t>
-            </a:r>
-            <a:r>
-              <a:rPr lang="en-US" sz="3600" dirty="0">
-                <a:solidFill>
-                  <a:schemeClr val="accent1"/>
-                </a:solidFill>
-              </a:rPr>
-              <a:t>END USERS </a:t>
-            </a:r>
-            <a:endParaRPr lang="en-US" sz="3600" dirty="0">
-              <a:solidFill>
-                <a:schemeClr val="accent1"/>
-              </a:solidFill>
-            </a:endParaRPr>
-          </a:p>
-        </p:txBody>
-      </p:sp>
-      <p:sp>
-        <p:nvSpPr>
-          <p:cNvPr id="3" name="Content Placeholder 2"/>
-          <p:cNvSpPr>
-            <a:spLocks noGrp="1"/>
-          </p:cNvSpPr>
-          <p:nvPr>
-            <p:ph idx="1"/>
-          </p:nvPr>
-        </p:nvSpPr>
-        <p:spPr>
-          <a:xfrm>
-            <a:off x="581192" y="1545995"/>
-            <a:ext cx="11029615" cy="4817097"/>
+            <a:off x="581192" y="1058835"/>
+            <a:ext cx="11029615" cy="3590986"/>
           </a:xfrm>
         </p:spPr>
         <p:txBody>
@@ -5577,99 +6207,393 @@
           </a:bodyPr>
           <a:lstStyle/>
           <a:p>
-            <a:pPr algn="l">
+            <a:pPr marL="742950" marR="0" lvl="1" indent="-285750" algn="l" defTabSz="457200" rtl="0" eaLnBrk="1" fontAlgn="auto" latinLnBrk="0" hangingPunct="1">
+              <a:lnSpc>
+                <a:spcPct val="100000"/>
+              </a:lnSpc>
+              <a:spcBef>
+                <a:spcPct val="20000"/>
+              </a:spcBef>
+              <a:spcAft>
+                <a:spcPts val="600"/>
+              </a:spcAft>
+              <a:buClr>
+                <a:srgbClr val="1CADE4"/>
+              </a:buClr>
+              <a:buSzPct val="92000"/>
+              <a:buFont typeface="+mj-lt"/>
+              <a:buAutoNum type="arabicPeriod" startAt="5"/>
+              <a:tabLst/>
+              <a:defRPr/>
+            </a:pPr>
+            <a:endParaRPr kumimoji="0" lang="en-US" b="0" i="0" u="none" strike="noStrike" kern="1200" cap="none" spc="0" normalizeH="0" baseline="0" noProof="0" dirty="0">
+              <a:ln>
+                <a:noFill/>
+              </a:ln>
+              <a:solidFill>
+                <a:prstClr val="black">
+                  <a:lumMod val="75000"/>
+                  <a:lumOff val="25000"/>
+                </a:prstClr>
+              </a:solidFill>
+              <a:effectLst/>
+              <a:uLnTx/>
+              <a:uFillTx/>
+              <a:latin typeface="Franklin Gothic Book"/>
+              <a:ea typeface="+mn-ea"/>
+              <a:cs typeface="+mn-cs"/>
+            </a:endParaRPr>
+          </a:p>
+          <a:p>
+            <a:pPr marL="342900" marR="0" lvl="0" indent="-342900" algn="l" defTabSz="457200" rtl="0" eaLnBrk="1" fontAlgn="auto" latinLnBrk="0" hangingPunct="1">
+              <a:lnSpc>
+                <a:spcPct val="110000"/>
+              </a:lnSpc>
+              <a:spcBef>
+                <a:spcPct val="20000"/>
+              </a:spcBef>
+              <a:spcAft>
+                <a:spcPts val="600"/>
+              </a:spcAft>
+              <a:buClr>
+                <a:srgbClr val="1CADE4"/>
+              </a:buClr>
+              <a:buSzPct val="92000"/>
+              <a:buFont typeface="+mj-lt"/>
+              <a:buAutoNum type="arabicPeriod" startAt="5"/>
+              <a:tabLst/>
+              <a:defRPr/>
+            </a:pPr>
+            <a:r>
+              <a:rPr kumimoji="0" lang="en-US" sz="2000" b="1" i="0" u="none" strike="noStrike" kern="1200" cap="none" spc="0" normalizeH="0" baseline="0" noProof="0" dirty="0">
+                <a:ln>
+                  <a:noFill/>
+                </a:ln>
+                <a:solidFill>
+                  <a:prstClr val="black">
+                    <a:lumMod val="75000"/>
+                    <a:lumOff val="25000"/>
+                  </a:prstClr>
+                </a:solidFill>
+                <a:effectLst/>
+                <a:uLnTx/>
+                <a:uFillTx/>
+                <a:latin typeface="Franklin Gothic Book"/>
+                <a:ea typeface="+mn-ea"/>
+                <a:cs typeface="+mn-cs"/>
+              </a:rPr>
+              <a:t>Model Development</a:t>
+            </a:r>
+            <a:r>
+              <a:rPr kumimoji="0" lang="en-US" sz="2000" b="0" i="0" u="none" strike="noStrike" kern="1200" cap="none" spc="0" normalizeH="0" baseline="0" noProof="0" dirty="0">
+                <a:ln>
+                  <a:noFill/>
+                </a:ln>
+                <a:solidFill>
+                  <a:prstClr val="black">
+                    <a:lumMod val="75000"/>
+                    <a:lumOff val="25000"/>
+                  </a:prstClr>
+                </a:solidFill>
+                <a:effectLst/>
+                <a:uLnTx/>
+                <a:uFillTx/>
+                <a:latin typeface="Franklin Gothic Book"/>
+                <a:ea typeface="+mn-ea"/>
+                <a:cs typeface="+mn-cs"/>
+              </a:rPr>
+              <a:t>:</a:t>
+            </a:r>
+          </a:p>
+          <a:p>
+            <a:pPr marL="742950" lvl="1" indent="-285750">
+              <a:buClr>
+                <a:srgbClr val="1CADE4"/>
+              </a:buClr>
               <a:buFont typeface="+mj-lt"/>
               <a:buAutoNum type="arabicPeriod"/>
+              <a:defRPr/>
             </a:pPr>
             <a:r>
-              <a:rPr lang="en-US" sz="3200" b="1" i="0" dirty="0">
-                <a:solidFill>
-                  <a:schemeClr val="tx1"/>
-                </a:solidFill>
-                <a:effectLst/>
+              <a:rPr lang="en-US" dirty="0">
+                <a:solidFill>
+                  <a:prstClr val="black">
+                    <a:lumMod val="75000"/>
+                    <a:lumOff val="25000"/>
+                  </a:prstClr>
+                </a:solidFill>
+                <a:latin typeface="Franklin Gothic Book"/>
               </a:rPr>
-              <a:t>Organization Leadership</a:t>
-            </a:r>
-            <a:endParaRPr lang="en-US" sz="3200" b="1" i="0" dirty="0">
-              <a:solidFill>
-                <a:schemeClr val="tx1"/>
-              </a:solidFill>
-              <a:effectLst/>
-            </a:endParaRPr>
-          </a:p>
-          <a:p>
-            <a:pPr algn="l">
+              <a:t>Train machine learning models (e.g., Random Forest, Linear Regression) on the dataset.</a:t>
+            </a:r>
+          </a:p>
+          <a:p>
+            <a:pPr marL="742950" lvl="1" indent="-285750">
+              <a:buClr>
+                <a:srgbClr val="1CADE4"/>
+              </a:buClr>
               <a:buFont typeface="+mj-lt"/>
               <a:buAutoNum type="arabicPeriod"/>
+              <a:defRPr/>
             </a:pPr>
             <a:r>
-              <a:rPr lang="en-US" sz="3200" b="1" i="0" dirty="0">
-                <a:solidFill>
-                  <a:schemeClr val="tx1"/>
+              <a:rPr lang="en-US" dirty="0">
+                <a:solidFill>
+                  <a:prstClr val="black">
+                    <a:lumMod val="75000"/>
+                    <a:lumOff val="25000"/>
+                  </a:prstClr>
+                </a:solidFill>
+                <a:latin typeface="Franklin Gothic Book"/>
+              </a:rPr>
+              <a:t>Use cross-validation to optimize hyperparameters.</a:t>
+            </a:r>
+          </a:p>
+          <a:p>
+            <a:pPr marL="342900" marR="0" lvl="0" indent="-342900" algn="l" defTabSz="457200" rtl="0" eaLnBrk="1" fontAlgn="auto" latinLnBrk="0" hangingPunct="1">
+              <a:lnSpc>
+                <a:spcPct val="110000"/>
+              </a:lnSpc>
+              <a:spcBef>
+                <a:spcPct val="20000"/>
+              </a:spcBef>
+              <a:spcAft>
+                <a:spcPts val="600"/>
+              </a:spcAft>
+              <a:buClr>
+                <a:srgbClr val="1CADE4"/>
+              </a:buClr>
+              <a:buSzPct val="92000"/>
+              <a:buFont typeface="+mj-lt"/>
+              <a:buAutoNum type="arabicPeriod" startAt="5"/>
+              <a:tabLst/>
+              <a:defRPr/>
+            </a:pPr>
+            <a:r>
+              <a:rPr kumimoji="0" lang="en-US" sz="2000" b="1" i="0" u="none" strike="noStrike" kern="1200" cap="none" spc="0" normalizeH="0" baseline="0" noProof="0" dirty="0">
+                <a:ln>
+                  <a:noFill/>
+                </a:ln>
+                <a:solidFill>
+                  <a:prstClr val="black">
+                    <a:lumMod val="75000"/>
+                    <a:lumOff val="25000"/>
+                  </a:prstClr>
                 </a:solidFill>
                 <a:effectLst/>
+                <a:uLnTx/>
+                <a:uFillTx/>
+                <a:latin typeface="Franklin Gothic Book"/>
+                <a:ea typeface="+mn-ea"/>
+                <a:cs typeface="+mn-cs"/>
               </a:rPr>
-              <a:t>Human Resources (HR) Department</a:t>
-            </a:r>
-            <a:endParaRPr lang="en-US" sz="3200" b="1" i="0" dirty="0">
-              <a:solidFill>
-                <a:schemeClr val="tx1"/>
-              </a:solidFill>
-              <a:effectLst/>
-            </a:endParaRPr>
-          </a:p>
-          <a:p>
-            <a:pPr algn="l">
+              <a:t>Model Evaluation</a:t>
+            </a:r>
+            <a:r>
+              <a:rPr kumimoji="0" lang="en-US" sz="2000" b="0" i="0" u="none" strike="noStrike" kern="1200" cap="none" spc="0" normalizeH="0" baseline="0" noProof="0" dirty="0">
+                <a:ln>
+                  <a:noFill/>
+                </a:ln>
+                <a:solidFill>
+                  <a:prstClr val="black">
+                    <a:lumMod val="75000"/>
+                    <a:lumOff val="25000"/>
+                  </a:prstClr>
+                </a:solidFill>
+                <a:effectLst/>
+                <a:uLnTx/>
+                <a:uFillTx/>
+                <a:latin typeface="Franklin Gothic Book"/>
+                <a:ea typeface="+mn-ea"/>
+                <a:cs typeface="+mn-cs"/>
+              </a:rPr>
+              <a:t>:</a:t>
+            </a:r>
+          </a:p>
+          <a:p>
+            <a:pPr marL="742950" marR="0" lvl="1" indent="-285750" fontAlgn="auto">
+              <a:lnSpc>
+                <a:spcPct val="100000"/>
+              </a:lnSpc>
+              <a:buClr>
+                <a:srgbClr val="1CADE4"/>
+              </a:buClr>
               <a:buFont typeface="+mj-lt"/>
               <a:buAutoNum type="arabicPeriod"/>
+              <a:tabLst/>
+              <a:defRPr/>
             </a:pPr>
             <a:r>
-              <a:rPr lang="en-US" sz="3200" b="1" i="0" dirty="0">
-                <a:solidFill>
-                  <a:schemeClr val="tx1"/>
+              <a:rPr lang="en-US" dirty="0">
+                <a:solidFill>
+                  <a:prstClr val="black">
+                    <a:lumMod val="75000"/>
+                    <a:lumOff val="25000"/>
+                  </a:prstClr>
+                </a:solidFill>
+                <a:latin typeface="Franklin Gothic Book"/>
+              </a:rPr>
+              <a:t>Evaluate model performance using metrics like RMSE, R^2, and accuracy.</a:t>
+            </a:r>
+          </a:p>
+          <a:p>
+            <a:pPr marL="342900" marR="0" lvl="0" indent="-342900" algn="l" defTabSz="457200" rtl="0" eaLnBrk="1" fontAlgn="auto" latinLnBrk="0" hangingPunct="1">
+              <a:lnSpc>
+                <a:spcPct val="110000"/>
+              </a:lnSpc>
+              <a:spcBef>
+                <a:spcPct val="20000"/>
+              </a:spcBef>
+              <a:spcAft>
+                <a:spcPts val="600"/>
+              </a:spcAft>
+              <a:buClr>
+                <a:srgbClr val="1CADE4"/>
+              </a:buClr>
+              <a:buSzPct val="92000"/>
+              <a:buFont typeface="+mj-lt"/>
+              <a:buAutoNum type="arabicPeriod" startAt="5"/>
+              <a:tabLst/>
+              <a:defRPr/>
+            </a:pPr>
+            <a:r>
+              <a:rPr kumimoji="0" lang="en-US" sz="2000" b="1" i="0" u="none" strike="noStrike" kern="1200" cap="none" spc="0" normalizeH="0" baseline="0" noProof="0" dirty="0">
+                <a:ln>
+                  <a:noFill/>
+                </a:ln>
+                <a:solidFill>
+                  <a:prstClr val="black">
+                    <a:lumMod val="75000"/>
+                    <a:lumOff val="25000"/>
+                  </a:prstClr>
                 </a:solidFill>
                 <a:effectLst/>
+                <a:uLnTx/>
+                <a:uFillTx/>
+                <a:latin typeface="Franklin Gothic Book"/>
+                <a:ea typeface="+mn-ea"/>
+                <a:cs typeface="+mn-cs"/>
               </a:rPr>
-              <a:t>Managers and Supervisors</a:t>
-            </a:r>
-            <a:endParaRPr lang="en-US" sz="3200" b="1" i="0" dirty="0">
-              <a:solidFill>
-                <a:schemeClr val="tx1"/>
-              </a:solidFill>
-              <a:effectLst/>
-            </a:endParaRPr>
-          </a:p>
-          <a:p>
-            <a:pPr algn="l">
+              <a:t>Deployment</a:t>
+            </a:r>
+            <a:r>
+              <a:rPr kumimoji="0" lang="en-US" sz="2000" b="0" i="0" u="none" strike="noStrike" kern="1200" cap="none" spc="0" normalizeH="0" baseline="0" noProof="0" dirty="0">
+                <a:ln>
+                  <a:noFill/>
+                </a:ln>
+                <a:solidFill>
+                  <a:prstClr val="black">
+                    <a:lumMod val="75000"/>
+                    <a:lumOff val="25000"/>
+                  </a:prstClr>
+                </a:solidFill>
+                <a:effectLst/>
+                <a:uLnTx/>
+                <a:uFillTx/>
+                <a:latin typeface="Franklin Gothic Book"/>
+                <a:ea typeface="+mn-ea"/>
+                <a:cs typeface="+mn-cs"/>
+              </a:rPr>
+              <a:t>:</a:t>
+            </a:r>
+          </a:p>
+          <a:p>
+            <a:pPr marL="742950" marR="0" lvl="1" indent="-285750" algn="l" defTabSz="457200" rtl="0" eaLnBrk="1" fontAlgn="auto" latinLnBrk="0" hangingPunct="1">
+              <a:lnSpc>
+                <a:spcPct val="100000"/>
+              </a:lnSpc>
+              <a:spcBef>
+                <a:spcPct val="20000"/>
+              </a:spcBef>
+              <a:spcAft>
+                <a:spcPts val="600"/>
+              </a:spcAft>
+              <a:buClr>
+                <a:srgbClr val="1CADE4"/>
+              </a:buClr>
+              <a:buSzPct val="92000"/>
               <a:buFont typeface="+mj-lt"/>
               <a:buAutoNum type="arabicPeriod"/>
+              <a:tabLst/>
+              <a:defRPr/>
             </a:pPr>
             <a:r>
-              <a:rPr lang="en-US" sz="3200" b="1" i="0" dirty="0">
-                <a:solidFill>
-                  <a:schemeClr val="tx1"/>
+              <a:rPr kumimoji="0" lang="en-US" b="0" i="0" u="none" strike="noStrike" kern="1200" cap="none" spc="0" normalizeH="0" baseline="0" noProof="0" dirty="0">
+                <a:ln>
+                  <a:noFill/>
+                </a:ln>
+                <a:solidFill>
+                  <a:prstClr val="black">
+                    <a:lumMod val="75000"/>
+                    <a:lumOff val="25000"/>
+                  </a:prstClr>
                 </a:solidFill>
                 <a:effectLst/>
+                <a:uLnTx/>
+                <a:uFillTx/>
+                <a:latin typeface="Franklin Gothic Book"/>
+                <a:ea typeface="+mn-ea"/>
+                <a:cs typeface="+mn-cs"/>
               </a:rPr>
-              <a:t>Employees</a:t>
-            </a:r>
-            <a:endParaRPr lang="en-US" sz="3200" b="1" i="0" dirty="0">
-              <a:solidFill>
-                <a:schemeClr val="tx1"/>
-              </a:solidFill>
-              <a:effectLst/>
-            </a:endParaRPr>
-          </a:p>
-          <a:p>
-            <a:endParaRPr lang="en-US" sz="3200" b="1" dirty="0">
-              <a:solidFill>
-                <a:schemeClr val="tx1"/>
-              </a:solidFill>
-            </a:endParaRPr>
+              <a:t>Integrate the model into a Flask application.</a:t>
+            </a:r>
+          </a:p>
+          <a:p>
+            <a:pPr marL="742950" marR="0" lvl="1" indent="-285750" algn="l" defTabSz="457200" rtl="0" eaLnBrk="1" fontAlgn="auto" latinLnBrk="0" hangingPunct="1">
+              <a:lnSpc>
+                <a:spcPct val="100000"/>
+              </a:lnSpc>
+              <a:spcBef>
+                <a:spcPct val="20000"/>
+              </a:spcBef>
+              <a:spcAft>
+                <a:spcPts val="600"/>
+              </a:spcAft>
+              <a:buClr>
+                <a:srgbClr val="1CADE4"/>
+              </a:buClr>
+              <a:buSzPct val="92000"/>
+              <a:buFont typeface="+mj-lt"/>
+              <a:buAutoNum type="arabicPeriod"/>
+              <a:tabLst/>
+              <a:defRPr/>
+            </a:pPr>
+            <a:r>
+              <a:rPr kumimoji="0" lang="en-US" b="0" i="0" u="none" strike="noStrike" kern="1200" cap="none" spc="0" normalizeH="0" baseline="0" noProof="0" dirty="0">
+                <a:ln>
+                  <a:noFill/>
+                </a:ln>
+                <a:solidFill>
+                  <a:prstClr val="black">
+                    <a:lumMod val="75000"/>
+                    <a:lumOff val="25000"/>
+                  </a:prstClr>
+                </a:solidFill>
+                <a:effectLst/>
+                <a:uLnTx/>
+                <a:uFillTx/>
+                <a:latin typeface="Franklin Gothic Book"/>
+                <a:ea typeface="+mn-ea"/>
+                <a:cs typeface="+mn-cs"/>
+              </a:rPr>
+              <a:t>Create a user-friendly interface with templates and static files.</a:t>
+            </a:r>
+          </a:p>
+          <a:p>
+            <a:pPr marL="342900" indent="-342900">
+              <a:buFont typeface="+mj-lt"/>
+              <a:buAutoNum type="arabicPeriod" startAt="5"/>
+            </a:pPr>
+            <a:endParaRPr lang="en-US" sz="2800" dirty="0"/>
           </a:p>
         </p:txBody>
       </p:sp>
     </p:spTree>
+    <p:extLst>
+      <p:ext uri="{BB962C8B-B14F-4D97-AF65-F5344CB8AC3E}">
+        <p14:creationId xmlns:p14="http://schemas.microsoft.com/office/powerpoint/2010/main" val="2236698953"/>
+      </p:ext>
+    </p:extLst>
   </p:cSld>
   <p:clrMapOvr>
     <a:masterClrMapping/>
@@ -5696,7 +6620,13 @@
       </p:grpSpPr>
       <p:sp>
         <p:nvSpPr>
-          <p:cNvPr id="2" name="Title 1"/>
+          <p:cNvPr id="5" name="Title 4">
+            <a:extLst>
+              <a:ext uri="{FF2B5EF4-FFF2-40B4-BE49-F238E27FC236}">
+                <a16:creationId xmlns:a16="http://schemas.microsoft.com/office/drawing/2014/main" id="{8FBA75B4-2DD5-42EB-9397-F36BFB8BA723}"/>
+              </a:ext>
+            </a:extLst>
+          </p:cNvPr>
           <p:cNvSpPr>
             <a:spLocks noGrp="1"/>
           </p:cNvSpPr>
@@ -5704,105 +6634,63 @@
             <p:ph type="title"/>
           </p:nvPr>
         </p:nvSpPr>
-        <p:spPr>
-          <a:xfrm>
-            <a:off x="581191" y="493812"/>
-            <a:ext cx="11029616" cy="816514"/>
-          </a:xfrm>
-        </p:spPr>
-        <p:txBody>
-          <a:bodyPr anchor="ctr">
+        <p:spPr/>
+        <p:txBody>
+          <a:bodyPr>
             <a:normAutofit fontScale="90000"/>
           </a:bodyPr>
           <a:lstStyle/>
           <a:p>
-            <a:pPr algn="ctr"/>
-            <a:br>
-              <a:rPr lang="en-US" sz="2800" dirty="0"/>
-            </a:br>
-            <a:r>
-              <a:rPr lang="en-US" sz="2800" dirty="0"/>
-              <a:t> </a:t>
-            </a:r>
-            <a:r>
-              <a:rPr lang="en-US" sz="4000" b="1" dirty="0">
+            <a:r>
+              <a:rPr lang="en-US" sz="4400" b="1" dirty="0">
                 <a:solidFill>
                   <a:schemeClr val="accent1"/>
                 </a:solidFill>
+                <a:latin typeface="Arial"/>
+                <a:ea typeface="+mj-lt"/>
+                <a:cs typeface="Arial"/>
               </a:rPr>
-              <a:t>SOLUTION AND ITS VALUE PROPOSITION</a:t>
-            </a:r>
-            <a:endParaRPr lang="en-US" sz="4000" b="1" dirty="0">
-              <a:solidFill>
-                <a:schemeClr val="accent1"/>
-              </a:solidFill>
-            </a:endParaRPr>
-          </a:p>
-        </p:txBody>
-      </p:sp>
-      <p:sp>
-        <p:nvSpPr>
-          <p:cNvPr id="3" name="Content Placeholder 2"/>
-          <p:cNvSpPr>
-            <a:spLocks noGrp="1"/>
-          </p:cNvSpPr>
+              <a:t>Result</a:t>
+            </a:r>
+            <a:endParaRPr lang="en-US" dirty="0"/>
+          </a:p>
+        </p:txBody>
+      </p:sp>
+      <p:pic>
+        <p:nvPicPr>
+          <p:cNvPr id="20" name="Content Placeholder 19">
+            <a:extLst>
+              <a:ext uri="{FF2B5EF4-FFF2-40B4-BE49-F238E27FC236}">
+                <a16:creationId xmlns:a16="http://schemas.microsoft.com/office/drawing/2014/main" id="{E92250BB-56A9-0F09-454F-F3E11C142D21}"/>
+              </a:ext>
+            </a:extLst>
+          </p:cNvPr>
+          <p:cNvPicPr>
+            <a:picLocks noGrp="1" noChangeAspect="1"/>
+          </p:cNvPicPr>
           <p:nvPr>
             <p:ph idx="1"/>
           </p:nvPr>
-        </p:nvSpPr>
+        </p:nvPicPr>
+        <p:blipFill>
+          <a:blip r:embed="rId2"/>
+          <a:stretch>
+            <a:fillRect/>
+          </a:stretch>
+        </p:blipFill>
         <p:spPr>
           <a:xfrm>
-            <a:off x="581191" y="1310326"/>
-            <a:ext cx="11029615" cy="5326144"/>
+            <a:off x="1008149" y="1312261"/>
+            <a:ext cx="10175701" cy="4673600"/>
           </a:xfrm>
         </p:spPr>
-        <p:txBody>
-          <a:bodyPr>
-            <a:noAutofit/>
-          </a:bodyPr>
-          <a:lstStyle/>
-          <a:p>
-            <a:pPr marL="0" indent="0" algn="just">
-              <a:buNone/>
-            </a:pPr>
-            <a:r>
-              <a:rPr lang="en-US" sz="3200" b="1" i="0" dirty="0">
-                <a:solidFill>
-                  <a:schemeClr val="tx1"/>
-                </a:solidFill>
-                <a:effectLst/>
-              </a:rPr>
-              <a:t>Our solution combines data analysis, predictive modeling, and targeted interventions to address employee burnout and promote a healthier work environment. By identifying burnout causes and risk factors, we can implement proactive strategies that enhance employee well-being and engagement. </a:t>
-            </a:r>
-            <a:endParaRPr lang="en-US" sz="3200" b="1" i="0" dirty="0">
-              <a:solidFill>
-                <a:schemeClr val="tx1"/>
-              </a:solidFill>
-              <a:effectLst/>
-            </a:endParaRPr>
-          </a:p>
-          <a:p>
-            <a:pPr marL="0" indent="0" algn="just">
-              <a:buNone/>
-            </a:pPr>
-            <a:r>
-              <a:rPr lang="en-US" sz="3200" b="1" i="0" dirty="0">
-                <a:solidFill>
-                  <a:schemeClr val="tx1"/>
-                </a:solidFill>
-                <a:effectLst/>
-              </a:rPr>
-              <a:t>The value proposition of our solution lies in reducing burnout-related costs, improving employee satisfaction and retention, and driving overall organizational success.</a:t>
-            </a:r>
-            <a:endParaRPr lang="en-US" sz="3200" b="1" dirty="0">
-              <a:solidFill>
-                <a:schemeClr val="tx1"/>
-              </a:solidFill>
-            </a:endParaRPr>
-          </a:p>
-        </p:txBody>
-      </p:sp>
+      </p:pic>
     </p:spTree>
+    <p:extLst>
+      <p:ext uri="{BB962C8B-B14F-4D97-AF65-F5344CB8AC3E}">
+        <p14:creationId xmlns:p14="http://schemas.microsoft.com/office/powerpoint/2010/main" val="1483293388"/>
+      </p:ext>
+    </p:extLst>
   </p:cSld>
   <p:clrMapOvr>
     <a:masterClrMapping/>
@@ -5827,110 +6715,41 @@
           <a:chExt cx="0" cy="0"/>
         </a:xfrm>
       </p:grpSpPr>
-      <p:sp>
-        <p:nvSpPr>
-          <p:cNvPr id="2" name="Title 1"/>
-          <p:cNvSpPr>
-            <a:spLocks noGrp="1"/>
-          </p:cNvSpPr>
-          <p:nvPr>
-            <p:ph type="title"/>
-          </p:nvPr>
-        </p:nvSpPr>
+      <p:pic>
+        <p:nvPicPr>
+          <p:cNvPr id="16" name="Content Placeholder 15">
+            <a:extLst>
+              <a:ext uri="{FF2B5EF4-FFF2-40B4-BE49-F238E27FC236}">
+                <a16:creationId xmlns:a16="http://schemas.microsoft.com/office/drawing/2014/main" id="{982901BA-26CF-D1A1-2D27-4719EF378A2E}"/>
+              </a:ext>
+            </a:extLst>
+          </p:cNvPr>
+          <p:cNvPicPr>
+            <a:picLocks noGrp="1" noChangeAspect="1"/>
+          </p:cNvPicPr>
+          <p:nvPr>
+            <p:ph idx="1"/>
+          </p:nvPr>
+        </p:nvPicPr>
+        <p:blipFill>
+          <a:blip r:embed="rId2"/>
+          <a:stretch>
+            <a:fillRect/>
+          </a:stretch>
+        </p:blipFill>
         <p:spPr>
           <a:xfrm>
-            <a:off x="581191" y="493812"/>
-            <a:ext cx="11029616" cy="901355"/>
+            <a:off x="954509" y="1229996"/>
+            <a:ext cx="10135836" cy="4673600"/>
           </a:xfrm>
         </p:spPr>
-        <p:txBody>
-          <a:bodyPr anchor="ctr">
-            <a:normAutofit/>
-          </a:bodyPr>
-          <a:lstStyle/>
-          <a:p>
-            <a:pPr algn="ctr"/>
-            <a:r>
-              <a:rPr lang="en-US" sz="3600" b="1" i="0" dirty="0">
-                <a:solidFill>
-                  <a:srgbClr val="00B0F0"/>
-                </a:solidFill>
-                <a:effectLst/>
-              </a:rPr>
-              <a:t>Customization for an Organization</a:t>
-            </a:r>
-            <a:endParaRPr lang="en-US" sz="3600" b="1" i="0" dirty="0">
-              <a:solidFill>
-                <a:srgbClr val="00B0F0"/>
-              </a:solidFill>
-              <a:effectLst/>
-            </a:endParaRPr>
-          </a:p>
-        </p:txBody>
-      </p:sp>
-      <p:sp>
-        <p:nvSpPr>
-          <p:cNvPr id="3" name="Content Placeholder 2"/>
-          <p:cNvSpPr>
-            <a:spLocks noGrp="1"/>
-          </p:cNvSpPr>
-          <p:nvPr>
-            <p:ph idx="1"/>
-          </p:nvPr>
-        </p:nvSpPr>
-        <p:spPr>
-          <a:xfrm>
-            <a:off x="581191" y="1319753"/>
-            <a:ext cx="11029615" cy="5250729"/>
-          </a:xfrm>
-        </p:spPr>
-        <p:txBody>
-          <a:bodyPr>
-            <a:normAutofit/>
-          </a:bodyPr>
-          <a:lstStyle/>
-          <a:p>
-            <a:pPr marL="0" indent="0" algn="just">
-              <a:buNone/>
-            </a:pPr>
-            <a:r>
-              <a:rPr lang="en-US" sz="2800" b="1" i="0" dirty="0">
-                <a:solidFill>
-                  <a:schemeClr val="tx1"/>
-                </a:solidFill>
-                <a:effectLst/>
-              </a:rPr>
-              <a:t>The project was tailored to align with the unique needs and context of the organization. The data collection methods and analysis were customized to suit the specific employee population, ensuring the relevance and impact of the insights and interventions. </a:t>
-            </a:r>
-            <a:endParaRPr lang="en-US" sz="2800" b="1" i="0" dirty="0">
-              <a:solidFill>
-                <a:schemeClr val="tx1"/>
-              </a:solidFill>
-              <a:effectLst/>
-            </a:endParaRPr>
-          </a:p>
-          <a:p>
-            <a:pPr marL="0" indent="0" algn="just">
-              <a:buNone/>
-            </a:pPr>
-            <a:r>
-              <a:rPr lang="en-US" sz="2800" b="1" i="0" dirty="0">
-                <a:solidFill>
-                  <a:schemeClr val="tx1"/>
-                </a:solidFill>
-                <a:effectLst/>
-              </a:rPr>
-              <a:t>The organization's values, culture, and goals were incorporated into the project, making it a bespoke solution that addresses the organization's specific challenges and promotes desired outcomes. Through this customization, a project was created that is uniquely designed for the organization's success in addressing employee burnout and fostering a positive work environment.</a:t>
-            </a:r>
-            <a:endParaRPr lang="en-US" sz="2800" b="1" dirty="0">
-              <a:solidFill>
-                <a:schemeClr val="tx1"/>
-              </a:solidFill>
-            </a:endParaRPr>
-          </a:p>
-        </p:txBody>
-      </p:sp>
+      </p:pic>
     </p:spTree>
+    <p:extLst>
+      <p:ext uri="{BB962C8B-B14F-4D97-AF65-F5344CB8AC3E}">
+        <p14:creationId xmlns:p14="http://schemas.microsoft.com/office/powerpoint/2010/main" val="67679112"/>
+      </p:ext>
+    </p:extLst>
   </p:cSld>
   <p:clrMapOvr>
     <a:masterClrMapping/>
@@ -5955,253 +6774,113 @@
           <a:chExt cx="0" cy="0"/>
         </a:xfrm>
       </p:grpSpPr>
-      <p:sp>
-        <p:nvSpPr>
-          <p:cNvPr id="2" name="Title 1"/>
-          <p:cNvSpPr>
-            <a:spLocks noGrp="1"/>
-          </p:cNvSpPr>
-          <p:nvPr>
-            <p:ph type="title"/>
-          </p:nvPr>
-        </p:nvSpPr>
-        <p:spPr>
-          <a:xfrm>
-            <a:off x="581191" y="493812"/>
-            <a:ext cx="11029616" cy="1188720"/>
-          </a:xfrm>
-        </p:spPr>
-        <p:txBody>
-          <a:bodyPr anchor="ctr">
-            <a:normAutofit/>
-          </a:bodyPr>
-          <a:lstStyle/>
-          <a:p>
-            <a:pPr algn="ctr"/>
-            <a:r>
-              <a:rPr lang="en-GB" sz="3600" dirty="0">
-                <a:solidFill>
-                  <a:schemeClr val="accent1"/>
-                </a:solidFill>
-              </a:rPr>
-              <a:t>MODELLING : Linear regression</a:t>
-            </a:r>
-            <a:endParaRPr lang="en-US" sz="3600" dirty="0">
-              <a:solidFill>
-                <a:schemeClr val="accent1"/>
-              </a:solidFill>
-            </a:endParaRPr>
-          </a:p>
-        </p:txBody>
-      </p:sp>
       <p:pic>
         <p:nvPicPr>
-          <p:cNvPr id="2050" name="Picture 2"/>
+          <p:cNvPr id="5" name="Content Placeholder 4">
+            <a:extLst>
+              <a:ext uri="{FF2B5EF4-FFF2-40B4-BE49-F238E27FC236}">
+                <a16:creationId xmlns:a16="http://schemas.microsoft.com/office/drawing/2014/main" id="{68B3DF61-7A41-D6F3-94DC-34CE931DDD85}"/>
+              </a:ext>
+            </a:extLst>
+          </p:cNvPr>
           <p:cNvPicPr>
-            <a:picLocks noGrp="1" noChangeAspect="1" noChangeArrowheads="1"/>
+            <a:picLocks noGrp="1" noChangeAspect="1"/>
           </p:cNvPicPr>
           <p:nvPr>
             <p:ph idx="1"/>
           </p:nvPr>
         </p:nvPicPr>
         <p:blipFill>
-          <a:blip r:embed="rId1">
-            <a:extLst>
-              <a:ext uri="{28A0092B-C50C-407E-A947-70E740481C1C}">
-                <a14:useLocalDpi xmlns:a14="http://schemas.microsoft.com/office/drawing/2010/main" val="0"/>
-              </a:ext>
-            </a:extLst>
-          </a:blip>
-          <a:srcRect/>
+          <a:blip r:embed="rId2"/>
           <a:stretch>
             <a:fillRect/>
           </a:stretch>
         </p:blipFill>
-        <p:spPr bwMode="auto">
+        <p:spPr>
           <a:xfrm>
-            <a:off x="254679" y="1682532"/>
-            <a:ext cx="2279702" cy="4657724"/>
+            <a:off x="1026738" y="818274"/>
+            <a:ext cx="10093208" cy="4652710"/>
           </a:xfrm>
-          <a:prstGeom prst="rect">
-            <a:avLst/>
-          </a:prstGeom>
-          <a:noFill/>
-          <a:extLst>
-            <a:ext uri="{909E8E84-426E-40DD-AFC4-6F175D3DCCD1}">
-              <a14:hiddenFill xmlns:a14="http://schemas.microsoft.com/office/drawing/2010/main">
-                <a:solidFill>
-                  <a:srgbClr val="FFFFFF"/>
-                </a:solidFill>
-              </a14:hiddenFill>
-            </a:ext>
-          </a:extLst>
         </p:spPr>
       </p:pic>
-      <p:pic>
-        <p:nvPicPr>
-          <p:cNvPr id="2052" name="Picture 4"/>
-          <p:cNvPicPr>
-            <a:picLocks noChangeAspect="1" noChangeArrowheads="1"/>
-          </p:cNvPicPr>
-          <p:nvPr/>
-        </p:nvPicPr>
-        <p:blipFill>
-          <a:blip r:embed="rId2">
+      <p:sp>
+        <p:nvSpPr>
+          <p:cNvPr id="7" name="Title 4">
             <a:extLst>
-              <a:ext uri="{28A0092B-C50C-407E-A947-70E740481C1C}">
-                <a14:useLocalDpi xmlns:a14="http://schemas.microsoft.com/office/drawing/2010/main" val="0"/>
+              <a:ext uri="{FF2B5EF4-FFF2-40B4-BE49-F238E27FC236}">
+                <a16:creationId xmlns:a16="http://schemas.microsoft.com/office/drawing/2014/main" id="{24BEAAF8-C23B-36CB-A8CD-36B2B7817870}"/>
               </a:ext>
             </a:extLst>
-          </a:blip>
-          <a:srcRect/>
-          <a:stretch>
-            <a:fillRect/>
-          </a:stretch>
-        </p:blipFill>
-        <p:spPr bwMode="auto">
+          </p:cNvPr>
+          <p:cNvSpPr>
+            <a:spLocks noGrp="1"/>
+          </p:cNvSpPr>
+          <p:nvPr>
+            <p:ph type="title"/>
+          </p:nvPr>
+        </p:nvSpPr>
+        <p:spPr>
           <a:xfrm>
-            <a:off x="2370348" y="1534458"/>
-            <a:ext cx="2452373" cy="4657725"/>
+            <a:off x="780889" y="5642018"/>
+            <a:ext cx="11029616" cy="530296"/>
           </a:xfrm>
-          <a:prstGeom prst="rect">
-            <a:avLst/>
-          </a:prstGeom>
-          <a:noFill/>
-          <a:extLst>
-            <a:ext uri="{909E8E84-426E-40DD-AFC4-6F175D3DCCD1}">
-              <a14:hiddenFill xmlns:a14="http://schemas.microsoft.com/office/drawing/2010/main">
-                <a:solidFill>
-                  <a:srgbClr val="FFFFFF"/>
-                </a:solidFill>
-              </a14:hiddenFill>
-            </a:ext>
-          </a:extLst>
         </p:spPr>
-      </p:pic>
-      <p:pic>
-        <p:nvPicPr>
-          <p:cNvPr id="2054" name="Picture 6"/>
-          <p:cNvPicPr>
-            <a:picLocks noChangeAspect="1" noChangeArrowheads="1"/>
-          </p:cNvPicPr>
-          <p:nvPr/>
-        </p:nvPicPr>
-        <p:blipFill>
-          <a:blip r:embed="rId3">
-            <a:extLst>
-              <a:ext uri="{28A0092B-C50C-407E-A947-70E740481C1C}">
-                <a14:useLocalDpi xmlns:a14="http://schemas.microsoft.com/office/drawing/2010/main" val="0"/>
-              </a:ext>
-            </a:extLst>
-          </a:blip>
-          <a:srcRect/>
-          <a:stretch>
-            <a:fillRect/>
-          </a:stretch>
-        </p:blipFill>
-        <p:spPr bwMode="auto">
-          <a:xfrm>
-            <a:off x="4822721" y="1386384"/>
-            <a:ext cx="2452373" cy="4657725"/>
-          </a:xfrm>
-          <a:prstGeom prst="rect">
-            <a:avLst/>
-          </a:prstGeom>
-          <a:noFill/>
-          <a:extLst>
-            <a:ext uri="{909E8E84-426E-40DD-AFC4-6F175D3DCCD1}">
-              <a14:hiddenFill xmlns:a14="http://schemas.microsoft.com/office/drawing/2010/main">
-                <a:solidFill>
-                  <a:srgbClr val="FFFFFF"/>
-                </a:solidFill>
-              </a14:hiddenFill>
-            </a:ext>
-          </a:extLst>
-        </p:spPr>
-      </p:pic>
-      <p:pic>
-        <p:nvPicPr>
-          <p:cNvPr id="2056" name="Picture 8"/>
-          <p:cNvPicPr>
-            <a:picLocks noChangeAspect="1" noChangeArrowheads="1"/>
-          </p:cNvPicPr>
-          <p:nvPr/>
-        </p:nvPicPr>
-        <p:blipFill>
-          <a:blip r:embed="rId4">
-            <a:extLst>
-              <a:ext uri="{28A0092B-C50C-407E-A947-70E740481C1C}">
-                <a14:useLocalDpi xmlns:a14="http://schemas.microsoft.com/office/drawing/2010/main" val="0"/>
-              </a:ext>
-            </a:extLst>
-          </a:blip>
-          <a:srcRect/>
-          <a:stretch>
-            <a:fillRect/>
-          </a:stretch>
-        </p:blipFill>
-        <p:spPr bwMode="auto">
-          <a:xfrm>
-            <a:off x="7111061" y="1386384"/>
-            <a:ext cx="2452373" cy="4657725"/>
-          </a:xfrm>
-          <a:prstGeom prst="rect">
-            <a:avLst/>
-          </a:prstGeom>
-          <a:noFill/>
-          <a:extLst>
-            <a:ext uri="{909E8E84-426E-40DD-AFC4-6F175D3DCCD1}">
-              <a14:hiddenFill xmlns:a14="http://schemas.microsoft.com/office/drawing/2010/main">
-                <a:solidFill>
-                  <a:srgbClr val="FFFFFF"/>
-                </a:solidFill>
-              </a14:hiddenFill>
-            </a:ext>
-          </a:extLst>
-        </p:spPr>
-      </p:pic>
-      <p:pic>
-        <p:nvPicPr>
-          <p:cNvPr id="2058" name="Picture 10"/>
-          <p:cNvPicPr>
-            <a:picLocks noChangeAspect="1" noChangeArrowheads="1"/>
-          </p:cNvPicPr>
-          <p:nvPr/>
-        </p:nvPicPr>
-        <p:blipFill>
-          <a:blip r:embed="rId5">
-            <a:extLst>
-              <a:ext uri="{28A0092B-C50C-407E-A947-70E740481C1C}">
-                <a14:useLocalDpi xmlns:a14="http://schemas.microsoft.com/office/drawing/2010/main" val="0"/>
-              </a:ext>
-            </a:extLst>
-          </a:blip>
-          <a:srcRect/>
-          <a:stretch>
-            <a:fillRect/>
-          </a:stretch>
-        </p:blipFill>
-        <p:spPr bwMode="auto">
-          <a:xfrm>
-            <a:off x="9563434" y="1503960"/>
-            <a:ext cx="2452373" cy="4545151"/>
-          </a:xfrm>
-          <a:prstGeom prst="rect">
-            <a:avLst/>
-          </a:prstGeom>
-          <a:noFill/>
-          <a:extLst>
-            <a:ext uri="{909E8E84-426E-40DD-AFC4-6F175D3DCCD1}">
-              <a14:hiddenFill xmlns:a14="http://schemas.microsoft.com/office/drawing/2010/main">
-                <a:solidFill>
-                  <a:srgbClr val="FFFFFF"/>
-                </a:solidFill>
-              </a14:hiddenFill>
-            </a:ext>
-          </a:extLst>
-        </p:spPr>
-      </p:pic>
+        <p:txBody>
+          <a:bodyPr>
+            <a:normAutofit/>
+          </a:bodyPr>
+          <a:lstStyle/>
+          <a:p>
+            <a:pPr algn="ctr"/>
+            <a:r>
+              <a:rPr lang="en-US" sz="2400" dirty="0" err="1">
+                <a:solidFill>
+                  <a:srgbClr val="0070C0"/>
+                </a:solidFill>
+              </a:rPr>
+              <a:t>Github</a:t>
+            </a:r>
+            <a:r>
+              <a:rPr lang="en-US" sz="2400" dirty="0">
+                <a:solidFill>
+                  <a:srgbClr val="0070C0"/>
+                </a:solidFill>
+              </a:rPr>
+              <a:t> Link: </a:t>
+            </a:r>
+            <a:r>
+              <a:rPr lang="en-US" sz="2000" i="1" cap="none" dirty="0">
+                <a:solidFill>
+                  <a:schemeClr val="tx1"/>
+                </a:solidFill>
+                <a:latin typeface="Arial" panose="020B0604020202020204" pitchFamily="34" charset="0"/>
+                <a:cs typeface="Arial" panose="020B0604020202020204" pitchFamily="34" charset="0"/>
+                <a:hlinkClick r:id="rId3">
+                  <a:extLst>
+                    <a:ext uri="{A12FA001-AC4F-418D-AE19-62706E023703}">
+                      <ahyp:hlinkClr xmlns:ahyp="http://schemas.microsoft.com/office/drawing/2018/hyperlinkcolor" val="tx"/>
+                    </a:ext>
+                  </a:extLst>
+                </a:hlinkClick>
+              </a:rPr>
+              <a:t>https://github.com/sahil1021/employee_burnout_prediction</a:t>
+            </a:r>
+            <a:endParaRPr lang="en-US" sz="2400" i="1" dirty="0">
+              <a:solidFill>
+                <a:schemeClr val="tx1"/>
+              </a:solidFill>
+              <a:latin typeface="Arial" panose="020B0604020202020204" pitchFamily="34" charset="0"/>
+              <a:cs typeface="Arial" panose="020B0604020202020204" pitchFamily="34" charset="0"/>
+            </a:endParaRPr>
+          </a:p>
+        </p:txBody>
+      </p:sp>
     </p:spTree>
+    <p:extLst>
+      <p:ext uri="{BB962C8B-B14F-4D97-AF65-F5344CB8AC3E}">
+        <p14:creationId xmlns:p14="http://schemas.microsoft.com/office/powerpoint/2010/main" val="1259851665"/>
+      </p:ext>
+    </p:extLst>
   </p:cSld>
   <p:clrMapOvr>
     <a:masterClrMapping/>
@@ -6468,9 +7147,11 @@
       </a:bgFillStyleLst>
     </a:fmtScheme>
   </a:themeElements>
+  <a:objectDefaults/>
+  <a:extraClrSchemeLst/>
   <a:extLst>
     <a:ext uri="{05A4C25C-085E-4340-85A3-A5531E510DB2}">
-      <thm15:themeFamily xmlns:thm15="http://schemas.microsoft.com/office/thememl/2012/main" name="Office Theme" id="{62F939B6-93AF-4DB8-9C6B-D6C7DFDC589F}" vid="{4A3C46E8-61CC-4603-A589-7422A47A8E4A}"/>
+      <thm15:themeFamily xmlns:thm15="http://schemas.microsoft.com/office/thememl/2012/main" name="DividendVTI" id="{97558BDE-0B66-457C-BB6F-7B1B22DAA9B8}" vid="{F53508A3-AC60-448A-AF37-934D5F1A0D5E}"/>
     </a:ext>
   </a:extLst>
 </a:theme>
@@ -6552,6 +7233,23 @@
         <a:font script="Viet" typeface="Times New Roman"/>
         <a:font script="Uigh" typeface="Microsoft Uighur"/>
         <a:font script="Geor" typeface="Sylfaen"/>
+        <a:font script="Armn" typeface="Arial"/>
+        <a:font script="Bugi" typeface="Leelawadee UI"/>
+        <a:font script="Bopo" typeface="Microsoft JhengHei"/>
+        <a:font script="Java" typeface="Javanese Text"/>
+        <a:font script="Lisu" typeface="Segoe UI"/>
+        <a:font script="Mymr" typeface="Myanmar Text"/>
+        <a:font script="Nkoo" typeface="Ebrima"/>
+        <a:font script="Olck" typeface="Nirmala UI"/>
+        <a:font script="Osma" typeface="Ebrima"/>
+        <a:font script="Phag" typeface="Phagspa"/>
+        <a:font script="Syrn" typeface="Estrangelo Edessa"/>
+        <a:font script="Syrj" typeface="Estrangelo Edessa"/>
+        <a:font script="Syre" typeface="Estrangelo Edessa"/>
+        <a:font script="Sora" typeface="Nirmala UI"/>
+        <a:font script="Tale" typeface="Microsoft Tai Le"/>
+        <a:font script="Talu" typeface="Microsoft New Tai Lue"/>
+        <a:font script="Tfng" typeface="Ebrima"/>
       </a:majorFont>
       <a:minorFont>
         <a:latin typeface="Calibri"/>
@@ -6587,6 +7285,23 @@
         <a:font script="Viet" typeface="Arial"/>
         <a:font script="Uigh" typeface="Microsoft Uighur"/>
         <a:font script="Geor" typeface="Sylfaen"/>
+        <a:font script="Armn" typeface="Arial"/>
+        <a:font script="Bugi" typeface="Leelawadee UI"/>
+        <a:font script="Bopo" typeface="Microsoft JhengHei"/>
+        <a:font script="Java" typeface="Javanese Text"/>
+        <a:font script="Lisu" typeface="Segoe UI"/>
+        <a:font script="Mymr" typeface="Myanmar Text"/>
+        <a:font script="Nkoo" typeface="Ebrima"/>
+        <a:font script="Olck" typeface="Nirmala UI"/>
+        <a:font script="Osma" typeface="Ebrima"/>
+        <a:font script="Phag" typeface="Phagspa"/>
+        <a:font script="Syrn" typeface="Estrangelo Edessa"/>
+        <a:font script="Syrj" typeface="Estrangelo Edessa"/>
+        <a:font script="Syre" typeface="Estrangelo Edessa"/>
+        <a:font script="Sora" typeface="Nirmala UI"/>
+        <a:font script="Tale" typeface="Microsoft Tai Le"/>
+        <a:font script="Talu" typeface="Microsoft New Tai Lue"/>
+        <a:font script="Tfng" typeface="Ebrima"/>
       </a:minorFont>
     </a:fontScheme>
     <a:fmtScheme name="Office">
@@ -6727,10 +7442,321 @@
       </a:bgFillStyleLst>
     </a:fmtScheme>
   </a:themeElements>
+  <a:objectDefaults/>
+  <a:extraClrSchemeLst/>
   <a:extLst>
     <a:ext uri="{05A4C25C-085E-4340-85A3-A5531E510DB2}">
       <thm15:themeFamily xmlns:thm15="http://schemas.microsoft.com/office/thememl/2012/main" name="Office Theme" id="{62F939B6-93AF-4DB8-9C6B-D6C7DFDC589F}" vid="{4A3C46E8-61CC-4603-A589-7422A47A8E4A}"/>
     </a:ext>
   </a:extLst>
 </a:theme>
+</file>
+
+<file path=customXml/item1.xml><?xml version="1.0" encoding="utf-8"?>
+<p:properties xmlns:p="http://schemas.microsoft.com/office/2006/metadata/properties" xmlns:xsi="http://www.w3.org/2001/XMLSchema-instance" xmlns:pc="http://schemas.microsoft.com/office/infopath/2007/PartnerControls">
+  <documentManagement>
+    <MediaServiceKeyPoints xmlns="9162bd5b-4ed9-4da3-b376-05204580ba3f" xsi:nil="true"/>
+    <_activity xmlns="9162bd5b-4ed9-4da3-b376-05204580ba3f" xsi:nil="true"/>
+  </documentManagement>
+</p:properties>
+</file>
+
+<file path=customXml/item2.xml><?xml version="1.0" encoding="utf-8"?>
+<ct:contentTypeSchema xmlns:ct="http://schemas.microsoft.com/office/2006/metadata/contentType" xmlns:ma="http://schemas.microsoft.com/office/2006/metadata/properties/metaAttributes" ct:_="" ma:_="" ma:contentTypeName="Document" ma:contentTypeID="0x0101000F1872188ABCFC48BECA6C87E8AC3285" ma:contentTypeVersion="17" ma:contentTypeDescription="Create a new document." ma:contentTypeScope="" ma:versionID="55a158675e089c6a85ab0f83b89e1a15">
+  <xsd:schema xmlns:xsd="http://www.w3.org/2001/XMLSchema" xmlns:xs="http://www.w3.org/2001/XMLSchema" xmlns:p="http://schemas.microsoft.com/office/2006/metadata/properties" xmlns:ns3="9162bd5b-4ed9-4da3-b376-05204580ba3f" xmlns:ns4="c0fa2617-96bd-425d-8578-e93563fe37c5" targetNamespace="http://schemas.microsoft.com/office/2006/metadata/properties" ma:root="true" ma:fieldsID="b35f082308864fa161c4a0a9eca35eff" ns3:_="" ns4:_="">
+    <xsd:import namespace="9162bd5b-4ed9-4da3-b376-05204580ba3f"/>
+    <xsd:import namespace="c0fa2617-96bd-425d-8578-e93563fe37c5"/>
+    <xsd:element name="properties">
+      <xsd:complexType>
+        <xsd:sequence>
+          <xsd:element name="documentManagement">
+            <xsd:complexType>
+              <xsd:all>
+                <xsd:element ref="ns3:MediaServiceMetadata" minOccurs="0"/>
+                <xsd:element ref="ns3:MediaServiceFastMetadata" minOccurs="0"/>
+                <xsd:element ref="ns4:SharedWithUsers" minOccurs="0"/>
+                <xsd:element ref="ns4:SharedWithDetails" minOccurs="0"/>
+                <xsd:element ref="ns4:SharingHintHash" minOccurs="0"/>
+                <xsd:element ref="ns3:MediaServiceAutoTags" minOccurs="0"/>
+                <xsd:element ref="ns3:MediaServiceOCR" minOccurs="0"/>
+                <xsd:element ref="ns3:MediaServiceGenerationTime" minOccurs="0"/>
+                <xsd:element ref="ns3:MediaServiceEventHashCode" minOccurs="0"/>
+                <xsd:element ref="ns3:MediaServiceAutoKeyPoints" minOccurs="0"/>
+                <xsd:element ref="ns3:MediaServiceKeyPoints" minOccurs="0"/>
+                <xsd:element ref="ns3:MediaServiceDateTaken" minOccurs="0"/>
+                <xsd:element ref="ns3:MediaLengthInSeconds" minOccurs="0"/>
+                <xsd:element ref="ns3:MediaServiceLocation" minOccurs="0"/>
+                <xsd:element ref="ns3:_activity" minOccurs="0"/>
+                <xsd:element ref="ns3:MediaServiceObjectDetectorVersions" minOccurs="0"/>
+                <xsd:element ref="ns3:MediaServiceSystemTags" minOccurs="0"/>
+              </xsd:all>
+            </xsd:complexType>
+          </xsd:element>
+        </xsd:sequence>
+      </xsd:complexType>
+    </xsd:element>
+  </xsd:schema>
+  <xsd:schema xmlns:xsd="http://www.w3.org/2001/XMLSchema" xmlns:xs="http://www.w3.org/2001/XMLSchema" xmlns:dms="http://schemas.microsoft.com/office/2006/documentManagement/types" xmlns:pc="http://schemas.microsoft.com/office/infopath/2007/PartnerControls" targetNamespace="9162bd5b-4ed9-4da3-b376-05204580ba3f" elementFormDefault="qualified">
+    <xsd:import namespace="http://schemas.microsoft.com/office/2006/documentManagement/types"/>
+    <xsd:import namespace="http://schemas.microsoft.com/office/infopath/2007/PartnerControls"/>
+    <xsd:element name="MediaServiceMetadata" ma:index="8" nillable="true" ma:displayName="MediaServiceMetadata" ma:hidden="true" ma:internalName="MediaServiceMetadata" ma:readOnly="true">
+      <xsd:simpleType>
+        <xsd:restriction base="dms:Note"/>
+      </xsd:simpleType>
+    </xsd:element>
+    <xsd:element name="MediaServiceFastMetadata" ma:index="9" nillable="true" ma:displayName="MediaServiceFastMetadata" ma:hidden="true" ma:internalName="MediaServiceFastMetadata" ma:readOnly="true">
+      <xsd:simpleType>
+        <xsd:restriction base="dms:Note"/>
+      </xsd:simpleType>
+    </xsd:element>
+    <xsd:element name="MediaServiceAutoTags" ma:index="13" nillable="true" ma:displayName="Tags" ma:internalName="MediaServiceAutoTags" ma:readOnly="true">
+      <xsd:simpleType>
+        <xsd:restriction base="dms:Text"/>
+      </xsd:simpleType>
+    </xsd:element>
+    <xsd:element name="MediaServiceOCR" ma:index="14" nillable="true" ma:displayName="Extracted Text" ma:internalName="MediaServiceOCR" ma:readOnly="true">
+      <xsd:simpleType>
+        <xsd:restriction base="dms:Note">
+          <xsd:maxLength value="255"/>
+        </xsd:restriction>
+      </xsd:simpleType>
+    </xsd:element>
+    <xsd:element name="MediaServiceGenerationTime" ma:index="15" nillable="true" ma:displayName="MediaServiceGenerationTime" ma:hidden="true" ma:internalName="MediaServiceGenerationTime" ma:readOnly="true">
+      <xsd:simpleType>
+        <xsd:restriction base="dms:Text"/>
+      </xsd:simpleType>
+    </xsd:element>
+    <xsd:element name="MediaServiceEventHashCode" ma:index="16" nillable="true" ma:displayName="MediaServiceEventHashCode" ma:hidden="true" ma:internalName="MediaServiceEventHashCode" ma:readOnly="true">
+      <xsd:simpleType>
+        <xsd:restriction base="dms:Text"/>
+      </xsd:simpleType>
+    </xsd:element>
+    <xsd:element name="MediaServiceAutoKeyPoints" ma:index="17" nillable="true" ma:displayName="MediaServiceAutoKeyPoints" ma:hidden="true" ma:internalName="MediaServiceAutoKeyPoints" ma:readOnly="true">
+      <xsd:simpleType>
+        <xsd:restriction base="dms:Note"/>
+      </xsd:simpleType>
+    </xsd:element>
+    <xsd:element name="MediaServiceKeyPoints" ma:index="18" nillable="true" ma:displayName="KeyPoints" ma:internalName="MediaServiceKeyPoints" ma:readOnly="true">
+      <xsd:simpleType>
+        <xsd:restriction base="dms:Note">
+          <xsd:maxLength value="255"/>
+        </xsd:restriction>
+      </xsd:simpleType>
+    </xsd:element>
+    <xsd:element name="MediaServiceDateTaken" ma:index="19" nillable="true" ma:displayName="MediaServiceDateTaken" ma:hidden="true" ma:internalName="MediaServiceDateTaken" ma:readOnly="true">
+      <xsd:simpleType>
+        <xsd:restriction base="dms:Text"/>
+      </xsd:simpleType>
+    </xsd:element>
+    <xsd:element name="MediaLengthInSeconds" ma:index="20" nillable="true" ma:displayName="Length (seconds)" ma:internalName="MediaLengthInSeconds" ma:readOnly="true">
+      <xsd:simpleType>
+        <xsd:restriction base="dms:Unknown"/>
+      </xsd:simpleType>
+    </xsd:element>
+    <xsd:element name="MediaServiceLocation" ma:index="21" nillable="true" ma:displayName="Location" ma:internalName="MediaServiceLocation" ma:readOnly="true">
+      <xsd:simpleType>
+        <xsd:restriction base="dms:Text"/>
+      </xsd:simpleType>
+    </xsd:element>
+    <xsd:element name="_activity" ma:index="22" nillable="true" ma:displayName="_activity" ma:hidden="true" ma:internalName="_activity">
+      <xsd:simpleType>
+        <xsd:restriction base="dms:Note"/>
+      </xsd:simpleType>
+    </xsd:element>
+    <xsd:element name="MediaServiceObjectDetectorVersions" ma:index="23" nillable="true" ma:displayName="MediaServiceObjectDetectorVersions" ma:description="" ma:hidden="true" ma:indexed="true" ma:internalName="MediaServiceObjectDetectorVersions" ma:readOnly="true">
+      <xsd:simpleType>
+        <xsd:restriction base="dms:Text"/>
+      </xsd:simpleType>
+    </xsd:element>
+    <xsd:element name="MediaServiceSystemTags" ma:index="24" nillable="true" ma:displayName="MediaServiceSystemTags" ma:hidden="true" ma:internalName="MediaServiceSystemTags" ma:readOnly="true">
+      <xsd:simpleType>
+        <xsd:restriction base="dms:Note"/>
+      </xsd:simpleType>
+    </xsd:element>
+  </xsd:schema>
+  <xsd:schema xmlns:xsd="http://www.w3.org/2001/XMLSchema" xmlns:xs="http://www.w3.org/2001/XMLSchema" xmlns:dms="http://schemas.microsoft.com/office/2006/documentManagement/types" xmlns:pc="http://schemas.microsoft.com/office/infopath/2007/PartnerControls" targetNamespace="c0fa2617-96bd-425d-8578-e93563fe37c5" elementFormDefault="qualified">
+    <xsd:import namespace="http://schemas.microsoft.com/office/2006/documentManagement/types"/>
+    <xsd:import namespace="http://schemas.microsoft.com/office/infopath/2007/PartnerControls"/>
+    <xsd:element name="SharedWithUsers" ma:index="10" nillable="true" ma:displayName="Shared With" ma:internalName="SharedWithUsers" ma:readOnly="true">
+      <xsd:complexType>
+        <xsd:complexContent>
+          <xsd:extension base="dms:UserMulti">
+            <xsd:sequence>
+              <xsd:element name="UserInfo" minOccurs="0" maxOccurs="unbounded">
+                <xsd:complexType>
+                  <xsd:sequence>
+                    <xsd:element name="DisplayName" type="xsd:string" minOccurs="0"/>
+                    <xsd:element name="AccountId" type="dms:UserId" minOccurs="0" nillable="true"/>
+                    <xsd:element name="AccountType" type="xsd:string" minOccurs="0"/>
+                  </xsd:sequence>
+                </xsd:complexType>
+              </xsd:element>
+            </xsd:sequence>
+          </xsd:extension>
+        </xsd:complexContent>
+      </xsd:complexType>
+    </xsd:element>
+    <xsd:element name="SharedWithDetails" ma:index="11" nillable="true" ma:displayName="Shared With Details" ma:internalName="SharedWithDetails" ma:readOnly="true">
+      <xsd:simpleType>
+        <xsd:restriction base="dms:Note">
+          <xsd:maxLength value="255"/>
+        </xsd:restriction>
+      </xsd:simpleType>
+    </xsd:element>
+    <xsd:element name="SharingHintHash" ma:index="12" nillable="true" ma:displayName="Sharing Hint Hash" ma:hidden="true" ma:internalName="SharingHintHash" ma:readOnly="true">
+      <xsd:simpleType>
+        <xsd:restriction base="dms:Text"/>
+      </xsd:simpleType>
+    </xsd:element>
+  </xsd:schema>
+  <xsd:schema xmlns="http://schemas.openxmlformats.org/package/2006/metadata/core-properties" xmlns:xsd="http://www.w3.org/2001/XMLSchema" xmlns:xsi="http://www.w3.org/2001/XMLSchema-instance" xmlns:dc="http://purl.org/dc/elements/1.1/" xmlns:dcterms="http://purl.org/dc/terms/" xmlns:odoc="http://schemas.microsoft.com/internal/obd" targetNamespace="http://schemas.openxmlformats.org/package/2006/metadata/core-properties" elementFormDefault="qualified" attributeFormDefault="unqualified" blockDefault="#all">
+    <xsd:import namespace="http://purl.org/dc/elements/1.1/" schemaLocation="http://dublincore.org/schemas/xmls/qdc/2003/04/02/dc.xsd"/>
+    <xsd:import namespace="http://purl.org/dc/terms/" schemaLocation="http://dublincore.org/schemas/xmls/qdc/2003/04/02/dcterms.xsd"/>
+    <xsd:element name="coreProperties" type="CT_coreProperties"/>
+    <xsd:complexType name="CT_coreProperties">
+      <xsd:all>
+        <xsd:element ref="dc:creator" minOccurs="0" maxOccurs="1"/>
+        <xsd:element ref="dcterms:created" minOccurs="0" maxOccurs="1"/>
+        <xsd:element ref="dc:identifier" minOccurs="0" maxOccurs="1"/>
+        <xsd:element name="contentType" minOccurs="0" maxOccurs="1" type="xsd:string" ma:index="0" ma:displayName="Content Type"/>
+        <xsd:element ref="dc:title" minOccurs="0" maxOccurs="1" ma:index="4" ma:displayName="Title"/>
+        <xsd:element ref="dc:subject" minOccurs="0" maxOccurs="1"/>
+        <xsd:element ref="dc:description" minOccurs="0" maxOccurs="1"/>
+        <xsd:element name="keywords" minOccurs="0" maxOccurs="1" type="xsd:string"/>
+        <xsd:element ref="dc:language" minOccurs="0" maxOccurs="1"/>
+        <xsd:element name="category" minOccurs="0" maxOccurs="1" type="xsd:string"/>
+        <xsd:element name="version" minOccurs="0" maxOccurs="1" type="xsd:string"/>
+        <xsd:element name="revision" minOccurs="0" maxOccurs="1" type="xsd:string">
+          <xsd:annotation>
+            <xsd:documentation>
+                        This value indicates the number of saves or revisions. The application is responsible for updating this value after each revision.
+                    </xsd:documentation>
+          </xsd:annotation>
+        </xsd:element>
+        <xsd:element name="lastModifiedBy" minOccurs="0" maxOccurs="1" type="xsd:string"/>
+        <xsd:element ref="dcterms:modified" minOccurs="0" maxOccurs="1"/>
+        <xsd:element name="contentStatus" minOccurs="0" maxOccurs="1" type="xsd:string"/>
+      </xsd:all>
+    </xsd:complexType>
+  </xsd:schema>
+  <xs:schema xmlns:pc="http://schemas.microsoft.com/office/infopath/2007/PartnerControls" xmlns:xs="http://www.w3.org/2001/XMLSchema" targetNamespace="http://schemas.microsoft.com/office/infopath/2007/PartnerControls" elementFormDefault="qualified" attributeFormDefault="unqualified">
+    <xs:element name="Person">
+      <xs:complexType>
+        <xs:sequence>
+          <xs:element ref="pc:DisplayName" minOccurs="0"/>
+          <xs:element ref="pc:AccountId" minOccurs="0"/>
+          <xs:element ref="pc:AccountType" minOccurs="0"/>
+        </xs:sequence>
+      </xs:complexType>
+    </xs:element>
+    <xs:element name="DisplayName" type="xs:string"/>
+    <xs:element name="AccountId" type="xs:string"/>
+    <xs:element name="AccountType" type="xs:string"/>
+    <xs:element name="BDCAssociatedEntity">
+      <xs:complexType>
+        <xs:sequence>
+          <xs:element ref="pc:BDCEntity" minOccurs="0" maxOccurs="unbounded"/>
+        </xs:sequence>
+        <xs:attribute ref="pc:EntityNamespace"/>
+        <xs:attribute ref="pc:EntityName"/>
+        <xs:attribute ref="pc:SystemInstanceName"/>
+        <xs:attribute ref="pc:AssociationName"/>
+      </xs:complexType>
+    </xs:element>
+    <xs:attribute name="EntityNamespace" type="xs:string"/>
+    <xs:attribute name="EntityName" type="xs:string"/>
+    <xs:attribute name="SystemInstanceName" type="xs:string"/>
+    <xs:attribute name="AssociationName" type="xs:string"/>
+    <xs:element name="BDCEntity">
+      <xs:complexType>
+        <xs:sequence>
+          <xs:element ref="pc:EntityDisplayName" minOccurs="0"/>
+          <xs:element ref="pc:EntityInstanceReference" minOccurs="0"/>
+          <xs:element ref="pc:EntityId1" minOccurs="0"/>
+          <xs:element ref="pc:EntityId2" minOccurs="0"/>
+          <xs:element ref="pc:EntityId3" minOccurs="0"/>
+          <xs:element ref="pc:EntityId4" minOccurs="0"/>
+          <xs:element ref="pc:EntityId5" minOccurs="0"/>
+        </xs:sequence>
+      </xs:complexType>
+    </xs:element>
+    <xs:element name="EntityDisplayName" type="xs:string"/>
+    <xs:element name="EntityInstanceReference" type="xs:string"/>
+    <xs:element name="EntityId1" type="xs:string"/>
+    <xs:element name="EntityId2" type="xs:string"/>
+    <xs:element name="EntityId3" type="xs:string"/>
+    <xs:element name="EntityId4" type="xs:string"/>
+    <xs:element name="EntityId5" type="xs:string"/>
+    <xs:element name="Terms">
+      <xs:complexType>
+        <xs:sequence>
+          <xs:element ref="pc:TermInfo" minOccurs="0" maxOccurs="unbounded"/>
+        </xs:sequence>
+      </xs:complexType>
+    </xs:element>
+    <xs:element name="TermInfo">
+      <xs:complexType>
+        <xs:sequence>
+          <xs:element ref="pc:TermName" minOccurs="0"/>
+          <xs:element ref="pc:TermId" minOccurs="0"/>
+        </xs:sequence>
+      </xs:complexType>
+    </xs:element>
+    <xs:element name="TermName" type="xs:string"/>
+    <xs:element name="TermId" type="xs:string"/>
+  </xs:schema>
+</ct:contentTypeSchema>
+</file>
+
+<file path=customXml/item3.xml><?xml version="1.0" encoding="utf-8"?>
+<?mso-contentType ?>
+<FormTemplates xmlns="http://schemas.microsoft.com/sharepoint/v3/contenttype/forms">
+  <Display>DocumentLibraryForm</Display>
+  <Edit>DocumentLibraryForm</Edit>
+  <New>DocumentLibraryForm</New>
+</FormTemplates>
+</file>
+
+<file path=customXml/itemProps1.xml><?xml version="1.0" encoding="utf-8"?>
+<ds:datastoreItem xmlns:ds="http://schemas.openxmlformats.org/officeDocument/2006/customXml" ds:itemID="{8D289AE2-D2AE-49D1-AFAC-3A79F6794255}">
+  <ds:schemaRefs>
+    <ds:schemaRef ds:uri="http://purl.org/dc/terms/"/>
+    <ds:schemaRef ds:uri="http://schemas.openxmlformats.org/package/2006/metadata/core-properties"/>
+    <ds:schemaRef ds:uri="http://schemas.microsoft.com/office/2006/documentManagement/types"/>
+    <ds:schemaRef ds:uri="http://schemas.microsoft.com/office/infopath/2007/PartnerControls"/>
+    <ds:schemaRef ds:uri="http://purl.org/dc/elements/1.1/"/>
+    <ds:schemaRef ds:uri="http://schemas.microsoft.com/office/2006/metadata/properties"/>
+    <ds:schemaRef ds:uri="c0fa2617-96bd-425d-8578-e93563fe37c5"/>
+    <ds:schemaRef ds:uri="9162bd5b-4ed9-4da3-b376-05204580ba3f"/>
+    <ds:schemaRef ds:uri="http://www.w3.org/XML/1998/namespace"/>
+    <ds:schemaRef ds:uri="http://purl.org/dc/dcmitype/"/>
+  </ds:schemaRefs>
+</ds:datastoreItem>
+</file>
+
+<file path=customXml/itemProps2.xml><?xml version="1.0" encoding="utf-8"?>
+<ds:datastoreItem xmlns:ds="http://schemas.openxmlformats.org/officeDocument/2006/customXml" ds:itemID="{6E816721-11E4-4989-8472-AB5A7EC20404}">
+  <ds:schemaRefs>
+    <ds:schemaRef ds:uri="9162bd5b-4ed9-4da3-b376-05204580ba3f"/>
+    <ds:schemaRef ds:uri="c0fa2617-96bd-425d-8578-e93563fe37c5"/>
+    <ds:schemaRef ds:uri="http://purl.org/dc/elements/1.1/"/>
+    <ds:schemaRef ds:uri="http://purl.org/dc/terms/"/>
+    <ds:schemaRef ds:uri="http://schemas.microsoft.com/internal/obd"/>
+    <ds:schemaRef ds:uri="http://schemas.microsoft.com/office/2006/documentManagement/types"/>
+    <ds:schemaRef ds:uri="http://schemas.microsoft.com/office/2006/metadata/contentType"/>
+    <ds:schemaRef ds:uri="http://schemas.microsoft.com/office/2006/metadata/properties"/>
+    <ds:schemaRef ds:uri="http://schemas.microsoft.com/office/2006/metadata/properties/metaAttributes"/>
+    <ds:schemaRef ds:uri="http://schemas.microsoft.com/office/infopath/2007/PartnerControls"/>
+    <ds:schemaRef ds:uri="http://schemas.openxmlformats.org/package/2006/metadata/core-properties"/>
+    <ds:schemaRef ds:uri="http://www.w3.org/2001/XMLSchema"/>
+  </ds:schemaRefs>
+</ds:datastoreItem>
+</file>
+
+<file path=customXml/itemProps3.xml><?xml version="1.0" encoding="utf-8"?>
+<ds:datastoreItem xmlns:ds="http://schemas.openxmlformats.org/officeDocument/2006/customXml" ds:itemID="{927BD4C1-B6B1-4715-ABF9-E660A51A4EA0}">
+  <ds:schemaRefs>
+    <ds:schemaRef ds:uri="http://schemas.microsoft.com/sharepoint/v3/contenttype/forms"/>
+  </ds:schemaRefs>
+</ds:datastoreItem>
 </file>